--- a/documents/A4_worldMap_発表会資料_0630.pptx
+++ b/documents/A4_worldMap_発表会資料_0630.pptx
@@ -12262,8 +12262,8 @@
         </p:nvSpPr>
         <p:spPr>
           <a:xfrm>
-            <a:off x="358601" y="1349603"/>
-            <a:ext cx="11409623" cy="1150363"/>
+            <a:off x="358601" y="1349604"/>
+            <a:ext cx="11409623" cy="995664"/>
           </a:xfrm>
           <a:prstGeom prst="rect">
             <a:avLst/>
@@ -12578,7 +12578,7 @@
         </p:nvSpPr>
         <p:spPr>
           <a:xfrm>
-            <a:off x="747705" y="1721413"/>
+            <a:off x="747705" y="1633382"/>
             <a:ext cx="10649638" cy="568874"/>
           </a:xfrm>
           <a:prstGeom prst="rect">
@@ -12741,8 +12741,8 @@
         </p:nvSpPr>
         <p:spPr>
           <a:xfrm>
-            <a:off x="358601" y="2632948"/>
-            <a:ext cx="11409623" cy="2484410"/>
+            <a:off x="358601" y="2486034"/>
+            <a:ext cx="11409623" cy="2631324"/>
           </a:xfrm>
           <a:prstGeom prst="rect">
             <a:avLst/>
@@ -12810,8 +12810,8 @@
         </p:nvSpPr>
         <p:spPr>
           <a:xfrm>
-            <a:off x="725833" y="3024618"/>
-            <a:ext cx="9467478" cy="1966820"/>
+            <a:off x="599052" y="2768143"/>
+            <a:ext cx="9467478" cy="2151486"/>
           </a:xfrm>
           <a:prstGeom prst="rect">
             <a:avLst/>
@@ -12830,14 +12830,14 @@
               </a:lnSpc>
             </a:pPr>
             <a:r>
-              <a:rPr kumimoji="1" lang="ja-JP" altLang="en-US" sz="2000" dirty="0"/>
+              <a:rPr kumimoji="1" lang="ja-JP" altLang="en-US" sz="2400" dirty="0"/>
               <a:t>・ プログラミング面で、あまりチームの役に立てなかったことが</a:t>
             </a:r>
             <a:r>
-              <a:rPr kumimoji="1" lang="ja-JP" altLang="en-US" sz="2000" b="1" dirty="0"/>
+              <a:rPr kumimoji="1" lang="ja-JP" altLang="en-US" sz="2400" b="1" dirty="0"/>
               <a:t>非常に悔しい！</a:t>
             </a:r>
-            <a:endParaRPr kumimoji="1" lang="en-US" altLang="ja-JP" sz="2000" b="1" dirty="0"/>
+            <a:endParaRPr kumimoji="1" lang="en-US" altLang="ja-JP" sz="2400" b="1" dirty="0"/>
           </a:p>
           <a:p>
             <a:pPr>
@@ -12846,10 +12846,10 @@
               </a:lnSpc>
             </a:pPr>
             <a:r>
-              <a:rPr kumimoji="1" lang="ja-JP" altLang="en-US" sz="2000" dirty="0"/>
+              <a:rPr kumimoji="1" lang="ja-JP" altLang="en-US" sz="2400" dirty="0"/>
               <a:t>　 提供するものはあくまでシステム。コミュニケーションだけできても意味がない。</a:t>
             </a:r>
-            <a:endParaRPr kumimoji="1" lang="en-US" altLang="ja-JP" sz="2000" dirty="0"/>
+            <a:endParaRPr kumimoji="1" lang="en-US" altLang="ja-JP" sz="2400" dirty="0"/>
           </a:p>
           <a:p>
             <a:pPr>

--- a/documents/A4_worldMap_発表会資料_0630.pptx
+++ b/documents/A4_worldMap_発表会資料_0630.pptx
@@ -5,10 +5,10 @@
     <p:sldMasterId id="2147483723" r:id="rId1"/>
   </p:sldMasterIdLst>
   <p:notesMasterIdLst>
-    <p:notesMasterId r:id="rId24"/>
+    <p:notesMasterId r:id="rId25"/>
   </p:notesMasterIdLst>
   <p:handoutMasterIdLst>
-    <p:handoutMasterId r:id="rId25"/>
+    <p:handoutMasterId r:id="rId26"/>
   </p:handoutMasterIdLst>
   <p:sldIdLst>
     <p:sldId id="296" r:id="rId2"/>
@@ -27,12 +27,13 @@
     <p:sldId id="316" r:id="rId15"/>
     <p:sldId id="325" r:id="rId16"/>
     <p:sldId id="314" r:id="rId17"/>
-    <p:sldId id="343" r:id="rId18"/>
-    <p:sldId id="348" r:id="rId19"/>
-    <p:sldId id="351" r:id="rId20"/>
-    <p:sldId id="350" r:id="rId21"/>
-    <p:sldId id="349" r:id="rId22"/>
+    <p:sldId id="348" r:id="rId18"/>
+    <p:sldId id="351" r:id="rId19"/>
+    <p:sldId id="350" r:id="rId20"/>
+    <p:sldId id="349" r:id="rId21"/>
+    <p:sldId id="343" r:id="rId22"/>
     <p:sldId id="304" r:id="rId23"/>
+    <p:sldId id="357" r:id="rId24"/>
   </p:sldIdLst>
   <p:sldSz cx="12192000" cy="6858000"/>
   <p:notesSz cx="6858000" cy="9144000"/>
@@ -1478,7 +1479,7 @@
               <a:tabLst/>
               <a:defRPr/>
             </a:pPr>
-            <a:fld id="{8E1A19CE-EE20-4DDD-90A2-6A494AAB5382}" type="datetime1">
+            <a:fld id="{7CBDBD0D-E37D-4B4C-9A7B-2C1688582109}" type="datetime1">
               <a:rPr kumimoji="0" lang="ja-JP" altLang="en-US" sz="1200" b="0" i="0" u="none" strike="noStrike" kern="1200" cap="none" spc="0" normalizeH="0" baseline="0" noProof="0" smtClean="0">
                 <a:ln>
                   <a:noFill/>
@@ -1598,7 +1599,7 @@
     </p:spTree>
     <p:extLst>
       <p:ext uri="{BB962C8B-B14F-4D97-AF65-F5344CB8AC3E}">
-        <p14:creationId xmlns:p14="http://schemas.microsoft.com/office/powerpoint/2010/main" val="2766790121"/>
+        <p14:creationId xmlns:p14="http://schemas.microsoft.com/office/powerpoint/2010/main" val="307823710"/>
       </p:ext>
     </p:extLst>
   </p:cSld>
@@ -1688,7 +1689,7 @@
               <a:tabLst/>
               <a:defRPr/>
             </a:pPr>
-            <a:fld id="{7CBDBD0D-E37D-4B4C-9A7B-2C1688582109}" type="datetime1">
+            <a:fld id="{8E85ECD7-D518-44E8-87C9-C5F8664E9335}" type="datetime1">
               <a:rPr kumimoji="0" lang="ja-JP" altLang="en-US" sz="1200" b="0" i="0" u="none" strike="noStrike" kern="1200" cap="none" spc="0" normalizeH="0" baseline="0" noProof="0" smtClean="0">
                 <a:ln>
                   <a:noFill/>
@@ -1898,7 +1899,7 @@
               <a:tabLst/>
               <a:defRPr/>
             </a:pPr>
-            <a:fld id="{8E85ECD7-D518-44E8-87C9-C5F8664E9335}" type="datetime1">
+            <a:fld id="{039AB888-B9A2-4119-ADB5-D4DC2D83B085}" type="datetime1">
               <a:rPr kumimoji="0" lang="ja-JP" altLang="en-US" sz="1200" b="0" i="0" u="none" strike="noStrike" kern="1200" cap="none" spc="0" normalizeH="0" baseline="0" noProof="0" smtClean="0">
                 <a:ln>
                   <a:noFill/>
@@ -2018,7 +2019,7 @@
     </p:spTree>
     <p:extLst>
       <p:ext uri="{BB962C8B-B14F-4D97-AF65-F5344CB8AC3E}">
-        <p14:creationId xmlns:p14="http://schemas.microsoft.com/office/powerpoint/2010/main" val="307823710"/>
+        <p14:creationId xmlns:p14="http://schemas.microsoft.com/office/powerpoint/2010/main" val="2766790121"/>
       </p:ext>
     </p:extLst>
   </p:cSld>
@@ -2108,7 +2109,7 @@
               <a:tabLst/>
               <a:defRPr/>
             </a:pPr>
-            <a:fld id="{039AB888-B9A2-4119-ADB5-D4DC2D83B085}" type="datetime1">
+            <a:fld id="{2B9F6525-2CC3-4074-AE31-8FD0BADF7B77}" type="datetime1">
               <a:rPr kumimoji="0" lang="ja-JP" altLang="en-US" sz="1200" b="0" i="0" u="none" strike="noStrike" kern="1200" cap="none" spc="0" normalizeH="0" baseline="0" noProof="0" smtClean="0">
                 <a:ln>
                   <a:noFill/>
@@ -2228,7 +2229,7 @@
     </p:spTree>
     <p:extLst>
       <p:ext uri="{BB962C8B-B14F-4D97-AF65-F5344CB8AC3E}">
-        <p14:creationId xmlns:p14="http://schemas.microsoft.com/office/powerpoint/2010/main" val="2766790121"/>
+        <p14:creationId xmlns:p14="http://schemas.microsoft.com/office/powerpoint/2010/main" val="307823710"/>
       </p:ext>
     </p:extLst>
   </p:cSld>
@@ -2318,7 +2319,7 @@
               <a:tabLst/>
               <a:defRPr/>
             </a:pPr>
-            <a:fld id="{2B9F6525-2CC3-4074-AE31-8FD0BADF7B77}" type="datetime1">
+            <a:fld id="{8E1A19CE-EE20-4DDD-90A2-6A494AAB5382}" type="datetime1">
               <a:rPr kumimoji="0" lang="ja-JP" altLang="en-US" sz="1200" b="0" i="0" u="none" strike="noStrike" kern="1200" cap="none" spc="0" normalizeH="0" baseline="0" noProof="0" smtClean="0">
                 <a:ln>
                   <a:noFill/>
@@ -2438,7 +2439,7 @@
     </p:spTree>
     <p:extLst>
       <p:ext uri="{BB962C8B-B14F-4D97-AF65-F5344CB8AC3E}">
-        <p14:creationId xmlns:p14="http://schemas.microsoft.com/office/powerpoint/2010/main" val="307823710"/>
+        <p14:creationId xmlns:p14="http://schemas.microsoft.com/office/powerpoint/2010/main" val="2766790121"/>
       </p:ext>
     </p:extLst>
   </p:cSld>
@@ -2555,6 +2556,114 @@
     <p:extLst>
       <p:ext uri="{BB962C8B-B14F-4D97-AF65-F5344CB8AC3E}">
         <p14:creationId xmlns:p14="http://schemas.microsoft.com/office/powerpoint/2010/main" val="961409108"/>
+      </p:ext>
+    </p:extLst>
+  </p:cSld>
+  <p:clrMapOvr>
+    <a:masterClrMapping/>
+  </p:clrMapOvr>
+</p:notes>
+</file>
+
+<file path=ppt/notesSlides/notesSlide20.xml><?xml version="1.0" encoding="utf-8"?>
+<p:notes xmlns:a="http://schemas.openxmlformats.org/drawingml/2006/main" xmlns:r="http://schemas.openxmlformats.org/officeDocument/2006/relationships" xmlns:p="http://schemas.openxmlformats.org/presentationml/2006/main">
+  <p:cSld>
+    <p:spTree>
+      <p:nvGrpSpPr>
+        <p:cNvPr id="1" name=""/>
+        <p:cNvGrpSpPr/>
+        <p:nvPr/>
+      </p:nvGrpSpPr>
+      <p:grpSpPr>
+        <a:xfrm>
+          <a:off x="0" y="0"/>
+          <a:ext cx="0" cy="0"/>
+          <a:chOff x="0" y="0"/>
+          <a:chExt cx="0" cy="0"/>
+        </a:xfrm>
+      </p:grpSpPr>
+      <p:sp>
+        <p:nvSpPr>
+          <p:cNvPr id="2" name="スライド イメージ プレースホルダー 1"/>
+          <p:cNvSpPr>
+            <a:spLocks noGrp="1" noRot="1" noChangeAspect="1"/>
+          </p:cNvSpPr>
+          <p:nvPr>
+            <p:ph type="sldImg"/>
+          </p:nvPr>
+        </p:nvSpPr>
+        <p:spPr/>
+      </p:sp>
+      <p:sp>
+        <p:nvSpPr>
+          <p:cNvPr id="3" name="ノート プレースホルダー 2"/>
+          <p:cNvSpPr>
+            <a:spLocks noGrp="1"/>
+          </p:cNvSpPr>
+          <p:nvPr>
+            <p:ph type="body" idx="1"/>
+          </p:nvPr>
+        </p:nvSpPr>
+        <p:spPr/>
+        <p:txBody>
+          <a:bodyPr/>
+          <a:lstStyle/>
+          <a:p>
+            <a:endParaRPr kumimoji="1" lang="ja-JP" altLang="en-US" dirty="0"/>
+          </a:p>
+        </p:txBody>
+      </p:sp>
+      <p:sp>
+        <p:nvSpPr>
+          <p:cNvPr id="4" name="日付プレースホルダー 3"/>
+          <p:cNvSpPr>
+            <a:spLocks noGrp="1"/>
+          </p:cNvSpPr>
+          <p:nvPr>
+            <p:ph type="dt" idx="1"/>
+          </p:nvPr>
+        </p:nvSpPr>
+        <p:spPr/>
+        <p:txBody>
+          <a:bodyPr/>
+          <a:lstStyle/>
+          <a:p>
+            <a:fld id="{A7641951-58F2-44FC-BBAF-10D86FB4EB72}" type="datetime1">
+              <a:rPr lang="ja-JP" altLang="en-US" smtClean="0"/>
+              <a:t>2021/6/29</a:t>
+            </a:fld>
+            <a:endParaRPr lang="en-US" dirty="0"/>
+          </a:p>
+        </p:txBody>
+      </p:sp>
+      <p:sp>
+        <p:nvSpPr>
+          <p:cNvPr id="5" name="スライド番号プレースホルダー 4"/>
+          <p:cNvSpPr>
+            <a:spLocks noGrp="1"/>
+          </p:cNvSpPr>
+          <p:nvPr>
+            <p:ph type="sldNum" sz="quarter" idx="5"/>
+          </p:nvPr>
+        </p:nvSpPr>
+        <p:spPr/>
+        <p:txBody>
+          <a:bodyPr/>
+          <a:lstStyle/>
+          <a:p>
+            <a:fld id="{DB303FA8-A3F3-7640-B13D-36C73B3E5587}" type="slidenum">
+              <a:rPr lang="en-US" smtClean="0"/>
+              <a:pPr/>
+              <a:t>23</a:t>
+            </a:fld>
+            <a:endParaRPr lang="en-US" dirty="0"/>
+          </a:p>
+        </p:txBody>
+      </p:sp>
+    </p:spTree>
+    <p:extLst>
+      <p:ext uri="{BB962C8B-B14F-4D97-AF65-F5344CB8AC3E}">
+        <p14:creationId xmlns:p14="http://schemas.microsoft.com/office/powerpoint/2010/main" val="1152997743"/>
       </p:ext>
     </p:extLst>
   </p:cSld>
@@ -3923,42 +4032,6 @@
       </p:sp>
       <p:sp>
         <p:nvSpPr>
-          <p:cNvPr id="4" name="スライド番号プレースホルダー 3">
-            <a:extLst>
-              <a:ext uri="{FF2B5EF4-FFF2-40B4-BE49-F238E27FC236}">
-                <a16:creationId xmlns:a16="http://schemas.microsoft.com/office/drawing/2014/main" id="{71FD5A6F-AE17-4E4C-9567-DB3B02853306}"/>
-              </a:ext>
-            </a:extLst>
-          </p:cNvPr>
-          <p:cNvSpPr>
-            <a:spLocks noGrp="1"/>
-          </p:cNvSpPr>
-          <p:nvPr>
-            <p:ph type="sldNum" sz="quarter" idx="12"/>
-          </p:nvPr>
-        </p:nvSpPr>
-        <p:spPr/>
-        <p:txBody>
-          <a:bodyPr rtlCol="0"/>
-          <a:lstStyle>
-            <a:lvl1pPr>
-              <a:defRPr>
-                <a:latin typeface="+mj-lt"/>
-              </a:defRPr>
-            </a:lvl1pPr>
-          </a:lstStyle>
-          <a:p>
-            <a:fld id="{6F705D35-D126-3B47-A82C-2A13EA9E0A67}" type="slidenum">
-              <a:rPr lang="en-US" smtClean="0"/>
-              <a:pPr/>
-              <a:t>‹#›</a:t>
-            </a:fld>
-            <a:endParaRPr lang="en-US" dirty="0"/>
-          </a:p>
-        </p:txBody>
-      </p:sp>
-      <p:sp>
-        <p:nvSpPr>
           <p:cNvPr id="5" name="長方形 4">
             <a:extLst>
               <a:ext uri="{FF2B5EF4-FFF2-40B4-BE49-F238E27FC236}">
@@ -4244,6 +4317,50 @@
               <a:t>レベル</a:t>
             </a:r>
             <a:endParaRPr lang="ja" noProof="0"/>
+          </a:p>
+        </p:txBody>
+      </p:sp>
+      <p:sp>
+        <p:nvSpPr>
+          <p:cNvPr id="4" name="スライド番号プレースホルダー 3">
+            <a:extLst>
+              <a:ext uri="{FF2B5EF4-FFF2-40B4-BE49-F238E27FC236}">
+                <a16:creationId xmlns:a16="http://schemas.microsoft.com/office/drawing/2014/main" id="{71FD5A6F-AE17-4E4C-9567-DB3B02853306}"/>
+              </a:ext>
+            </a:extLst>
+          </p:cNvPr>
+          <p:cNvSpPr>
+            <a:spLocks noGrp="1"/>
+          </p:cNvSpPr>
+          <p:nvPr>
+            <p:ph type="sldNum" sz="quarter" idx="12"/>
+          </p:nvPr>
+        </p:nvSpPr>
+        <p:spPr>
+          <a:xfrm>
+            <a:off x="8610600" y="658644"/>
+            <a:ext cx="2743200" cy="228600"/>
+          </a:xfrm>
+        </p:spPr>
+        <p:txBody>
+          <a:bodyPr rtlCol="0"/>
+          <a:lstStyle>
+            <a:lvl1pPr>
+              <a:defRPr sz="1800">
+                <a:solidFill>
+                  <a:schemeClr val="bg1"/>
+                </a:solidFill>
+                <a:latin typeface="+mj-lt"/>
+              </a:defRPr>
+            </a:lvl1pPr>
+          </a:lstStyle>
+          <a:p>
+            <a:fld id="{6F705D35-D126-3B47-A82C-2A13EA9E0A67}" type="slidenum">
+              <a:rPr lang="en-US" smtClean="0"/>
+              <a:pPr/>
+              <a:t>‹#›</a:t>
+            </a:fld>
+            <a:endParaRPr lang="en-US" dirty="0"/>
           </a:p>
         </p:txBody>
       </p:sp>
@@ -13543,7 +13660,7 @@
         <p:spPr>
           <a:xfrm>
             <a:off x="358601" y="1349603"/>
-            <a:ext cx="11415528" cy="997103"/>
+            <a:ext cx="11409623" cy="1150363"/>
           </a:xfrm>
           <a:prstGeom prst="rect">
             <a:avLst/>
@@ -13595,48 +13712,22 @@
               <a:defRPr/>
             </a:pPr>
             <a:r>
-              <a:rPr kumimoji="1" lang="ja-JP" altLang="en-US" sz="2000" dirty="0">
+              <a:rPr kumimoji="1" lang="ja-JP" altLang="en-US" sz="2000" b="0" i="0" u="none" strike="noStrike" kern="1200" cap="none" spc="0" normalizeH="0" baseline="0" noProof="0" dirty="0">
+                <a:ln>
+                  <a:noFill/>
+                </a:ln>
                 <a:solidFill>
                   <a:srgbClr val="231B23"/>
                 </a:solidFill>
+                <a:effectLst/>
+                <a:uLnTx/>
+                <a:uFillTx/>
                 <a:latin typeface="HGP教科書体" panose="02020600000000000000" pitchFamily="18" charset="-128"/>
                 <a:ea typeface="HGP教科書体" panose="02020600000000000000" pitchFamily="18" charset="-128"/>
-              </a:rPr>
-              <a:t>チームリーダーとして</a:t>
-            </a:r>
-            <a:endParaRPr kumimoji="1" lang="ja-JP" altLang="en-US" sz="2000" b="0" i="0" u="none" strike="noStrike" kern="1200" cap="none" spc="0" normalizeH="0" baseline="0" noProof="0" dirty="0">
-              <a:ln>
-                <a:noFill/>
-              </a:ln>
-              <a:solidFill>
-                <a:srgbClr val="231B23"/>
-              </a:solidFill>
-              <a:effectLst/>
-              <a:uLnTx/>
-              <a:uFillTx/>
-              <a:latin typeface="HGP教科書体" panose="02020600000000000000" pitchFamily="18" charset="-128"/>
-              <a:ea typeface="HGP教科書体" panose="02020600000000000000" pitchFamily="18" charset="-128"/>
-              <a:cs typeface="+mn-cs"/>
-            </a:endParaRPr>
-          </a:p>
-          <a:p>
-            <a:pPr marL="0" marR="0" lvl="0" indent="0" algn="l" defTabSz="914400" rtl="0" eaLnBrk="1" fontAlgn="auto" latinLnBrk="0" hangingPunct="1">
-              <a:lnSpc>
-                <a:spcPct val="100000"/>
-              </a:lnSpc>
-              <a:spcBef>
-                <a:spcPts val="0"/>
-              </a:spcBef>
-              <a:spcAft>
-                <a:spcPts val="0"/>
-              </a:spcAft>
-              <a:buClrTx/>
-              <a:buSzTx/>
-              <a:buFontTx/>
-              <a:buNone/>
-              <a:tabLst/>
-              <a:defRPr/>
-            </a:pPr>
+                <a:cs typeface="+mn-cs"/>
+              </a:rPr>
+              <a:t>構成管理担当として</a:t>
+            </a:r>
             <a:endParaRPr kumimoji="1" lang="en-US" altLang="ja-JP" sz="2000" b="0" i="0" u="none" strike="noStrike" kern="1200" cap="none" spc="0" normalizeH="0" baseline="0" noProof="0" dirty="0">
               <a:ln>
                 <a:noFill/>
@@ -13787,6 +13878,42 @@
           </a:p>
         </p:txBody>
       </p:sp>
+      <p:pic>
+        <p:nvPicPr>
+          <p:cNvPr id="10" name="グラフィックス 9" descr="ニヤリとした顔 (塗りつぶしなし) 単色塗りつぶし">
+            <a:extLst>
+              <a:ext uri="{FF2B5EF4-FFF2-40B4-BE49-F238E27FC236}">
+                <a16:creationId xmlns:a16="http://schemas.microsoft.com/office/drawing/2014/main" id="{D68573FE-0FF6-4CE1-95BE-C63109EF9B20}"/>
+              </a:ext>
+            </a:extLst>
+          </p:cNvPr>
+          <p:cNvPicPr>
+            <a:picLocks noChangeAspect="1"/>
+          </p:cNvPicPr>
+          <p:nvPr/>
+        </p:nvPicPr>
+        <p:blipFill>
+          <a:blip r:embed="rId3">
+            <a:extLst>
+              <a:ext uri="{96DAC541-7B7A-43D3-8B79-37D633B846F1}">
+                <asvg:svgBlip xmlns:asvg="http://schemas.microsoft.com/office/drawing/2016/SVG/main" r:embed="rId4"/>
+              </a:ext>
+            </a:extLst>
+          </a:blip>
+          <a:stretch>
+            <a:fillRect/>
+          </a:stretch>
+        </p:blipFill>
+        <p:spPr>
+          <a:xfrm>
+            <a:off x="10901856" y="5553518"/>
+            <a:ext cx="735351" cy="735351"/>
+          </a:xfrm>
+          <a:prstGeom prst="rect">
+            <a:avLst/>
+          </a:prstGeom>
+        </p:spPr>
+      </p:pic>
       <p:sp>
         <p:nvSpPr>
           <p:cNvPr id="21" name="タイトル 1">
@@ -13816,7 +13943,7 @@
             <a:pPr rtl="0"/>
             <a:r>
               <a:rPr lang="ja-JP" altLang="en-US" sz="3200" b="0" dirty="0"/>
-              <a:t>小林 葵 </a:t>
+              <a:t>上甲 健太郎 </a:t>
             </a:r>
             <a:r>
               <a:rPr lang="en-US" altLang="ja-JP" b="0" dirty="0"/>
@@ -13824,7 +13951,7 @@
             </a:r>
             <a:r>
               <a:rPr lang="ja-JP" altLang="en-US" b="0" dirty="0"/>
-              <a:t>チームリーダー</a:t>
+              <a:t>構成管理担当</a:t>
             </a:r>
             <a:endParaRPr lang="ja" sz="3200" b="0" dirty="0"/>
           </a:p>
@@ -13845,10 +13972,10 @@
           <p:nvPr/>
         </p:nvPicPr>
         <p:blipFill>
-          <a:blip r:embed="rId3">
+          <a:blip r:embed="rId5">
             <a:extLst>
               <a:ext uri="{96DAC541-7B7A-43D3-8B79-37D633B846F1}">
-                <asvg:svgBlip xmlns:asvg="http://schemas.microsoft.com/office/drawing/2016/SVG/main" r:embed="rId4"/>
+                <asvg:svgBlip xmlns:asvg="http://schemas.microsoft.com/office/drawing/2016/SVG/main" r:embed="rId6"/>
               </a:ext>
             </a:extLst>
           </a:blip>
@@ -13881,7 +14008,7 @@
         <p:spPr>
           <a:xfrm>
             <a:off x="9174888" y="5666506"/>
-            <a:ext cx="1644513" cy="769441"/>
+            <a:ext cx="2033043" cy="769441"/>
           </a:xfrm>
           <a:prstGeom prst="rect">
             <a:avLst/>
@@ -13928,7 +14055,7 @@
                 <a:ea typeface="+mn-ea"/>
                 <a:cs typeface="+mn-cs"/>
               </a:rPr>
-              <a:t>85</a:t>
+              <a:t>70</a:t>
             </a:r>
             <a:r>
               <a:rPr kumimoji="1" lang="en-US" altLang="ja-JP" sz="2000" b="0" i="0" u="none" strike="noStrike" kern="1200" cap="none" spc="0" normalizeH="0" baseline="0" noProof="0" dirty="0">
@@ -13983,6 +14110,153 @@
           </a:p>
         </p:txBody>
       </p:sp>
+      <p:sp>
+        <p:nvSpPr>
+          <p:cNvPr id="41" name="テキスト ボックス 40">
+            <a:extLst>
+              <a:ext uri="{FF2B5EF4-FFF2-40B4-BE49-F238E27FC236}">
+                <a16:creationId xmlns:a16="http://schemas.microsoft.com/office/drawing/2014/main" id="{F5B6F027-05F2-4C6D-AE1E-9A8D41C0E830}"/>
+              </a:ext>
+            </a:extLst>
+          </p:cNvPr>
+          <p:cNvSpPr txBox="1"/>
+          <p:nvPr/>
+        </p:nvSpPr>
+        <p:spPr>
+          <a:xfrm>
+            <a:off x="599052" y="1721413"/>
+            <a:ext cx="6269106" cy="648319"/>
+          </a:xfrm>
+          <a:prstGeom prst="rect">
+            <a:avLst/>
+          </a:prstGeom>
+          <a:noFill/>
+        </p:spPr>
+        <p:txBody>
+          <a:bodyPr wrap="square" rtlCol="0">
+            <a:spAutoFit/>
+          </a:bodyPr>
+          <a:lstStyle/>
+          <a:p>
+            <a:pPr marL="0" marR="0" lvl="0" indent="0" algn="l" defTabSz="914400" rtl="0" eaLnBrk="1" fontAlgn="auto" latinLnBrk="0" hangingPunct="1">
+              <a:lnSpc>
+                <a:spcPct val="150000"/>
+              </a:lnSpc>
+              <a:spcBef>
+                <a:spcPts val="0"/>
+              </a:spcBef>
+              <a:spcAft>
+                <a:spcPts val="0"/>
+              </a:spcAft>
+              <a:buClrTx/>
+              <a:buSzTx/>
+              <a:buFontTx/>
+              <a:buNone/>
+              <a:tabLst/>
+              <a:defRPr/>
+            </a:pPr>
+            <a:r>
+              <a:rPr kumimoji="1" lang="ja-JP" altLang="en-US" sz="2800" b="0" i="0" u="none" strike="noStrike" kern="1200" cap="none" spc="0" normalizeH="0" baseline="0" noProof="0" dirty="0">
+                <a:ln>
+                  <a:noFill/>
+                </a:ln>
+                <a:solidFill>
+                  <a:srgbClr val="231B23"/>
+                </a:solidFill>
+                <a:effectLst/>
+                <a:uLnTx/>
+                <a:uFillTx/>
+                <a:latin typeface="Meiryo UI"/>
+                <a:ea typeface="+mn-ea"/>
+                <a:cs typeface="+mn-cs"/>
+              </a:rPr>
+              <a:t>サブ講師</a:t>
+            </a:r>
+            <a:r>
+              <a:rPr kumimoji="1" lang="en-US" altLang="ja-JP" sz="2000" b="0" i="0" u="none" strike="noStrike" kern="1200" cap="none" spc="0" normalizeH="0" baseline="0" noProof="0" dirty="0">
+                <a:ln>
+                  <a:noFill/>
+                </a:ln>
+                <a:solidFill>
+                  <a:srgbClr val="231B23"/>
+                </a:solidFill>
+                <a:effectLst/>
+                <a:uLnTx/>
+                <a:uFillTx/>
+                <a:latin typeface="Meiryo UI"/>
+                <a:ea typeface="+mn-ea"/>
+                <a:cs typeface="+mn-cs"/>
+              </a:rPr>
+              <a:t>(</a:t>
+            </a:r>
+            <a:r>
+              <a:rPr kumimoji="1" lang="ja-JP" altLang="en-US" sz="2000" b="0" i="0" u="none" strike="noStrike" kern="1200" cap="none" spc="0" normalizeH="0" baseline="0" noProof="0" dirty="0">
+                <a:ln>
+                  <a:noFill/>
+                </a:ln>
+                <a:solidFill>
+                  <a:srgbClr val="231B23"/>
+                </a:solidFill>
+                <a:effectLst/>
+                <a:uLnTx/>
+                <a:uFillTx/>
+                <a:latin typeface="Meiryo UI"/>
+                <a:ea typeface="+mn-ea"/>
+                <a:cs typeface="+mn-cs"/>
+              </a:rPr>
+              <a:t>的な存在</a:t>
+            </a:r>
+            <a:r>
+              <a:rPr kumimoji="1" lang="en-US" altLang="ja-JP" sz="2000" b="0" i="0" u="none" strike="noStrike" kern="1200" cap="none" spc="0" normalizeH="0" baseline="0" noProof="0" dirty="0">
+                <a:ln>
+                  <a:noFill/>
+                </a:ln>
+                <a:solidFill>
+                  <a:srgbClr val="231B23"/>
+                </a:solidFill>
+                <a:effectLst/>
+                <a:uLnTx/>
+                <a:uFillTx/>
+                <a:latin typeface="Meiryo UI"/>
+                <a:ea typeface="+mn-ea"/>
+                <a:cs typeface="+mn-cs"/>
+              </a:rPr>
+              <a:t>)</a:t>
+            </a:r>
+            <a:r>
+              <a:rPr kumimoji="1" lang="ja-JP" altLang="en-US" sz="2800" b="0" i="0" u="none" strike="noStrike" kern="1200" cap="none" spc="0" normalizeH="0" baseline="0" noProof="0" dirty="0">
+                <a:ln>
+                  <a:noFill/>
+                </a:ln>
+                <a:solidFill>
+                  <a:srgbClr val="231B23"/>
+                </a:solidFill>
+                <a:effectLst/>
+                <a:uLnTx/>
+                <a:uFillTx/>
+                <a:latin typeface="Meiryo UI"/>
+                <a:ea typeface="+mn-ea"/>
+                <a:cs typeface="+mn-cs"/>
+              </a:rPr>
+              <a:t>になる！</a:t>
+            </a:r>
+            <a:endParaRPr kumimoji="1" lang="en-US" altLang="ja-JP" sz="2800" b="0" i="0" u="none" strike="noStrike" kern="1200" cap="none" spc="0" normalizeH="0" baseline="0" noProof="0" dirty="0">
+              <a:ln>
+                <a:noFill/>
+              </a:ln>
+              <a:solidFill>
+                <a:srgbClr val="231B23"/>
+              </a:solidFill>
+              <a:effectLst/>
+              <a:uLnTx/>
+              <a:uFillTx/>
+              <a:latin typeface="Meiryo UI"/>
+              <a:ea typeface="+mn-ea"/>
+              <a:cs typeface="+mn-cs"/>
+            </a:endParaRPr>
+          </a:p>
+        </p:txBody>
+      </p:sp>
       <p:pic>
         <p:nvPicPr>
           <p:cNvPr id="42" name="グラフィックス 41" descr="ユーザー 単色塗りつぶし">
@@ -13998,10 +14272,10 @@
           <p:nvPr/>
         </p:nvPicPr>
         <p:blipFill>
-          <a:blip r:embed="rId5">
+          <a:blip r:embed="rId7">
             <a:extLst>
               <a:ext uri="{96DAC541-7B7A-43D3-8B79-37D633B846F1}">
-                <asvg:svgBlip xmlns:asvg="http://schemas.microsoft.com/office/drawing/2016/SVG/main" r:embed="rId6"/>
+                <asvg:svgBlip xmlns:asvg="http://schemas.microsoft.com/office/drawing/2016/SVG/main" r:embed="rId8"/>
               </a:ext>
             </a:extLst>
           </a:blip>
@@ -14021,10 +14295,10 @@
       </p:pic>
       <p:sp>
         <p:nvSpPr>
-          <p:cNvPr id="44" name="吹き出し: 角を丸めた四角形 43">
+          <p:cNvPr id="19" name="吹き出し: 角を丸めた四角形 18">
             <a:extLst>
               <a:ext uri="{FF2B5EF4-FFF2-40B4-BE49-F238E27FC236}">
-                <a16:creationId xmlns:a16="http://schemas.microsoft.com/office/drawing/2014/main" id="{DDF871A6-0182-4065-B082-728552ACEB4C}"/>
+                <a16:creationId xmlns:a16="http://schemas.microsoft.com/office/drawing/2014/main" id="{78AB200B-FD60-4B6C-B7B2-6CEB9186F07F}"/>
               </a:ext>
             </a:extLst>
           </p:cNvPr>
@@ -14033,8 +14307,8 @@
         </p:nvSpPr>
         <p:spPr>
           <a:xfrm>
-            <a:off x="2430054" y="5389134"/>
-            <a:ext cx="5875083" cy="1108534"/>
+            <a:off x="2430054" y="5241891"/>
+            <a:ext cx="5875083" cy="1380309"/>
           </a:xfrm>
           <a:prstGeom prst="wedgeRoundRectCallout">
             <a:avLst>
@@ -14074,53 +14348,39 @@
           <a:bodyPr rtlCol="0" anchor="ctr"/>
           <a:lstStyle/>
           <a:p>
-            <a:pPr marL="0" marR="0" lvl="0" indent="0" algn="ctr" defTabSz="914400" rtl="0" eaLnBrk="1" fontAlgn="auto" latinLnBrk="0" hangingPunct="1">
+            <a:pPr algn="ctr">
               <a:lnSpc>
                 <a:spcPct val="150000"/>
               </a:lnSpc>
-              <a:spcBef>
-                <a:spcPts val="0"/>
-              </a:spcBef>
-              <a:spcAft>
-                <a:spcPts val="0"/>
-              </a:spcAft>
-              <a:buClrTx/>
-              <a:buSzTx/>
-              <a:buFontTx/>
-              <a:buNone/>
-              <a:tabLst/>
-              <a:defRPr/>
             </a:pPr>
             <a:r>
-              <a:rPr kumimoji="1" lang="ja-JP" altLang="en-US" sz="1800" b="0" i="0" u="none" strike="noStrike" kern="1200" cap="none" spc="0" normalizeH="0" baseline="0" noProof="0" dirty="0">
-                <a:ln>
-                  <a:noFill/>
-                </a:ln>
+              <a:rPr kumimoji="1" lang="ja-JP" altLang="en-US" dirty="0">
                 <a:solidFill>
                   <a:sysClr val="windowText" lastClr="000000"/>
                 </a:solidFill>
-                <a:effectLst/>
-                <a:uLnTx/>
-                <a:uFillTx/>
-                <a:latin typeface="Meiryo UI"/>
-                <a:ea typeface="+mn-ea"/>
-                <a:cs typeface="+mn-cs"/>
-              </a:rPr>
-              <a:t>わわ</a:t>
-            </a:r>
-            <a:endParaRPr kumimoji="1" lang="en-US" altLang="ja-JP" sz="1800" b="0" i="0" u="none" strike="noStrike" kern="1200" cap="none" spc="0" normalizeH="0" baseline="0" noProof="0" dirty="0">
-              <a:ln>
-                <a:noFill/>
-              </a:ln>
+              </a:rPr>
+              <a:t>内部設計の時に初めてなのに経験者？と思うほど知識があり驚きました。またプログラミングに入ってからは</a:t>
+            </a:r>
+            <a:r>
+              <a:rPr kumimoji="1" lang="en-US" altLang="ja-JP" dirty="0">
+                <a:solidFill>
+                  <a:sysClr val="windowText" lastClr="000000"/>
+                </a:solidFill>
+              </a:rPr>
+              <a:t>A4</a:t>
+            </a:r>
+            <a:r>
+              <a:rPr kumimoji="1" lang="ja-JP" altLang="en-US" dirty="0">
+                <a:solidFill>
+                  <a:sysClr val="windowText" lastClr="000000"/>
+                </a:solidFill>
+              </a:rPr>
+              <a:t>担当のサブ講師なのでは？と思うほど助けられました。</a:t>
+            </a:r>
+            <a:endParaRPr kumimoji="1" lang="en-US" altLang="ja-JP" dirty="0">
               <a:solidFill>
                 <a:sysClr val="windowText" lastClr="000000"/>
               </a:solidFill>
-              <a:effectLst/>
-              <a:uLnTx/>
-              <a:uFillTx/>
-              <a:latin typeface="Meiryo UI"/>
-              <a:ea typeface="+mn-ea"/>
-              <a:cs typeface="+mn-cs"/>
             </a:endParaRPr>
           </a:p>
         </p:txBody>
@@ -14139,8 +14399,8 @@
         </p:nvSpPr>
         <p:spPr>
           <a:xfrm>
-            <a:off x="358601" y="2489372"/>
-            <a:ext cx="11415528" cy="2627986"/>
+            <a:off x="358601" y="2632948"/>
+            <a:ext cx="11409623" cy="2484410"/>
           </a:xfrm>
           <a:prstGeom prst="rect">
             <a:avLst/>
@@ -14220,10 +14480,10 @@
       </p:sp>
       <p:sp>
         <p:nvSpPr>
-          <p:cNvPr id="19" name="テキスト ボックス 18">
+          <p:cNvPr id="48" name="テキスト ボックス 47">
             <a:extLst>
               <a:ext uri="{FF2B5EF4-FFF2-40B4-BE49-F238E27FC236}">
-                <a16:creationId xmlns:a16="http://schemas.microsoft.com/office/drawing/2014/main" id="{6234C2C2-1210-4AC3-BEF2-42585446F70A}"/>
+                <a16:creationId xmlns:a16="http://schemas.microsoft.com/office/drawing/2014/main" id="{39AEC537-9EDF-4360-B24B-926D7DD5DFAF}"/>
               </a:ext>
             </a:extLst>
           </p:cNvPr>
@@ -14232,8 +14492,8 @@
         </p:nvSpPr>
         <p:spPr>
           <a:xfrm>
-            <a:off x="726922" y="2865422"/>
-            <a:ext cx="10678885" cy="2059153"/>
+            <a:off x="725833" y="2933743"/>
+            <a:ext cx="10482098" cy="2059153"/>
           </a:xfrm>
           <a:prstGeom prst="rect">
             <a:avLst/>
@@ -14278,7 +14538,7 @@
                 <a:ea typeface="+mn-ea"/>
                 <a:cs typeface="+mn-cs"/>
               </a:rPr>
-              <a:t>・ 指示出しと決定事項は明確に！</a:t>
+              <a:t>・ 人に教えることは難しく、最も勉強になる</a:t>
             </a:r>
             <a:endParaRPr kumimoji="1" lang="en-US" altLang="ja-JP" sz="2400" b="0" i="0" u="none" strike="noStrike" kern="1200" cap="none" spc="0" normalizeH="0" baseline="0" noProof="0" dirty="0">
               <a:ln>
@@ -14331,15 +14591,6 @@
               <a:t>	</a:t>
             </a:r>
             <a:r>
-              <a:rPr kumimoji="1" lang="ja-JP" altLang="en-US" sz="2000" dirty="0">
-                <a:solidFill>
-                  <a:srgbClr val="231B23"/>
-                </a:solidFill>
-                <a:latin typeface="Meiryo UI"/>
-              </a:rPr>
-              <a:t>→ </a:t>
-            </a:r>
-            <a:r>
               <a:rPr kumimoji="1" lang="ja-JP" altLang="en-US" sz="2000" b="0" i="0" u="none" strike="noStrike" kern="1200" cap="none" spc="0" normalizeH="0" baseline="0" noProof="0" dirty="0">
                 <a:ln>
                   <a:noFill/>
@@ -14354,7 +14605,7 @@
                 <a:ea typeface="+mn-ea"/>
                 <a:cs typeface="+mn-cs"/>
               </a:rPr>
-              <a:t>決定したことははっきり言葉にする　文字に残す</a:t>
+              <a:t>→ いつ聞かれても良い体勢を</a:t>
             </a:r>
             <a:endParaRPr kumimoji="1" lang="en-US" altLang="ja-JP" sz="2000" b="0" i="0" u="none" strike="noStrike" kern="1200" cap="none" spc="0" normalizeH="0" baseline="0" noProof="0" dirty="0">
               <a:ln>
@@ -14404,7 +14655,7 @@
                 <a:ea typeface="+mn-ea"/>
                 <a:cs typeface="+mn-cs"/>
               </a:rPr>
-              <a:t>・ 誰も無茶しないスケジュール管理</a:t>
+              <a:t>・ メンバーのプログラム関連の成長を肌で感じた</a:t>
             </a:r>
             <a:endParaRPr kumimoji="1" lang="en-US" altLang="ja-JP" sz="2400" b="0" i="0" u="none" strike="noStrike" kern="1200" cap="none" spc="0" normalizeH="0" baseline="0" noProof="0" dirty="0">
               <a:ln>
@@ -14440,7 +14691,16 @@
               <a:defRPr/>
             </a:pPr>
             <a:r>
-              <a:rPr kumimoji="1" lang="en-US" altLang="ja-JP" sz="2000" b="0" i="0" u="none" strike="noStrike" kern="1200" cap="none" spc="0" normalizeH="0" baseline="0" noProof="0" dirty="0">
+              <a:rPr kumimoji="1" lang="en-US" altLang="ja-JP" sz="2000" dirty="0">
+                <a:solidFill>
+                  <a:srgbClr val="231B23"/>
+                </a:solidFill>
+                <a:latin typeface="Meiryo UI"/>
+              </a:rPr>
+              <a:t>	</a:t>
+            </a:r>
+            <a:r>
+              <a:rPr kumimoji="1" lang="ja-JP" altLang="en-US" sz="2000" b="0" i="0" u="none" strike="noStrike" kern="1200" cap="none" spc="0" normalizeH="0" baseline="0" noProof="0" dirty="0">
                 <a:ln>
                   <a:noFill/>
                 </a:ln>
@@ -14454,24 +14714,7 @@
                 <a:ea typeface="+mn-ea"/>
                 <a:cs typeface="+mn-cs"/>
               </a:rPr>
-              <a:t>	</a:t>
-            </a:r>
-            <a:r>
-              <a:rPr kumimoji="1" lang="ja-JP" altLang="en-US" sz="2000" b="0" i="0" u="none" strike="noStrike" kern="1200" cap="none" spc="0" normalizeH="0" baseline="0" noProof="0" dirty="0">
-                <a:ln>
-                  <a:noFill/>
-                </a:ln>
-                <a:solidFill>
-                  <a:srgbClr val="231B23"/>
-                </a:solidFill>
-                <a:effectLst/>
-                <a:uLnTx/>
-                <a:uFillTx/>
-                <a:latin typeface="Meiryo UI"/>
-                <a:ea typeface="+mn-ea"/>
-                <a:cs typeface="+mn-cs"/>
-              </a:rPr>
-              <a:t>→ 間に合わないと思ったらすぐに手を打つ</a:t>
+              <a:t>→ プログラミング技術だけでは市場価値は高まらないのでは</a:t>
             </a:r>
             <a:endParaRPr kumimoji="1" lang="en-US" altLang="ja-JP" sz="2000" b="0" i="0" u="none" strike="noStrike" kern="1200" cap="none" spc="0" normalizeH="0" baseline="0" noProof="0" dirty="0">
               <a:ln>
@@ -14492,221 +14735,10 @@
       </p:sp>
       <p:sp>
         <p:nvSpPr>
-          <p:cNvPr id="25" name="テキスト ボックス 24">
+          <p:cNvPr id="2" name="スライド番号プレースホルダー 1">
             <a:extLst>
               <a:ext uri="{FF2B5EF4-FFF2-40B4-BE49-F238E27FC236}">
-                <a16:creationId xmlns:a16="http://schemas.microsoft.com/office/drawing/2014/main" id="{623DC4EA-F5E8-4F37-8B14-9994DF5C626A}"/>
-              </a:ext>
-            </a:extLst>
-          </p:cNvPr>
-          <p:cNvSpPr txBox="1"/>
-          <p:nvPr/>
-        </p:nvSpPr>
-        <p:spPr>
-          <a:xfrm>
-            <a:off x="1126573" y="1650119"/>
-            <a:ext cx="6269106" cy="648319"/>
-          </a:xfrm>
-          <a:prstGeom prst="rect">
-            <a:avLst/>
-          </a:prstGeom>
-          <a:noFill/>
-        </p:spPr>
-        <p:txBody>
-          <a:bodyPr wrap="square" rtlCol="0">
-            <a:spAutoFit/>
-          </a:bodyPr>
-          <a:lstStyle/>
-          <a:p>
-            <a:pPr marL="0" marR="0" lvl="0" indent="0" algn="l" defTabSz="914400" rtl="0" eaLnBrk="1" fontAlgn="auto" latinLnBrk="0" hangingPunct="1">
-              <a:lnSpc>
-                <a:spcPct val="150000"/>
-              </a:lnSpc>
-              <a:spcBef>
-                <a:spcPts val="0"/>
-              </a:spcBef>
-              <a:spcAft>
-                <a:spcPts val="0"/>
-              </a:spcAft>
-              <a:buClrTx/>
-              <a:buSzTx/>
-              <a:buFontTx/>
-              <a:buNone/>
-              <a:tabLst/>
-              <a:defRPr/>
-            </a:pPr>
-            <a:r>
-              <a:rPr kumimoji="1" lang="ja-JP" altLang="en-US" sz="2800" b="0" i="0" u="none" strike="noStrike" kern="1200" cap="none" spc="0" normalizeH="0" baseline="0" noProof="0" dirty="0">
-                <a:ln>
-                  <a:noFill/>
-                </a:ln>
-                <a:solidFill>
-                  <a:srgbClr val="231B23"/>
-                </a:solidFill>
-                <a:effectLst/>
-                <a:uLnTx/>
-                <a:uFillTx/>
-                <a:latin typeface="Meiryo UI"/>
-                <a:ea typeface="+mn-ea"/>
-                <a:cs typeface="+mn-cs"/>
-              </a:rPr>
-              <a:t>リーダーとしての責任を果たす</a:t>
-            </a:r>
-            <a:endParaRPr kumimoji="1" lang="en-US" altLang="ja-JP" sz="2800" b="0" i="0" u="none" strike="noStrike" kern="1200" cap="none" spc="0" normalizeH="0" baseline="0" noProof="0" dirty="0">
-              <a:ln>
-                <a:noFill/>
-              </a:ln>
-              <a:solidFill>
-                <a:srgbClr val="231B23"/>
-              </a:solidFill>
-              <a:effectLst/>
-              <a:uLnTx/>
-              <a:uFillTx/>
-              <a:latin typeface="Meiryo UI"/>
-              <a:ea typeface="+mn-ea"/>
-              <a:cs typeface="+mn-cs"/>
-            </a:endParaRPr>
-          </a:p>
-        </p:txBody>
-      </p:sp>
-      <p:pic>
-        <p:nvPicPr>
-          <p:cNvPr id="22" name="グラフィックス 21" descr="ハート付きの笑顔 (塗りつぶしなし) 単色塗りつぶし">
-            <a:extLst>
-              <a:ext uri="{FF2B5EF4-FFF2-40B4-BE49-F238E27FC236}">
-                <a16:creationId xmlns:a16="http://schemas.microsoft.com/office/drawing/2014/main" id="{7DE3574C-15E9-4D20-A929-C7E2D6DE0836}"/>
-              </a:ext>
-            </a:extLst>
-          </p:cNvPr>
-          <p:cNvPicPr>
-            <a:picLocks noChangeAspect="1"/>
-          </p:cNvPicPr>
-          <p:nvPr/>
-        </p:nvPicPr>
-        <p:blipFill>
-          <a:blip r:embed="rId7">
-            <a:extLst>
-              <a:ext uri="{96DAC541-7B7A-43D3-8B79-37D633B846F1}">
-                <asvg:svgBlip xmlns:asvg="http://schemas.microsoft.com/office/drawing/2016/SVG/main" r:embed="rId8"/>
-              </a:ext>
-            </a:extLst>
-          </a:blip>
-          <a:stretch>
-            <a:fillRect/>
-          </a:stretch>
-        </p:blipFill>
-        <p:spPr>
-          <a:xfrm>
-            <a:off x="10894813" y="5575725"/>
-            <a:ext cx="735351" cy="735351"/>
-          </a:xfrm>
-          <a:prstGeom prst="rect">
-            <a:avLst/>
-          </a:prstGeom>
-        </p:spPr>
-      </p:pic>
-      <p:sp>
-        <p:nvSpPr>
-          <p:cNvPr id="18" name="吹き出し: 角を丸めた四角形 17">
-            <a:extLst>
-              <a:ext uri="{FF2B5EF4-FFF2-40B4-BE49-F238E27FC236}">
-                <a16:creationId xmlns:a16="http://schemas.microsoft.com/office/drawing/2014/main" id="{653C08E5-D098-4B15-851D-D40554FCB981}"/>
-              </a:ext>
-            </a:extLst>
-          </p:cNvPr>
-          <p:cNvSpPr/>
-          <p:nvPr/>
-        </p:nvSpPr>
-        <p:spPr>
-          <a:xfrm>
-            <a:off x="2430054" y="5389134"/>
-            <a:ext cx="5875083" cy="1108534"/>
-          </a:xfrm>
-          <a:prstGeom prst="wedgeRoundRectCallout">
-            <a:avLst>
-              <a:gd name="adj1" fmla="val -60539"/>
-              <a:gd name="adj2" fmla="val 22806"/>
-              <a:gd name="adj3" fmla="val 16667"/>
-            </a:avLst>
-          </a:prstGeom>
-          <a:solidFill>
-            <a:srgbClr val="FEFBF5"/>
-          </a:solidFill>
-          <a:ln w="28575">
-            <a:solidFill>
-              <a:schemeClr val="bg2">
-                <a:lumMod val="75000"/>
-              </a:schemeClr>
-            </a:solidFill>
-          </a:ln>
-        </p:spPr>
-        <p:style>
-          <a:lnRef idx="2">
-            <a:schemeClr val="accent1">
-              <a:shade val="50000"/>
-            </a:schemeClr>
-          </a:lnRef>
-          <a:fillRef idx="1">
-            <a:schemeClr val="accent1"/>
-          </a:fillRef>
-          <a:effectRef idx="0">
-            <a:schemeClr val="accent1"/>
-          </a:effectRef>
-          <a:fontRef idx="minor">
-            <a:schemeClr val="lt1"/>
-          </a:fontRef>
-        </p:style>
-        <p:txBody>
-          <a:bodyPr rtlCol="0" anchor="ctr"/>
-          <a:lstStyle/>
-          <a:p>
-            <a:pPr algn="ctr">
-              <a:lnSpc>
-                <a:spcPct val="150000"/>
-              </a:lnSpc>
-            </a:pPr>
-            <a:r>
-              <a:rPr kumimoji="1" lang="ja-JP" altLang="en-US" dirty="0">
-                <a:solidFill>
-                  <a:sysClr val="windowText" lastClr="000000"/>
-                </a:solidFill>
-              </a:rPr>
-              <a:t>話し合いの進行、意見のまとめ、進捗管理すべて完璧。</a:t>
-            </a:r>
-            <a:endParaRPr kumimoji="1" lang="en-US" altLang="ja-JP" dirty="0">
-              <a:solidFill>
-                <a:sysClr val="windowText" lastClr="000000"/>
-              </a:solidFill>
-            </a:endParaRPr>
-          </a:p>
-          <a:p>
-            <a:pPr algn="ctr">
-              <a:lnSpc>
-                <a:spcPct val="150000"/>
-              </a:lnSpc>
-            </a:pPr>
-            <a:r>
-              <a:rPr kumimoji="1" lang="ja-JP" altLang="en-US" dirty="0">
-                <a:solidFill>
-                  <a:sysClr val="windowText" lastClr="000000"/>
-                </a:solidFill>
-              </a:rPr>
-              <a:t>チームがスムーズだったのは間違いなく小林さんのおかげ。</a:t>
-            </a:r>
-            <a:endParaRPr kumimoji="1" lang="en-US" altLang="ja-JP" dirty="0">
-              <a:solidFill>
-                <a:sysClr val="windowText" lastClr="000000"/>
-              </a:solidFill>
-            </a:endParaRPr>
-          </a:p>
-        </p:txBody>
-      </p:sp>
-      <p:sp>
-        <p:nvSpPr>
-          <p:cNvPr id="2" name="スライド番号プレースホルダー 1">
-            <a:extLst>
-              <a:ext uri="{FF2B5EF4-FFF2-40B4-BE49-F238E27FC236}">
-                <a16:creationId xmlns:a16="http://schemas.microsoft.com/office/drawing/2014/main" id="{AAD1F9A9-4E0B-492B-BC89-568432445156}"/>
+                <a16:creationId xmlns:a16="http://schemas.microsoft.com/office/drawing/2014/main" id="{05C90913-A06C-492E-AC4D-F71C2E726681}"/>
               </a:ext>
             </a:extLst>
           </p:cNvPr>
@@ -14736,7 +14768,7 @@
           <p:cNvPr id="16" name="テキスト ボックス 15">
             <a:extLst>
               <a:ext uri="{FF2B5EF4-FFF2-40B4-BE49-F238E27FC236}">
-                <a16:creationId xmlns:a16="http://schemas.microsoft.com/office/drawing/2014/main" id="{631ADE81-D1EA-43F2-9190-5437FC5AC143}"/>
+                <a16:creationId xmlns:a16="http://schemas.microsoft.com/office/drawing/2014/main" id="{D88C3345-2407-4503-9E71-54659630196D}"/>
               </a:ext>
             </a:extLst>
           </p:cNvPr>
@@ -14745,8 +14777,8 @@
         </p:nvSpPr>
         <p:spPr>
           <a:xfrm rot="835554">
-            <a:off x="5570667" y="1362249"/>
-            <a:ext cx="6370132" cy="923330"/>
+            <a:off x="6189582" y="1576454"/>
+            <a:ext cx="5779299" cy="1754326"/>
           </a:xfrm>
           <a:prstGeom prst="rect">
             <a:avLst/>
@@ -14777,7 +14809,31 @@
                 <a:latin typeface="HGS明朝B" panose="02020800000000000000" pitchFamily="18" charset="-128"/>
                 <a:ea typeface="HGS明朝B" panose="02020800000000000000" pitchFamily="18" charset="-128"/>
               </a:rPr>
-              <a:t>一生ついていきます</a:t>
+              <a:t>圧倒的包容力</a:t>
+            </a:r>
+            <a:endParaRPr kumimoji="1" lang="en-US" altLang="ja-JP" sz="5400" dirty="0">
+              <a:solidFill>
+                <a:schemeClr val="accent1">
+                  <a:lumMod val="75000"/>
+                </a:schemeClr>
+              </a:solidFill>
+              <a:latin typeface="HGS明朝B" panose="02020800000000000000" pitchFamily="18" charset="-128"/>
+              <a:ea typeface="HGS明朝B" panose="02020800000000000000" pitchFamily="18" charset="-128"/>
+            </a:endParaRPr>
+          </a:p>
+          <a:p>
+            <a:pPr algn="ctr"/>
+            <a:r>
+              <a:rPr kumimoji="1" lang="ja-JP" altLang="en-US" sz="5400" dirty="0">
+                <a:solidFill>
+                  <a:schemeClr val="accent1">
+                    <a:lumMod val="75000"/>
+                  </a:schemeClr>
+                </a:solidFill>
+                <a:latin typeface="HGS明朝B" panose="02020800000000000000" pitchFamily="18" charset="-128"/>
+                <a:ea typeface="HGS明朝B" panose="02020800000000000000" pitchFamily="18" charset="-128"/>
+              </a:rPr>
+              <a:t>ほとんど仏</a:t>
             </a:r>
           </a:p>
         </p:txBody>
@@ -14787,7 +14843,7 @@
           <p:cNvPr id="17" name="タイトル 1">
             <a:extLst>
               <a:ext uri="{FF2B5EF4-FFF2-40B4-BE49-F238E27FC236}">
-                <a16:creationId xmlns:a16="http://schemas.microsoft.com/office/drawing/2014/main" id="{381AB51C-2D6E-4524-B5DA-E3B46469DB7B}"/>
+                <a16:creationId xmlns:a16="http://schemas.microsoft.com/office/drawing/2014/main" id="{093AAE71-8D26-43F8-9242-6B836C2C7314}"/>
               </a:ext>
             </a:extLst>
           </p:cNvPr>
@@ -14798,8 +14854,8 @@
         </p:nvSpPr>
         <p:spPr>
           <a:xfrm>
-            <a:off x="962025" y="6025307"/>
-            <a:ext cx="446454" cy="583800"/>
+            <a:off x="958850" y="6025307"/>
+            <a:ext cx="449629" cy="583800"/>
           </a:xfrm>
           <a:prstGeom prst="rect">
             <a:avLst/>
@@ -14835,7 +14891,7 @@
                   <a:srgbClr val="FFFFFF"/>
                 </a:solidFill>
               </a:rPr>
-              <a:t>F</a:t>
+              <a:t>S</a:t>
             </a:r>
             <a:endParaRPr lang="ja" sz="2000" b="0" dirty="0">
               <a:solidFill>
@@ -14848,7 +14904,7 @@
     </p:spTree>
     <p:extLst>
       <p:ext uri="{BB962C8B-B14F-4D97-AF65-F5344CB8AC3E}">
-        <p14:creationId xmlns:p14="http://schemas.microsoft.com/office/powerpoint/2010/main" val="1191541083"/>
+        <p14:creationId xmlns:p14="http://schemas.microsoft.com/office/powerpoint/2010/main" val="3789924097"/>
       </p:ext>
     </p:extLst>
   </p:cSld>
@@ -15320,7 +15376,7 @@
         <p:spPr>
           <a:xfrm>
             <a:off x="358601" y="1349603"/>
-            <a:ext cx="11409623" cy="1150363"/>
+            <a:ext cx="11409623" cy="1363441"/>
           </a:xfrm>
           <a:prstGeom prst="rect">
             <a:avLst/>
@@ -15372,7 +15428,7 @@
               <a:defRPr/>
             </a:pPr>
             <a:r>
-              <a:rPr kumimoji="1" lang="ja-JP" altLang="en-US" sz="2000" b="0" i="0" u="none" strike="noStrike" kern="1200" cap="none" spc="0" normalizeH="0" baseline="0" noProof="0" dirty="0">
+              <a:rPr kumimoji="1" lang="en-US" altLang="ja-JP" sz="2000" b="0" i="0" u="none" strike="noStrike" kern="1200" cap="none" spc="0" normalizeH="0" baseline="0" noProof="0" dirty="0">
                 <a:ln>
                   <a:noFill/>
                 </a:ln>
@@ -15386,7 +15442,24 @@
                 <a:ea typeface="HGP教科書体" panose="02020600000000000000" pitchFamily="18" charset="-128"/>
                 <a:cs typeface="+mn-cs"/>
               </a:rPr>
-              <a:t>構成管理担当として</a:t>
+              <a:t>DBA,</a:t>
+            </a:r>
+            <a:r>
+              <a:rPr kumimoji="1" lang="ja-JP" altLang="en-US" sz="2000" b="0" i="0" u="none" strike="noStrike" kern="1200" cap="none" spc="0" normalizeH="0" baseline="0" noProof="0" dirty="0">
+                <a:ln>
+                  <a:noFill/>
+                </a:ln>
+                <a:solidFill>
+                  <a:srgbClr val="231B23"/>
+                </a:solidFill>
+                <a:effectLst/>
+                <a:uLnTx/>
+                <a:uFillTx/>
+                <a:latin typeface="HGP教科書体" panose="02020600000000000000" pitchFamily="18" charset="-128"/>
+                <a:ea typeface="HGP教科書体" panose="02020600000000000000" pitchFamily="18" charset="-128"/>
+                <a:cs typeface="+mn-cs"/>
+              </a:rPr>
+              <a:t>コミュニケーション担当として</a:t>
             </a:r>
             <a:endParaRPr kumimoji="1" lang="en-US" altLang="ja-JP" sz="2000" b="0" i="0" u="none" strike="noStrike" kern="1200" cap="none" spc="0" normalizeH="0" baseline="0" noProof="0" dirty="0">
               <a:ln>
@@ -15603,15 +15676,15 @@
             <a:pPr rtl="0"/>
             <a:r>
               <a:rPr lang="ja-JP" altLang="en-US" sz="3200" b="0" dirty="0"/>
-              <a:t>上甲 健太郎 </a:t>
+              <a:t>水井 健人 </a:t>
             </a:r>
             <a:r>
               <a:rPr lang="en-US" altLang="ja-JP" b="0" dirty="0"/>
-              <a:t>/ </a:t>
+              <a:t>/ DB</a:t>
             </a:r>
             <a:r>
               <a:rPr lang="ja-JP" altLang="en-US" b="0" dirty="0"/>
-              <a:t>構成管理担当</a:t>
+              <a:t>、コミュニケーション担当</a:t>
             </a:r>
             <a:endParaRPr lang="ja" sz="3200" b="0" dirty="0"/>
           </a:p>
@@ -15668,7 +15741,7 @@
         <p:spPr>
           <a:xfrm>
             <a:off x="9174888" y="5666506"/>
-            <a:ext cx="2033043" cy="769441"/>
+            <a:ext cx="1644513" cy="769441"/>
           </a:xfrm>
           <a:prstGeom prst="rect">
             <a:avLst/>
@@ -15784,8 +15857,8 @@
         </p:nvSpPr>
         <p:spPr>
           <a:xfrm>
-            <a:off x="599052" y="1721413"/>
-            <a:ext cx="6269106" cy="648319"/>
+            <a:off x="725833" y="1590173"/>
+            <a:ext cx="6269106" cy="1122871"/>
           </a:xfrm>
           <a:prstGeom prst="rect">
             <a:avLst/>
@@ -15816,7 +15889,7 @@
               <a:defRPr/>
             </a:pPr>
             <a:r>
-              <a:rPr kumimoji="1" lang="ja-JP" altLang="en-US" sz="2800" b="0" i="0" u="none" strike="noStrike" kern="1200" cap="none" spc="0" normalizeH="0" baseline="0" noProof="0" dirty="0">
+              <a:rPr kumimoji="1" lang="ja-JP" altLang="en-US" sz="2400" b="0" i="0" u="none" strike="noStrike" kern="1200" cap="none" spc="0" normalizeH="0" baseline="0" noProof="0" dirty="0">
                 <a:ln>
                   <a:noFill/>
                 </a:ln>
@@ -15830,10 +15903,43 @@
                 <a:ea typeface="+mn-ea"/>
                 <a:cs typeface="+mn-cs"/>
               </a:rPr>
-              <a:t>サブ講師</a:t>
-            </a:r>
-            <a:r>
-              <a:rPr kumimoji="1" lang="en-US" altLang="ja-JP" sz="2000" b="0" i="0" u="none" strike="noStrike" kern="1200" cap="none" spc="0" normalizeH="0" baseline="0" noProof="0" dirty="0">
+              <a:t>・ 会話してない人がいないように気を付ける！</a:t>
+            </a:r>
+            <a:endParaRPr kumimoji="1" lang="en-US" altLang="ja-JP" sz="2400" b="0" i="0" u="none" strike="noStrike" kern="1200" cap="none" spc="0" normalizeH="0" baseline="0" noProof="0" dirty="0">
+              <a:ln>
+                <a:noFill/>
+              </a:ln>
+              <a:solidFill>
+                <a:srgbClr val="231B23"/>
+              </a:solidFill>
+              <a:effectLst/>
+              <a:uLnTx/>
+              <a:uFillTx/>
+              <a:latin typeface="Meiryo UI"/>
+              <a:ea typeface="+mn-ea"/>
+              <a:cs typeface="+mn-cs"/>
+            </a:endParaRPr>
+          </a:p>
+          <a:p>
+            <a:pPr marL="0" marR="0" lvl="0" indent="0" algn="l" defTabSz="914400" rtl="0" eaLnBrk="1" fontAlgn="auto" latinLnBrk="0" hangingPunct="1">
+              <a:lnSpc>
+                <a:spcPct val="150000"/>
+              </a:lnSpc>
+              <a:spcBef>
+                <a:spcPts val="0"/>
+              </a:spcBef>
+              <a:spcAft>
+                <a:spcPts val="0"/>
+              </a:spcAft>
+              <a:buClrTx/>
+              <a:buSzTx/>
+              <a:buFontTx/>
+              <a:buNone/>
+              <a:tabLst/>
+              <a:defRPr/>
+            </a:pPr>
+            <a:r>
+              <a:rPr kumimoji="1" lang="ja-JP" altLang="en-US" sz="2400" b="0" i="0" u="none" strike="noStrike" kern="1200" cap="none" spc="0" normalizeH="0" baseline="0" noProof="0" dirty="0">
                 <a:ln>
                   <a:noFill/>
                 </a:ln>
@@ -15847,10 +15953,10 @@
                 <a:ea typeface="+mn-ea"/>
                 <a:cs typeface="+mn-cs"/>
               </a:rPr>
-              <a:t>(</a:t>
-            </a:r>
-            <a:r>
-              <a:rPr kumimoji="1" lang="ja-JP" altLang="en-US" sz="2000" b="0" i="0" u="none" strike="noStrike" kern="1200" cap="none" spc="0" normalizeH="0" baseline="0" noProof="0" dirty="0">
+              <a:t>・ </a:t>
+            </a:r>
+            <a:r>
+              <a:rPr kumimoji="1" lang="en-US" altLang="ja-JP" sz="2400" b="0" i="0" u="none" strike="noStrike" kern="1200" cap="none" spc="0" normalizeH="0" baseline="0" noProof="0" dirty="0">
                 <a:ln>
                   <a:noFill/>
                 </a:ln>
@@ -15864,10 +15970,10 @@
                 <a:ea typeface="+mn-ea"/>
                 <a:cs typeface="+mn-cs"/>
               </a:rPr>
-              <a:t>的な存在</a:t>
-            </a:r>
-            <a:r>
-              <a:rPr kumimoji="1" lang="en-US" altLang="ja-JP" sz="2000" b="0" i="0" u="none" strike="noStrike" kern="1200" cap="none" spc="0" normalizeH="0" baseline="0" noProof="0" dirty="0">
+              <a:t>DBA</a:t>
+            </a:r>
+            <a:r>
+              <a:rPr kumimoji="1" lang="ja-JP" altLang="en-US" sz="2400" b="0" i="0" u="none" strike="noStrike" kern="1200" cap="none" spc="0" normalizeH="0" baseline="0" noProof="0" dirty="0">
                 <a:ln>
                   <a:noFill/>
                 </a:ln>
@@ -15881,26 +15987,9 @@
                 <a:ea typeface="+mn-ea"/>
                 <a:cs typeface="+mn-cs"/>
               </a:rPr>
-              <a:t>)</a:t>
-            </a:r>
-            <a:r>
-              <a:rPr kumimoji="1" lang="ja-JP" altLang="en-US" sz="2800" b="0" i="0" u="none" strike="noStrike" kern="1200" cap="none" spc="0" normalizeH="0" baseline="0" noProof="0" dirty="0">
-                <a:ln>
-                  <a:noFill/>
-                </a:ln>
-                <a:solidFill>
-                  <a:srgbClr val="231B23"/>
-                </a:solidFill>
-                <a:effectLst/>
-                <a:uLnTx/>
-                <a:uFillTx/>
-                <a:latin typeface="Meiryo UI"/>
-                <a:ea typeface="+mn-ea"/>
-                <a:cs typeface="+mn-cs"/>
-              </a:rPr>
-              <a:t>になる！</a:t>
-            </a:r>
-            <a:endParaRPr kumimoji="1" lang="en-US" altLang="ja-JP" sz="2800" b="0" i="0" u="none" strike="noStrike" kern="1200" cap="none" spc="0" normalizeH="0" baseline="0" noProof="0" dirty="0">
+              <a:t>のもっている知識を最大限引き出す。</a:t>
+            </a:r>
+            <a:endParaRPr kumimoji="1" lang="en-US" altLang="ja-JP" sz="2400" b="0" i="0" u="none" strike="noStrike" kern="1200" cap="none" spc="0" normalizeH="0" baseline="0" noProof="0" dirty="0">
               <a:ln>
                 <a:noFill/>
               </a:ln>
@@ -15955,10 +16044,10 @@
       </p:pic>
       <p:sp>
         <p:nvSpPr>
-          <p:cNvPr id="19" name="吹き出し: 角を丸めた四角形 18">
+          <p:cNvPr id="44" name="吹き出し: 角を丸めた四角形 43">
             <a:extLst>
               <a:ext uri="{FF2B5EF4-FFF2-40B4-BE49-F238E27FC236}">
-                <a16:creationId xmlns:a16="http://schemas.microsoft.com/office/drawing/2014/main" id="{78AB200B-FD60-4B6C-B7B2-6CEB9186F07F}"/>
+                <a16:creationId xmlns:a16="http://schemas.microsoft.com/office/drawing/2014/main" id="{DDF871A6-0182-4065-B082-728552ACEB4C}"/>
               </a:ext>
             </a:extLst>
           </p:cNvPr>
@@ -15967,8 +16056,8 @@
         </p:nvSpPr>
         <p:spPr>
           <a:xfrm>
-            <a:off x="2430054" y="5241891"/>
-            <a:ext cx="5875083" cy="1380309"/>
+            <a:off x="2430054" y="5253246"/>
+            <a:ext cx="6142446" cy="1380310"/>
           </a:xfrm>
           <a:prstGeom prst="wedgeRoundRectCallout">
             <a:avLst>
@@ -16008,39 +16097,87 @@
           <a:bodyPr rtlCol="0" anchor="ctr"/>
           <a:lstStyle/>
           <a:p>
-            <a:pPr algn="ctr">
+            <a:pPr marL="0" marR="0" lvl="0" indent="0" algn="ctr" defTabSz="914400" rtl="0" eaLnBrk="1" fontAlgn="auto" latinLnBrk="0" hangingPunct="1">
               <a:lnSpc>
                 <a:spcPct val="150000"/>
               </a:lnSpc>
+              <a:spcBef>
+                <a:spcPts val="0"/>
+              </a:spcBef>
+              <a:spcAft>
+                <a:spcPts val="0"/>
+              </a:spcAft>
+              <a:buClrTx/>
+              <a:buSzTx/>
+              <a:buFontTx/>
+              <a:buNone/>
+              <a:tabLst/>
+              <a:defRPr/>
             </a:pPr>
             <a:r>
               <a:rPr kumimoji="1" lang="ja-JP" altLang="en-US" dirty="0">
                 <a:solidFill>
                   <a:sysClr val="windowText" lastClr="000000"/>
                 </a:solidFill>
-              </a:rPr>
-              <a:t>内部設計の時に初めてなのに経験者？と思うほど知識があり驚きました。またプログラミングに入ってからは</a:t>
-            </a:r>
-            <a:r>
-              <a:rPr kumimoji="1" lang="en-US" altLang="ja-JP" dirty="0">
-                <a:solidFill>
-                  <a:sysClr val="windowText" lastClr="000000"/>
-                </a:solidFill>
-              </a:rPr>
-              <a:t>A4</a:t>
-            </a:r>
-            <a:r>
-              <a:rPr kumimoji="1" lang="ja-JP" altLang="en-US" dirty="0">
-                <a:solidFill>
-                  <a:sysClr val="windowText" lastClr="000000"/>
-                </a:solidFill>
-              </a:rPr>
-              <a:t>担当のサブ講師なのでは？と思うほど助けられました。</a:t>
+                <a:latin typeface="Meiryo UI"/>
+              </a:rPr>
+              <a:t>チームの影の立役者。プログラミングはもちろん、チーム内の話し合いにおいても、とにかく穴を埋める役を担ってくださっていました。</a:t>
             </a:r>
             <a:endParaRPr kumimoji="1" lang="en-US" altLang="ja-JP" dirty="0">
               <a:solidFill>
                 <a:sysClr val="windowText" lastClr="000000"/>
               </a:solidFill>
+              <a:latin typeface="Meiryo UI"/>
+            </a:endParaRPr>
+          </a:p>
+          <a:p>
+            <a:pPr marL="0" marR="0" lvl="0" indent="0" algn="ctr" defTabSz="914400" rtl="0" eaLnBrk="1" fontAlgn="auto" latinLnBrk="0" hangingPunct="1">
+              <a:lnSpc>
+                <a:spcPct val="150000"/>
+              </a:lnSpc>
+              <a:spcBef>
+                <a:spcPts val="0"/>
+              </a:spcBef>
+              <a:spcAft>
+                <a:spcPts val="0"/>
+              </a:spcAft>
+              <a:buClrTx/>
+              <a:buSzTx/>
+              <a:buFontTx/>
+              <a:buNone/>
+              <a:tabLst/>
+              <a:defRPr/>
+            </a:pPr>
+            <a:r>
+              <a:rPr kumimoji="1" lang="ja-JP" altLang="en-US" sz="1800" b="0" i="0" u="none" strike="noStrike" kern="1200" cap="none" spc="0" normalizeH="0" baseline="0" noProof="0" dirty="0">
+                <a:ln>
+                  <a:noFill/>
+                </a:ln>
+                <a:solidFill>
+                  <a:sysClr val="windowText" lastClr="000000"/>
+                </a:solidFill>
+                <a:effectLst/>
+                <a:uLnTx/>
+                <a:uFillTx/>
+                <a:latin typeface="Meiryo UI"/>
+                <a:ea typeface="+mn-ea"/>
+                <a:cs typeface="+mn-cs"/>
+              </a:rPr>
+              <a:t>検索機能の実現は彼あってこそ！本当にありがとうございました！</a:t>
+            </a:r>
+            <a:endParaRPr kumimoji="1" lang="en-US" altLang="ja-JP" sz="1800" b="0" i="0" u="none" strike="noStrike" kern="1200" cap="none" spc="0" normalizeH="0" baseline="0" noProof="0" dirty="0">
+              <a:ln>
+                <a:noFill/>
+              </a:ln>
+              <a:solidFill>
+                <a:sysClr val="windowText" lastClr="000000"/>
+              </a:solidFill>
+              <a:effectLst/>
+              <a:uLnTx/>
+              <a:uFillTx/>
+              <a:latin typeface="Meiryo UI"/>
+              <a:ea typeface="+mn-ea"/>
+              <a:cs typeface="+mn-cs"/>
             </a:endParaRPr>
           </a:p>
         </p:txBody>
@@ -16059,8 +16196,8 @@
         </p:nvSpPr>
         <p:spPr>
           <a:xfrm>
-            <a:off x="358601" y="2632948"/>
-            <a:ext cx="11409623" cy="2484410"/>
+            <a:off x="358601" y="2809852"/>
+            <a:ext cx="11409623" cy="2307505"/>
           </a:xfrm>
           <a:prstGeom prst="rect">
             <a:avLst/>
@@ -16140,265 +16277,10 @@
       </p:sp>
       <p:sp>
         <p:nvSpPr>
-          <p:cNvPr id="48" name="テキスト ボックス 47">
+          <p:cNvPr id="2" name="スライド番号プレースホルダー 1">
             <a:extLst>
               <a:ext uri="{FF2B5EF4-FFF2-40B4-BE49-F238E27FC236}">
-                <a16:creationId xmlns:a16="http://schemas.microsoft.com/office/drawing/2014/main" id="{39AEC537-9EDF-4360-B24B-926D7DD5DFAF}"/>
-              </a:ext>
-            </a:extLst>
-          </p:cNvPr>
-          <p:cNvSpPr txBox="1"/>
-          <p:nvPr/>
-        </p:nvSpPr>
-        <p:spPr>
-          <a:xfrm>
-            <a:off x="725833" y="2933743"/>
-            <a:ext cx="10482098" cy="2059153"/>
-          </a:xfrm>
-          <a:prstGeom prst="rect">
-            <a:avLst/>
-          </a:prstGeom>
-          <a:noFill/>
-        </p:spPr>
-        <p:txBody>
-          <a:bodyPr wrap="square" rtlCol="0">
-            <a:spAutoFit/>
-          </a:bodyPr>
-          <a:lstStyle/>
-          <a:p>
-            <a:pPr marL="0" marR="0" lvl="0" indent="0" algn="l" defTabSz="914400" rtl="0" eaLnBrk="1" fontAlgn="auto" latinLnBrk="0" hangingPunct="1">
-              <a:lnSpc>
-                <a:spcPct val="150000"/>
-              </a:lnSpc>
-              <a:spcBef>
-                <a:spcPts val="0"/>
-              </a:spcBef>
-              <a:spcAft>
-                <a:spcPts val="0"/>
-              </a:spcAft>
-              <a:buClrTx/>
-              <a:buSzTx/>
-              <a:buFontTx/>
-              <a:buNone/>
-              <a:tabLst/>
-              <a:defRPr/>
-            </a:pPr>
-            <a:r>
-              <a:rPr kumimoji="1" lang="ja-JP" altLang="en-US" sz="2400" b="0" i="0" u="none" strike="noStrike" kern="1200" cap="none" spc="0" normalizeH="0" baseline="0" noProof="0" dirty="0">
-                <a:ln>
-                  <a:noFill/>
-                </a:ln>
-                <a:solidFill>
-                  <a:srgbClr val="231B23"/>
-                </a:solidFill>
-                <a:effectLst/>
-                <a:uLnTx/>
-                <a:uFillTx/>
-                <a:latin typeface="Meiryo UI"/>
-                <a:ea typeface="+mn-ea"/>
-                <a:cs typeface="+mn-cs"/>
-              </a:rPr>
-              <a:t>・ 人に教えることは難しく、最も勉強になる</a:t>
-            </a:r>
-            <a:endParaRPr kumimoji="1" lang="en-US" altLang="ja-JP" sz="2400" b="0" i="0" u="none" strike="noStrike" kern="1200" cap="none" spc="0" normalizeH="0" baseline="0" noProof="0" dirty="0">
-              <a:ln>
-                <a:noFill/>
-              </a:ln>
-              <a:solidFill>
-                <a:srgbClr val="231B23"/>
-              </a:solidFill>
-              <a:effectLst/>
-              <a:uLnTx/>
-              <a:uFillTx/>
-              <a:latin typeface="Meiryo UI"/>
-              <a:ea typeface="+mn-ea"/>
-              <a:cs typeface="+mn-cs"/>
-            </a:endParaRPr>
-          </a:p>
-          <a:p>
-            <a:pPr marL="0" marR="0" lvl="0" indent="0" algn="l" defTabSz="914400" rtl="0" eaLnBrk="1" fontAlgn="auto" latinLnBrk="0" hangingPunct="1">
-              <a:lnSpc>
-                <a:spcPct val="150000"/>
-              </a:lnSpc>
-              <a:spcBef>
-                <a:spcPts val="0"/>
-              </a:spcBef>
-              <a:spcAft>
-                <a:spcPts val="0"/>
-              </a:spcAft>
-              <a:buClrTx/>
-              <a:buSzTx/>
-              <a:buFontTx/>
-              <a:buNone/>
-              <a:tabLst/>
-              <a:defRPr/>
-            </a:pPr>
-            <a:r>
-              <a:rPr kumimoji="1" lang="en-US" altLang="ja-JP" sz="2000" b="0" i="0" u="none" strike="noStrike" kern="1200" cap="none" spc="0" normalizeH="0" baseline="0" noProof="0" dirty="0">
-                <a:ln>
-                  <a:noFill/>
-                </a:ln>
-                <a:solidFill>
-                  <a:srgbClr val="231B23"/>
-                </a:solidFill>
-                <a:effectLst/>
-                <a:uLnTx/>
-                <a:uFillTx/>
-                <a:latin typeface="Meiryo UI"/>
-                <a:ea typeface="+mn-ea"/>
-                <a:cs typeface="+mn-cs"/>
-              </a:rPr>
-              <a:t>	</a:t>
-            </a:r>
-            <a:r>
-              <a:rPr kumimoji="1" lang="ja-JP" altLang="en-US" sz="2000" b="0" i="0" u="none" strike="noStrike" kern="1200" cap="none" spc="0" normalizeH="0" baseline="0" noProof="0" dirty="0">
-                <a:ln>
-                  <a:noFill/>
-                </a:ln>
-                <a:solidFill>
-                  <a:srgbClr val="231B23"/>
-                </a:solidFill>
-                <a:effectLst/>
-                <a:uLnTx/>
-                <a:uFillTx/>
-                <a:latin typeface="Meiryo UI"/>
-                <a:ea typeface="+mn-ea"/>
-                <a:cs typeface="+mn-cs"/>
-              </a:rPr>
-              <a:t>→ いつ聞かれても良い体勢を</a:t>
-            </a:r>
-            <a:endParaRPr kumimoji="1" lang="en-US" altLang="ja-JP" sz="2000" b="0" i="0" u="none" strike="noStrike" kern="1200" cap="none" spc="0" normalizeH="0" baseline="0" noProof="0" dirty="0">
-              <a:ln>
-                <a:noFill/>
-              </a:ln>
-              <a:solidFill>
-                <a:srgbClr val="231B23"/>
-              </a:solidFill>
-              <a:effectLst/>
-              <a:uLnTx/>
-              <a:uFillTx/>
-              <a:latin typeface="Meiryo UI"/>
-              <a:ea typeface="+mn-ea"/>
-              <a:cs typeface="+mn-cs"/>
-            </a:endParaRPr>
-          </a:p>
-          <a:p>
-            <a:pPr marL="0" marR="0" lvl="0" indent="0" algn="l" defTabSz="914400" rtl="0" eaLnBrk="1" fontAlgn="auto" latinLnBrk="0" hangingPunct="1">
-              <a:lnSpc>
-                <a:spcPct val="150000"/>
-              </a:lnSpc>
-              <a:spcBef>
-                <a:spcPts val="0"/>
-              </a:spcBef>
-              <a:spcAft>
-                <a:spcPts val="0"/>
-              </a:spcAft>
-              <a:buClrTx/>
-              <a:buSzTx/>
-              <a:buFontTx/>
-              <a:buNone/>
-              <a:tabLst/>
-              <a:defRPr/>
-            </a:pPr>
-            <a:r>
-              <a:rPr kumimoji="1" lang="ja-JP" altLang="en-US" sz="2400" b="0" i="0" u="none" strike="noStrike" kern="1200" cap="none" spc="0" normalizeH="0" baseline="0" noProof="0" dirty="0">
-                <a:ln>
-                  <a:noFill/>
-                </a:ln>
-                <a:solidFill>
-                  <a:srgbClr val="231B23"/>
-                </a:solidFill>
-                <a:effectLst/>
-                <a:uLnTx/>
-                <a:uFillTx/>
-                <a:latin typeface="Meiryo UI"/>
-                <a:ea typeface="+mn-ea"/>
-                <a:cs typeface="+mn-cs"/>
-              </a:rPr>
-              <a:t>・ メンバーのプログラム関連の成長を肌で感じた</a:t>
-            </a:r>
-            <a:endParaRPr kumimoji="1" lang="en-US" altLang="ja-JP" sz="2400" b="0" i="0" u="none" strike="noStrike" kern="1200" cap="none" spc="0" normalizeH="0" baseline="0" noProof="0" dirty="0">
-              <a:ln>
-                <a:noFill/>
-              </a:ln>
-              <a:solidFill>
-                <a:srgbClr val="231B23"/>
-              </a:solidFill>
-              <a:effectLst/>
-              <a:uLnTx/>
-              <a:uFillTx/>
-              <a:latin typeface="Meiryo UI"/>
-              <a:ea typeface="+mn-ea"/>
-              <a:cs typeface="+mn-cs"/>
-            </a:endParaRPr>
-          </a:p>
-          <a:p>
-            <a:pPr marL="0" marR="0" lvl="0" indent="0" algn="l" defTabSz="914400" rtl="0" eaLnBrk="1" fontAlgn="auto" latinLnBrk="0" hangingPunct="1">
-              <a:lnSpc>
-                <a:spcPct val="150000"/>
-              </a:lnSpc>
-              <a:spcBef>
-                <a:spcPts val="0"/>
-              </a:spcBef>
-              <a:spcAft>
-                <a:spcPts val="0"/>
-              </a:spcAft>
-              <a:buClrTx/>
-              <a:buSzTx/>
-              <a:buFontTx/>
-              <a:buNone/>
-              <a:tabLst/>
-              <a:defRPr/>
-            </a:pPr>
-            <a:r>
-              <a:rPr kumimoji="1" lang="en-US" altLang="ja-JP" sz="2000" dirty="0">
-                <a:solidFill>
-                  <a:srgbClr val="231B23"/>
-                </a:solidFill>
-                <a:latin typeface="Meiryo UI"/>
-              </a:rPr>
-              <a:t>	</a:t>
-            </a:r>
-            <a:r>
-              <a:rPr kumimoji="1" lang="ja-JP" altLang="en-US" sz="2000" b="0" i="0" u="none" strike="noStrike" kern="1200" cap="none" spc="0" normalizeH="0" baseline="0" noProof="0" dirty="0">
-                <a:ln>
-                  <a:noFill/>
-                </a:ln>
-                <a:solidFill>
-                  <a:srgbClr val="231B23"/>
-                </a:solidFill>
-                <a:effectLst/>
-                <a:uLnTx/>
-                <a:uFillTx/>
-                <a:latin typeface="Meiryo UI"/>
-                <a:ea typeface="+mn-ea"/>
-                <a:cs typeface="+mn-cs"/>
-              </a:rPr>
-              <a:t>→ プログラミング技術だけでは市場価値は高まらないのでは</a:t>
-            </a:r>
-            <a:endParaRPr kumimoji="1" lang="en-US" altLang="ja-JP" sz="2000" b="0" i="0" u="none" strike="noStrike" kern="1200" cap="none" spc="0" normalizeH="0" baseline="0" noProof="0" dirty="0">
-              <a:ln>
-                <a:noFill/>
-              </a:ln>
-              <a:solidFill>
-                <a:srgbClr val="231B23"/>
-              </a:solidFill>
-              <a:effectLst/>
-              <a:uLnTx/>
-              <a:uFillTx/>
-              <a:latin typeface="Meiryo UI"/>
-              <a:ea typeface="+mn-ea"/>
-              <a:cs typeface="+mn-cs"/>
-            </a:endParaRPr>
-          </a:p>
-        </p:txBody>
-      </p:sp>
-      <p:sp>
-        <p:nvSpPr>
-          <p:cNvPr id="2" name="スライド番号プレースホルダー 1">
-            <a:extLst>
-              <a:ext uri="{FF2B5EF4-FFF2-40B4-BE49-F238E27FC236}">
-                <a16:creationId xmlns:a16="http://schemas.microsoft.com/office/drawing/2014/main" id="{05C90913-A06C-492E-AC4D-F71C2E726681}"/>
+                <a16:creationId xmlns:a16="http://schemas.microsoft.com/office/drawing/2014/main" id="{1F45B1EB-1E7A-4127-8CDE-49B771CB4A7D}"/>
               </a:ext>
             </a:extLst>
           </p:cNvPr>
@@ -16428,7 +16310,7 @@
           <p:cNvPr id="16" name="テキスト ボックス 15">
             <a:extLst>
               <a:ext uri="{FF2B5EF4-FFF2-40B4-BE49-F238E27FC236}">
-                <a16:creationId xmlns:a16="http://schemas.microsoft.com/office/drawing/2014/main" id="{D88C3345-2407-4503-9E71-54659630196D}"/>
+                <a16:creationId xmlns:a16="http://schemas.microsoft.com/office/drawing/2014/main" id="{E3BC6703-A8F9-4613-982D-EF647E5BC4D3}"/>
               </a:ext>
             </a:extLst>
           </p:cNvPr>
@@ -16437,8 +16319,8 @@
         </p:nvSpPr>
         <p:spPr>
           <a:xfrm rot="835554">
-            <a:off x="6189582" y="1576454"/>
-            <a:ext cx="5779299" cy="1754326"/>
+            <a:off x="6881743" y="1777433"/>
+            <a:ext cx="4999676" cy="1754326"/>
           </a:xfrm>
           <a:prstGeom prst="rect">
             <a:avLst/>
@@ -16469,7 +16351,7 @@
                 <a:latin typeface="HGS明朝B" panose="02020800000000000000" pitchFamily="18" charset="-128"/>
                 <a:ea typeface="HGS明朝B" panose="02020800000000000000" pitchFamily="18" charset="-128"/>
               </a:rPr>
-              <a:t>圧倒的包容力</a:t>
+              <a:t>静かなる仕事人</a:t>
             </a:r>
             <a:endParaRPr kumimoji="1" lang="en-US" altLang="ja-JP" sz="5400" dirty="0">
               <a:solidFill>
@@ -16493,17 +16375,264 @@
                 <a:latin typeface="HGS明朝B" panose="02020800000000000000" pitchFamily="18" charset="-128"/>
                 <a:ea typeface="HGS明朝B" panose="02020800000000000000" pitchFamily="18" charset="-128"/>
               </a:rPr>
-              <a:t>ほとんど仏</a:t>
+              <a:t>影の立役者</a:t>
             </a:r>
           </a:p>
         </p:txBody>
       </p:sp>
       <p:sp>
         <p:nvSpPr>
-          <p:cNvPr id="17" name="タイトル 1">
+          <p:cNvPr id="17" name="テキスト ボックス 16">
             <a:extLst>
               <a:ext uri="{FF2B5EF4-FFF2-40B4-BE49-F238E27FC236}">
-                <a16:creationId xmlns:a16="http://schemas.microsoft.com/office/drawing/2014/main" id="{093AAE71-8D26-43F8-9242-6B836C2C7314}"/>
+                <a16:creationId xmlns:a16="http://schemas.microsoft.com/office/drawing/2014/main" id="{06C0AE5D-2966-4EA8-9771-440144BDC550}"/>
+              </a:ext>
+            </a:extLst>
+          </p:cNvPr>
+          <p:cNvSpPr txBox="1"/>
+          <p:nvPr/>
+        </p:nvSpPr>
+        <p:spPr>
+          <a:xfrm>
+            <a:off x="798215" y="2967356"/>
+            <a:ext cx="9178905" cy="2138534"/>
+          </a:xfrm>
+          <a:prstGeom prst="rect">
+            <a:avLst/>
+          </a:prstGeom>
+          <a:noFill/>
+        </p:spPr>
+        <p:txBody>
+          <a:bodyPr wrap="square" rtlCol="0">
+            <a:spAutoFit/>
+          </a:bodyPr>
+          <a:lstStyle/>
+          <a:p>
+            <a:pPr marL="0" marR="0" lvl="0" indent="0" algn="l" defTabSz="914400" rtl="0" eaLnBrk="1" fontAlgn="auto" latinLnBrk="0" hangingPunct="1">
+              <a:lnSpc>
+                <a:spcPct val="150000"/>
+              </a:lnSpc>
+              <a:spcBef>
+                <a:spcPts val="0"/>
+              </a:spcBef>
+              <a:spcAft>
+                <a:spcPts val="0"/>
+              </a:spcAft>
+              <a:buClrTx/>
+              <a:buSzTx/>
+              <a:buFontTx/>
+              <a:buNone/>
+              <a:tabLst/>
+              <a:defRPr/>
+            </a:pPr>
+            <a:r>
+              <a:rPr kumimoji="1" lang="ja-JP" altLang="en-US" sz="2400" b="0" i="0" u="none" strike="noStrike" kern="1200" cap="none" spc="0" normalizeH="0" baseline="0" noProof="0" dirty="0">
+                <a:ln>
+                  <a:noFill/>
+                </a:ln>
+                <a:solidFill>
+                  <a:srgbClr val="231B23"/>
+                </a:solidFill>
+                <a:effectLst/>
+                <a:uLnTx/>
+                <a:uFillTx/>
+                <a:latin typeface="Meiryo UI"/>
+                <a:ea typeface="+mn-ea"/>
+                <a:cs typeface="+mn-cs"/>
+              </a:rPr>
+              <a:t>・ リーダーが会話を振るのがうまかった。</a:t>
+            </a:r>
+            <a:endParaRPr kumimoji="1" lang="en-US" altLang="ja-JP" sz="2400" b="0" i="0" u="none" strike="noStrike" kern="1200" cap="none" spc="0" normalizeH="0" baseline="0" noProof="0" dirty="0">
+              <a:ln>
+                <a:noFill/>
+              </a:ln>
+              <a:solidFill>
+                <a:srgbClr val="231B23"/>
+              </a:solidFill>
+              <a:effectLst/>
+              <a:uLnTx/>
+              <a:uFillTx/>
+              <a:latin typeface="Meiryo UI"/>
+              <a:ea typeface="+mn-ea"/>
+              <a:cs typeface="+mn-cs"/>
+            </a:endParaRPr>
+          </a:p>
+          <a:p>
+            <a:pPr marL="0" marR="0" lvl="0" indent="0" algn="l" defTabSz="914400" rtl="0" eaLnBrk="1" fontAlgn="auto" latinLnBrk="0" hangingPunct="1">
+              <a:lnSpc>
+                <a:spcPct val="150000"/>
+              </a:lnSpc>
+              <a:spcBef>
+                <a:spcPts val="0"/>
+              </a:spcBef>
+              <a:spcAft>
+                <a:spcPts val="0"/>
+              </a:spcAft>
+              <a:buClrTx/>
+              <a:buSzTx/>
+              <a:buFontTx/>
+              <a:buNone/>
+              <a:tabLst/>
+              <a:defRPr/>
+            </a:pPr>
+            <a:r>
+              <a:rPr kumimoji="1" lang="en-US" altLang="ja-JP" sz="2000" dirty="0">
+                <a:solidFill>
+                  <a:srgbClr val="231B23"/>
+                </a:solidFill>
+                <a:latin typeface="Meiryo UI"/>
+              </a:rPr>
+              <a:t>	</a:t>
+            </a:r>
+            <a:r>
+              <a:rPr kumimoji="1" lang="ja-JP" altLang="en-US" sz="2000" b="0" i="0" u="none" strike="noStrike" kern="1200" cap="none" spc="0" normalizeH="0" baseline="0" noProof="0" dirty="0">
+                <a:ln>
+                  <a:noFill/>
+                </a:ln>
+                <a:solidFill>
+                  <a:srgbClr val="231B23"/>
+                </a:solidFill>
+                <a:effectLst/>
+                <a:uLnTx/>
+                <a:uFillTx/>
+                <a:latin typeface="Meiryo UI"/>
+                <a:ea typeface="+mn-ea"/>
+                <a:cs typeface="+mn-cs"/>
+              </a:rPr>
+              <a:t>→ その分話が止まった際などのフォローをいれる</a:t>
+            </a:r>
+            <a:endParaRPr kumimoji="1" lang="en-US" altLang="ja-JP" sz="2000" b="0" i="0" u="none" strike="noStrike" kern="1200" cap="none" spc="0" normalizeH="0" baseline="0" noProof="0" dirty="0">
+              <a:ln>
+                <a:noFill/>
+              </a:ln>
+              <a:solidFill>
+                <a:srgbClr val="231B23"/>
+              </a:solidFill>
+              <a:effectLst/>
+              <a:uLnTx/>
+              <a:uFillTx/>
+              <a:latin typeface="Meiryo UI"/>
+              <a:ea typeface="+mn-ea"/>
+              <a:cs typeface="+mn-cs"/>
+            </a:endParaRPr>
+          </a:p>
+          <a:p>
+            <a:pPr marL="0" marR="0" lvl="0" indent="0" algn="l" defTabSz="914400" rtl="0" eaLnBrk="1" fontAlgn="auto" latinLnBrk="0" hangingPunct="1">
+              <a:lnSpc>
+                <a:spcPct val="150000"/>
+              </a:lnSpc>
+              <a:spcBef>
+                <a:spcPts val="0"/>
+              </a:spcBef>
+              <a:spcAft>
+                <a:spcPts val="0"/>
+              </a:spcAft>
+              <a:buClrTx/>
+              <a:buSzTx/>
+              <a:buFontTx/>
+              <a:buNone/>
+              <a:tabLst/>
+              <a:defRPr/>
+            </a:pPr>
+            <a:r>
+              <a:rPr kumimoji="1" lang="ja-JP" altLang="en-US" sz="2400" b="0" i="0" u="none" strike="noStrike" kern="1200" cap="none" spc="0" normalizeH="0" baseline="0" noProof="0" dirty="0">
+                <a:ln>
+                  <a:noFill/>
+                </a:ln>
+                <a:solidFill>
+                  <a:srgbClr val="231B23"/>
+                </a:solidFill>
+                <a:effectLst/>
+                <a:uLnTx/>
+                <a:uFillTx/>
+                <a:latin typeface="Meiryo UI"/>
+                <a:ea typeface="+mn-ea"/>
+                <a:cs typeface="+mn-cs"/>
+              </a:rPr>
+              <a:t>・ 複数検索機能</a:t>
+            </a:r>
+            <a:endParaRPr kumimoji="1" lang="en-US" altLang="ja-JP" sz="2400" b="0" i="0" u="none" strike="noStrike" kern="1200" cap="none" spc="0" normalizeH="0" baseline="0" noProof="0" dirty="0">
+              <a:ln>
+                <a:noFill/>
+              </a:ln>
+              <a:solidFill>
+                <a:srgbClr val="231B23"/>
+              </a:solidFill>
+              <a:effectLst/>
+              <a:uLnTx/>
+              <a:uFillTx/>
+              <a:latin typeface="Meiryo UI"/>
+              <a:ea typeface="+mn-ea"/>
+              <a:cs typeface="+mn-cs"/>
+            </a:endParaRPr>
+          </a:p>
+          <a:p>
+            <a:pPr marL="0" marR="0" lvl="0" indent="0" algn="l" defTabSz="914400" rtl="0" eaLnBrk="1" fontAlgn="auto" latinLnBrk="0" hangingPunct="1">
+              <a:lnSpc>
+                <a:spcPct val="150000"/>
+              </a:lnSpc>
+              <a:spcBef>
+                <a:spcPts val="0"/>
+              </a:spcBef>
+              <a:spcAft>
+                <a:spcPts val="0"/>
+              </a:spcAft>
+              <a:buClrTx/>
+              <a:buSzTx/>
+              <a:buFontTx/>
+              <a:buNone/>
+              <a:tabLst/>
+              <a:defRPr/>
+            </a:pPr>
+            <a:r>
+              <a:rPr kumimoji="1" lang="en-US" altLang="ja-JP" sz="2000" dirty="0">
+                <a:solidFill>
+                  <a:srgbClr val="231B23"/>
+                </a:solidFill>
+                <a:latin typeface="Meiryo UI"/>
+              </a:rPr>
+              <a:t>	</a:t>
+            </a:r>
+            <a:r>
+              <a:rPr kumimoji="1" lang="ja-JP" altLang="en-US" sz="2000" b="0" i="0" u="none" strike="noStrike" kern="1200" cap="none" spc="0" normalizeH="0" baseline="0" noProof="0" dirty="0">
+                <a:ln>
+                  <a:noFill/>
+                </a:ln>
+                <a:solidFill>
+                  <a:srgbClr val="231B23"/>
+                </a:solidFill>
+                <a:effectLst/>
+                <a:uLnTx/>
+                <a:uFillTx/>
+                <a:latin typeface="Meiryo UI"/>
+                <a:ea typeface="+mn-ea"/>
+                <a:cs typeface="+mn-cs"/>
+              </a:rPr>
+              <a:t>→ 知らなかったことを調べて自分の力に</a:t>
+            </a:r>
+            <a:endParaRPr kumimoji="1" lang="en-US" altLang="ja-JP" sz="2000" b="0" i="0" u="none" strike="noStrike" kern="1200" cap="none" spc="0" normalizeH="0" baseline="0" noProof="0" dirty="0">
+              <a:ln>
+                <a:noFill/>
+              </a:ln>
+              <a:solidFill>
+                <a:srgbClr val="231B23"/>
+              </a:solidFill>
+              <a:effectLst/>
+              <a:uLnTx/>
+              <a:uFillTx/>
+              <a:latin typeface="Meiryo UI"/>
+              <a:ea typeface="+mn-ea"/>
+              <a:cs typeface="+mn-cs"/>
+            </a:endParaRPr>
+          </a:p>
+        </p:txBody>
+      </p:sp>
+      <p:sp>
+        <p:nvSpPr>
+          <p:cNvPr id="18" name="タイトル 1">
+            <a:extLst>
+              <a:ext uri="{FF2B5EF4-FFF2-40B4-BE49-F238E27FC236}">
+                <a16:creationId xmlns:a16="http://schemas.microsoft.com/office/drawing/2014/main" id="{67196C50-E59D-4F4F-9D38-0FFEF81AF693}"/>
               </a:ext>
             </a:extLst>
           </p:cNvPr>
@@ -16514,8 +16643,8 @@
         </p:nvSpPr>
         <p:spPr>
           <a:xfrm>
-            <a:off x="958850" y="6025307"/>
-            <a:ext cx="449629" cy="583800"/>
+            <a:off x="965200" y="6025307"/>
+            <a:ext cx="443279" cy="583800"/>
           </a:xfrm>
           <a:prstGeom prst="rect">
             <a:avLst/>
@@ -16551,7 +16680,7 @@
                   <a:srgbClr val="FFFFFF"/>
                 </a:solidFill>
               </a:rPr>
-              <a:t>S</a:t>
+              <a:t>K</a:t>
             </a:r>
             <a:endParaRPr lang="ja" sz="2000" b="0" dirty="0">
               <a:solidFill>
@@ -16564,7 +16693,7 @@
     </p:spTree>
     <p:extLst>
       <p:ext uri="{BB962C8B-B14F-4D97-AF65-F5344CB8AC3E}">
-        <p14:creationId xmlns:p14="http://schemas.microsoft.com/office/powerpoint/2010/main" val="3789924097"/>
+        <p14:creationId xmlns:p14="http://schemas.microsoft.com/office/powerpoint/2010/main" val="501005861"/>
       </p:ext>
     </p:extLst>
   </p:cSld>
@@ -17035,8 +17164,8 @@
         </p:nvSpPr>
         <p:spPr>
           <a:xfrm>
-            <a:off x="358601" y="1349603"/>
-            <a:ext cx="11409623" cy="1363441"/>
+            <a:off x="358600" y="1408471"/>
+            <a:ext cx="11445164" cy="1150363"/>
           </a:xfrm>
           <a:prstGeom prst="rect">
             <a:avLst/>
@@ -17088,7 +17217,7 @@
               <a:defRPr/>
             </a:pPr>
             <a:r>
-              <a:rPr kumimoji="1" lang="en-US" altLang="ja-JP" sz="2000" b="0" i="0" u="none" strike="noStrike" kern="1200" cap="none" spc="0" normalizeH="0" baseline="0" noProof="0" dirty="0">
+              <a:rPr kumimoji="1" lang="ja-JP" altLang="en-US" sz="2000" b="0" i="0" u="none" strike="noStrike" kern="1200" cap="none" spc="0" normalizeH="0" baseline="0" noProof="0" dirty="0">
                 <a:ln>
                   <a:noFill/>
                 </a:ln>
@@ -17102,24 +17231,7 @@
                 <a:ea typeface="HGP教科書体" panose="02020600000000000000" pitchFamily="18" charset="-128"/>
                 <a:cs typeface="+mn-cs"/>
               </a:rPr>
-              <a:t>DBA,</a:t>
-            </a:r>
-            <a:r>
-              <a:rPr kumimoji="1" lang="ja-JP" altLang="en-US" sz="2000" b="0" i="0" u="none" strike="noStrike" kern="1200" cap="none" spc="0" normalizeH="0" baseline="0" noProof="0" dirty="0">
-                <a:ln>
-                  <a:noFill/>
-                </a:ln>
-                <a:solidFill>
-                  <a:srgbClr val="231B23"/>
-                </a:solidFill>
-                <a:effectLst/>
-                <a:uLnTx/>
-                <a:uFillTx/>
-                <a:latin typeface="HGP教科書体" panose="02020600000000000000" pitchFamily="18" charset="-128"/>
-                <a:ea typeface="HGP教科書体" panose="02020600000000000000" pitchFamily="18" charset="-128"/>
-                <a:cs typeface="+mn-cs"/>
-              </a:rPr>
-              <a:t>コミュニケーション担当として</a:t>
+              <a:t>品質管理担当として</a:t>
             </a:r>
             <a:endParaRPr kumimoji="1" lang="en-US" altLang="ja-JP" sz="2000" b="0" i="0" u="none" strike="noStrike" kern="1200" cap="none" spc="0" normalizeH="0" baseline="0" noProof="0" dirty="0">
               <a:ln>
@@ -17336,15 +17448,15 @@
             <a:pPr rtl="0"/>
             <a:r>
               <a:rPr lang="ja-JP" altLang="en-US" sz="3200" b="0" dirty="0"/>
-              <a:t>水井 健人 </a:t>
+              <a:t>舟見 玲奈 </a:t>
             </a:r>
             <a:r>
               <a:rPr lang="en-US" altLang="ja-JP" b="0" dirty="0"/>
-              <a:t>/ DB</a:t>
+              <a:t>/ </a:t>
             </a:r>
             <a:r>
               <a:rPr lang="ja-JP" altLang="en-US" b="0" dirty="0"/>
-              <a:t>、コミュニケーション担当</a:t>
+              <a:t>品質管理担当</a:t>
             </a:r>
             <a:endParaRPr lang="ja" sz="3200" b="0" dirty="0"/>
           </a:p>
@@ -17517,8 +17629,8 @@
         </p:nvSpPr>
         <p:spPr>
           <a:xfrm>
-            <a:off x="725833" y="1590173"/>
-            <a:ext cx="6269106" cy="1122871"/>
+            <a:off x="864966" y="1814453"/>
+            <a:ext cx="8673399" cy="568874"/>
           </a:xfrm>
           <a:prstGeom prst="rect">
             <a:avLst/>
@@ -17563,91 +17675,7 @@
                 <a:ea typeface="+mn-ea"/>
                 <a:cs typeface="+mn-cs"/>
               </a:rPr>
-              <a:t>・ 会話してない人がいないように気を付ける！</a:t>
-            </a:r>
-            <a:endParaRPr kumimoji="1" lang="en-US" altLang="ja-JP" sz="2400" b="0" i="0" u="none" strike="noStrike" kern="1200" cap="none" spc="0" normalizeH="0" baseline="0" noProof="0" dirty="0">
-              <a:ln>
-                <a:noFill/>
-              </a:ln>
-              <a:solidFill>
-                <a:srgbClr val="231B23"/>
-              </a:solidFill>
-              <a:effectLst/>
-              <a:uLnTx/>
-              <a:uFillTx/>
-              <a:latin typeface="Meiryo UI"/>
-              <a:ea typeface="+mn-ea"/>
-              <a:cs typeface="+mn-cs"/>
-            </a:endParaRPr>
-          </a:p>
-          <a:p>
-            <a:pPr marL="0" marR="0" lvl="0" indent="0" algn="l" defTabSz="914400" rtl="0" eaLnBrk="1" fontAlgn="auto" latinLnBrk="0" hangingPunct="1">
-              <a:lnSpc>
-                <a:spcPct val="150000"/>
-              </a:lnSpc>
-              <a:spcBef>
-                <a:spcPts val="0"/>
-              </a:spcBef>
-              <a:spcAft>
-                <a:spcPts val="0"/>
-              </a:spcAft>
-              <a:buClrTx/>
-              <a:buSzTx/>
-              <a:buFontTx/>
-              <a:buNone/>
-              <a:tabLst/>
-              <a:defRPr/>
-            </a:pPr>
-            <a:r>
-              <a:rPr kumimoji="1" lang="ja-JP" altLang="en-US" sz="2400" b="0" i="0" u="none" strike="noStrike" kern="1200" cap="none" spc="0" normalizeH="0" baseline="0" noProof="0" dirty="0">
-                <a:ln>
-                  <a:noFill/>
-                </a:ln>
-                <a:solidFill>
-                  <a:srgbClr val="231B23"/>
-                </a:solidFill>
-                <a:effectLst/>
-                <a:uLnTx/>
-                <a:uFillTx/>
-                <a:latin typeface="Meiryo UI"/>
-                <a:ea typeface="+mn-ea"/>
-                <a:cs typeface="+mn-cs"/>
-              </a:rPr>
-              <a:t>・ </a:t>
-            </a:r>
-            <a:r>
-              <a:rPr kumimoji="1" lang="en-US" altLang="ja-JP" sz="2400" b="0" i="0" u="none" strike="noStrike" kern="1200" cap="none" spc="0" normalizeH="0" baseline="0" noProof="0" dirty="0">
-                <a:ln>
-                  <a:noFill/>
-                </a:ln>
-                <a:solidFill>
-                  <a:srgbClr val="231B23"/>
-                </a:solidFill>
-                <a:effectLst/>
-                <a:uLnTx/>
-                <a:uFillTx/>
-                <a:latin typeface="Meiryo UI"/>
-                <a:ea typeface="+mn-ea"/>
-                <a:cs typeface="+mn-cs"/>
-              </a:rPr>
-              <a:t>DBA</a:t>
-            </a:r>
-            <a:r>
-              <a:rPr kumimoji="1" lang="ja-JP" altLang="en-US" sz="2400" b="0" i="0" u="none" strike="noStrike" kern="1200" cap="none" spc="0" normalizeH="0" baseline="0" noProof="0" dirty="0">
-                <a:ln>
-                  <a:noFill/>
-                </a:ln>
-                <a:solidFill>
-                  <a:srgbClr val="231B23"/>
-                </a:solidFill>
-                <a:effectLst/>
-                <a:uLnTx/>
-                <a:uFillTx/>
-                <a:latin typeface="Meiryo UI"/>
-                <a:ea typeface="+mn-ea"/>
-                <a:cs typeface="+mn-cs"/>
-              </a:rPr>
-              <a:t>のもっている知識を最大限引き出す。</a:t>
+              <a:t>良きシステムが作れるよう、チームをサポートする。</a:t>
             </a:r>
             <a:endParaRPr kumimoji="1" lang="en-US" altLang="ja-JP" sz="2400" b="0" i="0" u="none" strike="noStrike" kern="1200" cap="none" spc="0" normalizeH="0" baseline="0" noProof="0" dirty="0">
               <a:ln>
@@ -17704,10 +17732,10 @@
       </p:pic>
       <p:sp>
         <p:nvSpPr>
-          <p:cNvPr id="44" name="吹き出し: 角を丸めた四角形 43">
+          <p:cNvPr id="26" name="吹き出し: 角を丸めた四角形 25">
             <a:extLst>
               <a:ext uri="{FF2B5EF4-FFF2-40B4-BE49-F238E27FC236}">
-                <a16:creationId xmlns:a16="http://schemas.microsoft.com/office/drawing/2014/main" id="{DDF871A6-0182-4065-B082-728552ACEB4C}"/>
+                <a16:creationId xmlns:a16="http://schemas.microsoft.com/office/drawing/2014/main" id="{5A90B5A4-DF3D-4F30-BFE4-6B073C8A6D4B}"/>
               </a:ext>
             </a:extLst>
           </p:cNvPr>
@@ -17716,8 +17744,8 @@
         </p:nvSpPr>
         <p:spPr>
           <a:xfrm>
-            <a:off x="2430054" y="5253246"/>
-            <a:ext cx="6142446" cy="1380310"/>
+            <a:off x="2430053" y="5253245"/>
+            <a:ext cx="5875083" cy="1380310"/>
           </a:xfrm>
           <a:prstGeom prst="wedgeRoundRectCallout">
             <a:avLst>
@@ -17775,40 +17803,6 @@
               <a:defRPr/>
             </a:pPr>
             <a:r>
-              <a:rPr kumimoji="1" lang="ja-JP" altLang="en-US" dirty="0">
-                <a:solidFill>
-                  <a:sysClr val="windowText" lastClr="000000"/>
-                </a:solidFill>
-                <a:latin typeface="Meiryo UI"/>
-              </a:rPr>
-              <a:t>チームの影の立役者。プログラミングはもちろん、チーム内の話し合いにおいても、とにかく穴を埋める役を担ってくださっていました。</a:t>
-            </a:r>
-            <a:endParaRPr kumimoji="1" lang="en-US" altLang="ja-JP" dirty="0">
-              <a:solidFill>
-                <a:sysClr val="windowText" lastClr="000000"/>
-              </a:solidFill>
-              <a:latin typeface="Meiryo UI"/>
-            </a:endParaRPr>
-          </a:p>
-          <a:p>
-            <a:pPr marL="0" marR="0" lvl="0" indent="0" algn="ctr" defTabSz="914400" rtl="0" eaLnBrk="1" fontAlgn="auto" latinLnBrk="0" hangingPunct="1">
-              <a:lnSpc>
-                <a:spcPct val="150000"/>
-              </a:lnSpc>
-              <a:spcBef>
-                <a:spcPts val="0"/>
-              </a:spcBef>
-              <a:spcAft>
-                <a:spcPts val="0"/>
-              </a:spcAft>
-              <a:buClrTx/>
-              <a:buSzTx/>
-              <a:buFontTx/>
-              <a:buNone/>
-              <a:tabLst/>
-              <a:defRPr/>
-            </a:pPr>
-            <a:r>
               <a:rPr kumimoji="1" lang="ja-JP" altLang="en-US" sz="1800" b="0" i="0" u="none" strike="noStrike" kern="1200" cap="none" spc="0" normalizeH="0" baseline="0" noProof="0" dirty="0">
                 <a:ln>
                   <a:noFill/>
@@ -17823,7 +17817,7 @@
                 <a:ea typeface="+mn-ea"/>
                 <a:cs typeface="+mn-cs"/>
               </a:rPr>
-              <a:t>検索機能の実現は彼あってこそ！本当にありがとうございました！</a:t>
+              <a:t>チーム立ち上げ当初から鋭い視点の意見で、私では気付かないポイントにたくさん気づかせてもらいました。デザインもセンス抜群で本当にすごいなぁといつも思っていました。</a:t>
             </a:r>
             <a:endParaRPr kumimoji="1" lang="en-US" altLang="ja-JP" sz="1800" b="0" i="0" u="none" strike="noStrike" kern="1200" cap="none" spc="0" normalizeH="0" baseline="0" noProof="0" dirty="0">
               <a:ln>
@@ -17856,8 +17850,8 @@
         </p:nvSpPr>
         <p:spPr>
           <a:xfrm>
-            <a:off x="358601" y="2809852"/>
-            <a:ext cx="11409623" cy="2307505"/>
+            <a:off x="358600" y="2642632"/>
+            <a:ext cx="11445164" cy="2474726"/>
           </a:xfrm>
           <a:prstGeom prst="rect">
             <a:avLst/>
@@ -17909,12 +17903,19 @@
               <a:defRPr/>
             </a:pPr>
             <a:r>
-              <a:rPr kumimoji="1" lang="ja-JP" altLang="en-US" sz="2000" dirty="0">
+              <a:rPr kumimoji="1" lang="ja-JP" altLang="en-US" sz="2000" b="0" i="0" u="none" strike="noStrike" kern="1200" cap="none" spc="0" normalizeH="0" baseline="0" noProof="0" dirty="0">
+                <a:ln>
+                  <a:noFill/>
+                </a:ln>
                 <a:solidFill>
                   <a:srgbClr val="231B23"/>
                 </a:solidFill>
+                <a:effectLst/>
+                <a:uLnTx/>
+                <a:uFillTx/>
                 <a:latin typeface="HGP教科書体" panose="02020600000000000000" pitchFamily="18" charset="-128"/>
                 <a:ea typeface="HGP教科書体" panose="02020600000000000000" pitchFamily="18" charset="-128"/>
+                <a:cs typeface="+mn-cs"/>
               </a:rPr>
               <a:t>研修成果</a:t>
             </a:r>
@@ -17937,10 +17938,102 @@
       </p:sp>
       <p:sp>
         <p:nvSpPr>
+          <p:cNvPr id="19" name="テキスト ボックス 18">
+            <a:extLst>
+              <a:ext uri="{FF2B5EF4-FFF2-40B4-BE49-F238E27FC236}">
+                <a16:creationId xmlns:a16="http://schemas.microsoft.com/office/drawing/2014/main" id="{6234C2C2-1210-4AC3-BEF2-42585446F70A}"/>
+              </a:ext>
+            </a:extLst>
+          </p:cNvPr>
+          <p:cNvSpPr txBox="1"/>
+          <p:nvPr/>
+        </p:nvSpPr>
+        <p:spPr>
+          <a:xfrm>
+            <a:off x="864966" y="3237027"/>
+            <a:ext cx="10678885" cy="1122871"/>
+          </a:xfrm>
+          <a:prstGeom prst="rect">
+            <a:avLst/>
+          </a:prstGeom>
+          <a:noFill/>
+        </p:spPr>
+        <p:txBody>
+          <a:bodyPr wrap="square" rtlCol="0">
+            <a:spAutoFit/>
+          </a:bodyPr>
+          <a:lstStyle/>
+          <a:p>
+            <a:pPr marL="0" marR="0" lvl="0" indent="0" algn="l" defTabSz="914400" rtl="0" eaLnBrk="1" fontAlgn="auto" latinLnBrk="0" hangingPunct="1">
+              <a:lnSpc>
+                <a:spcPct val="150000"/>
+              </a:lnSpc>
+              <a:spcBef>
+                <a:spcPts val="0"/>
+              </a:spcBef>
+              <a:spcAft>
+                <a:spcPts val="0"/>
+              </a:spcAft>
+              <a:buClrTx/>
+              <a:buSzTx/>
+              <a:buFontTx/>
+              <a:buNone/>
+              <a:tabLst/>
+              <a:defRPr/>
+            </a:pPr>
+            <a:r>
+              <a:rPr kumimoji="1" lang="ja-JP" altLang="en-US" sz="2400" b="0" i="0" u="none" strike="noStrike" kern="1200" cap="none" spc="0" normalizeH="0" baseline="0" noProof="0" dirty="0">
+                <a:ln>
+                  <a:noFill/>
+                </a:ln>
+                <a:solidFill>
+                  <a:srgbClr val="231B23"/>
+                </a:solidFill>
+                <a:effectLst/>
+                <a:uLnTx/>
+                <a:uFillTx/>
+                <a:latin typeface="Meiryo UI"/>
+                <a:ea typeface="+mn-ea"/>
+                <a:cs typeface="+mn-cs"/>
+              </a:rPr>
+              <a:t>不明点は明確にし、解消すること。</a:t>
+            </a:r>
+            <a:endParaRPr kumimoji="1" lang="en-US" altLang="ja-JP" sz="2400" b="0" i="0" u="none" strike="noStrike" kern="1200" cap="none" spc="0" normalizeH="0" baseline="0" noProof="0" dirty="0">
+              <a:ln>
+                <a:noFill/>
+              </a:ln>
+              <a:solidFill>
+                <a:srgbClr val="231B23"/>
+              </a:solidFill>
+              <a:effectLst/>
+              <a:uLnTx/>
+              <a:uFillTx/>
+              <a:latin typeface="Meiryo UI"/>
+              <a:ea typeface="+mn-ea"/>
+              <a:cs typeface="+mn-cs"/>
+            </a:endParaRPr>
+          </a:p>
+          <a:p>
+            <a:pPr>
+              <a:lnSpc>
+                <a:spcPct val="150000"/>
+              </a:lnSpc>
+              <a:defRPr/>
+            </a:pPr>
+            <a:r>
+              <a:rPr kumimoji="1" lang="ja-JP" altLang="en-US" sz="2400" dirty="0"/>
+              <a:t>そして、共有すること。</a:t>
+            </a:r>
+            <a:endParaRPr kumimoji="1" lang="en-US" altLang="ja-JP" sz="2400" dirty="0"/>
+          </a:p>
+        </p:txBody>
+      </p:sp>
+      <p:sp>
+        <p:nvSpPr>
           <p:cNvPr id="2" name="スライド番号プレースホルダー 1">
             <a:extLst>
               <a:ext uri="{FF2B5EF4-FFF2-40B4-BE49-F238E27FC236}">
-                <a16:creationId xmlns:a16="http://schemas.microsoft.com/office/drawing/2014/main" id="{1F45B1EB-1E7A-4127-8CDE-49B771CB4A7D}"/>
+                <a16:creationId xmlns:a16="http://schemas.microsoft.com/office/drawing/2014/main" id="{3ACF3814-3ED5-4BA0-84E6-83785F9981AF}"/>
               </a:ext>
             </a:extLst>
           </p:cNvPr>
@@ -17970,7 +18063,7 @@
           <p:cNvPr id="16" name="テキスト ボックス 15">
             <a:extLst>
               <a:ext uri="{FF2B5EF4-FFF2-40B4-BE49-F238E27FC236}">
-                <a16:creationId xmlns:a16="http://schemas.microsoft.com/office/drawing/2014/main" id="{E3BC6703-A8F9-4613-982D-EF647E5BC4D3}"/>
+                <a16:creationId xmlns:a16="http://schemas.microsoft.com/office/drawing/2014/main" id="{1DF4D8E7-1420-4B22-B8D9-AAF4246EF1CE}"/>
               </a:ext>
             </a:extLst>
           </p:cNvPr>
@@ -17979,8 +18072,8 @@
         </p:nvSpPr>
         <p:spPr>
           <a:xfrm rot="835554">
-            <a:off x="6881743" y="1777433"/>
-            <a:ext cx="4999676" cy="1754326"/>
+            <a:off x="6386527" y="806187"/>
+            <a:ext cx="5779299" cy="1754326"/>
           </a:xfrm>
           <a:prstGeom prst="rect">
             <a:avLst/>
@@ -18011,288 +18104,17 @@
                 <a:latin typeface="HGS明朝B" panose="02020800000000000000" pitchFamily="18" charset="-128"/>
                 <a:ea typeface="HGS明朝B" panose="02020800000000000000" pitchFamily="18" charset="-128"/>
               </a:rPr>
-              <a:t>静かなる仕事人</a:t>
-            </a:r>
-            <a:endParaRPr kumimoji="1" lang="en-US" altLang="ja-JP" sz="5400" dirty="0">
-              <a:solidFill>
-                <a:schemeClr val="accent1">
-                  <a:lumMod val="75000"/>
-                </a:schemeClr>
-              </a:solidFill>
-              <a:latin typeface="HGS明朝B" panose="02020800000000000000" pitchFamily="18" charset="-128"/>
-              <a:ea typeface="HGS明朝B" panose="02020800000000000000" pitchFamily="18" charset="-128"/>
-            </a:endParaRPr>
-          </a:p>
-          <a:p>
-            <a:pPr algn="ctr"/>
-            <a:r>
-              <a:rPr kumimoji="1" lang="ja-JP" altLang="en-US" sz="5400" dirty="0">
-                <a:solidFill>
-                  <a:schemeClr val="accent1">
-                    <a:lumMod val="75000"/>
-                  </a:schemeClr>
-                </a:solidFill>
-                <a:latin typeface="HGS明朝B" panose="02020800000000000000" pitchFamily="18" charset="-128"/>
-                <a:ea typeface="HGS明朝B" panose="02020800000000000000" pitchFamily="18" charset="-128"/>
-              </a:rPr>
-              <a:t>影の立役者</a:t>
+              <a:t>システムデザイン全権保持者</a:t>
             </a:r>
           </a:p>
         </p:txBody>
       </p:sp>
       <p:sp>
         <p:nvSpPr>
-          <p:cNvPr id="17" name="テキスト ボックス 16">
+          <p:cNvPr id="17" name="タイトル 1">
             <a:extLst>
               <a:ext uri="{FF2B5EF4-FFF2-40B4-BE49-F238E27FC236}">
-                <a16:creationId xmlns:a16="http://schemas.microsoft.com/office/drawing/2014/main" id="{06C0AE5D-2966-4EA8-9771-440144BDC550}"/>
-              </a:ext>
-            </a:extLst>
-          </p:cNvPr>
-          <p:cNvSpPr txBox="1"/>
-          <p:nvPr/>
-        </p:nvSpPr>
-        <p:spPr>
-          <a:xfrm>
-            <a:off x="798215" y="2967356"/>
-            <a:ext cx="9178905" cy="2138534"/>
-          </a:xfrm>
-          <a:prstGeom prst="rect">
-            <a:avLst/>
-          </a:prstGeom>
-          <a:noFill/>
-        </p:spPr>
-        <p:txBody>
-          <a:bodyPr wrap="square" rtlCol="0">
-            <a:spAutoFit/>
-          </a:bodyPr>
-          <a:lstStyle/>
-          <a:p>
-            <a:pPr marL="0" marR="0" lvl="0" indent="0" algn="l" defTabSz="914400" rtl="0" eaLnBrk="1" fontAlgn="auto" latinLnBrk="0" hangingPunct="1">
-              <a:lnSpc>
-                <a:spcPct val="150000"/>
-              </a:lnSpc>
-              <a:spcBef>
-                <a:spcPts val="0"/>
-              </a:spcBef>
-              <a:spcAft>
-                <a:spcPts val="0"/>
-              </a:spcAft>
-              <a:buClrTx/>
-              <a:buSzTx/>
-              <a:buFontTx/>
-              <a:buNone/>
-              <a:tabLst/>
-              <a:defRPr/>
-            </a:pPr>
-            <a:r>
-              <a:rPr kumimoji="1" lang="ja-JP" altLang="en-US" sz="2400" b="0" i="0" u="none" strike="noStrike" kern="1200" cap="none" spc="0" normalizeH="0" baseline="0" noProof="0" dirty="0">
-                <a:ln>
-                  <a:noFill/>
-                </a:ln>
-                <a:solidFill>
-                  <a:srgbClr val="231B23"/>
-                </a:solidFill>
-                <a:effectLst/>
-                <a:uLnTx/>
-                <a:uFillTx/>
-                <a:latin typeface="Meiryo UI"/>
-                <a:ea typeface="+mn-ea"/>
-                <a:cs typeface="+mn-cs"/>
-              </a:rPr>
-              <a:t>・ リーダーが会話を振るのがうまかった。</a:t>
-            </a:r>
-            <a:endParaRPr kumimoji="1" lang="en-US" altLang="ja-JP" sz="2400" b="0" i="0" u="none" strike="noStrike" kern="1200" cap="none" spc="0" normalizeH="0" baseline="0" noProof="0" dirty="0">
-              <a:ln>
-                <a:noFill/>
-              </a:ln>
-              <a:solidFill>
-                <a:srgbClr val="231B23"/>
-              </a:solidFill>
-              <a:effectLst/>
-              <a:uLnTx/>
-              <a:uFillTx/>
-              <a:latin typeface="Meiryo UI"/>
-              <a:ea typeface="+mn-ea"/>
-              <a:cs typeface="+mn-cs"/>
-            </a:endParaRPr>
-          </a:p>
-          <a:p>
-            <a:pPr marL="0" marR="0" lvl="0" indent="0" algn="l" defTabSz="914400" rtl="0" eaLnBrk="1" fontAlgn="auto" latinLnBrk="0" hangingPunct="1">
-              <a:lnSpc>
-                <a:spcPct val="150000"/>
-              </a:lnSpc>
-              <a:spcBef>
-                <a:spcPts val="0"/>
-              </a:spcBef>
-              <a:spcAft>
-                <a:spcPts val="0"/>
-              </a:spcAft>
-              <a:buClrTx/>
-              <a:buSzTx/>
-              <a:buFontTx/>
-              <a:buNone/>
-              <a:tabLst/>
-              <a:defRPr/>
-            </a:pPr>
-            <a:r>
-              <a:rPr kumimoji="1" lang="en-US" altLang="ja-JP" sz="2000" dirty="0">
-                <a:solidFill>
-                  <a:srgbClr val="231B23"/>
-                </a:solidFill>
-                <a:latin typeface="Meiryo UI"/>
-              </a:rPr>
-              <a:t>	</a:t>
-            </a:r>
-            <a:r>
-              <a:rPr kumimoji="1" lang="ja-JP" altLang="en-US" sz="2000" b="0" i="0" u="none" strike="noStrike" kern="1200" cap="none" spc="0" normalizeH="0" baseline="0" noProof="0" dirty="0">
-                <a:ln>
-                  <a:noFill/>
-                </a:ln>
-                <a:solidFill>
-                  <a:srgbClr val="231B23"/>
-                </a:solidFill>
-                <a:effectLst/>
-                <a:uLnTx/>
-                <a:uFillTx/>
-                <a:latin typeface="Meiryo UI"/>
-                <a:ea typeface="+mn-ea"/>
-                <a:cs typeface="+mn-cs"/>
-              </a:rPr>
-              <a:t>→ その分話が止まった際などのフォローをいれる</a:t>
-            </a:r>
-            <a:endParaRPr kumimoji="1" lang="en-US" altLang="ja-JP" sz="2000" b="0" i="0" u="none" strike="noStrike" kern="1200" cap="none" spc="0" normalizeH="0" baseline="0" noProof="0" dirty="0">
-              <a:ln>
-                <a:noFill/>
-              </a:ln>
-              <a:solidFill>
-                <a:srgbClr val="231B23"/>
-              </a:solidFill>
-              <a:effectLst/>
-              <a:uLnTx/>
-              <a:uFillTx/>
-              <a:latin typeface="Meiryo UI"/>
-              <a:ea typeface="+mn-ea"/>
-              <a:cs typeface="+mn-cs"/>
-            </a:endParaRPr>
-          </a:p>
-          <a:p>
-            <a:pPr marL="0" marR="0" lvl="0" indent="0" algn="l" defTabSz="914400" rtl="0" eaLnBrk="1" fontAlgn="auto" latinLnBrk="0" hangingPunct="1">
-              <a:lnSpc>
-                <a:spcPct val="150000"/>
-              </a:lnSpc>
-              <a:spcBef>
-                <a:spcPts val="0"/>
-              </a:spcBef>
-              <a:spcAft>
-                <a:spcPts val="0"/>
-              </a:spcAft>
-              <a:buClrTx/>
-              <a:buSzTx/>
-              <a:buFontTx/>
-              <a:buNone/>
-              <a:tabLst/>
-              <a:defRPr/>
-            </a:pPr>
-            <a:r>
-              <a:rPr kumimoji="1" lang="ja-JP" altLang="en-US" sz="2400" b="0" i="0" u="none" strike="noStrike" kern="1200" cap="none" spc="0" normalizeH="0" baseline="0" noProof="0" dirty="0">
-                <a:ln>
-                  <a:noFill/>
-                </a:ln>
-                <a:solidFill>
-                  <a:srgbClr val="231B23"/>
-                </a:solidFill>
-                <a:effectLst/>
-                <a:uLnTx/>
-                <a:uFillTx/>
-                <a:latin typeface="Meiryo UI"/>
-                <a:ea typeface="+mn-ea"/>
-                <a:cs typeface="+mn-cs"/>
-              </a:rPr>
-              <a:t>・ 複数検索機能</a:t>
-            </a:r>
-            <a:endParaRPr kumimoji="1" lang="en-US" altLang="ja-JP" sz="2400" b="0" i="0" u="none" strike="noStrike" kern="1200" cap="none" spc="0" normalizeH="0" baseline="0" noProof="0" dirty="0">
-              <a:ln>
-                <a:noFill/>
-              </a:ln>
-              <a:solidFill>
-                <a:srgbClr val="231B23"/>
-              </a:solidFill>
-              <a:effectLst/>
-              <a:uLnTx/>
-              <a:uFillTx/>
-              <a:latin typeface="Meiryo UI"/>
-              <a:ea typeface="+mn-ea"/>
-              <a:cs typeface="+mn-cs"/>
-            </a:endParaRPr>
-          </a:p>
-          <a:p>
-            <a:pPr marL="0" marR="0" lvl="0" indent="0" algn="l" defTabSz="914400" rtl="0" eaLnBrk="1" fontAlgn="auto" latinLnBrk="0" hangingPunct="1">
-              <a:lnSpc>
-                <a:spcPct val="150000"/>
-              </a:lnSpc>
-              <a:spcBef>
-                <a:spcPts val="0"/>
-              </a:spcBef>
-              <a:spcAft>
-                <a:spcPts val="0"/>
-              </a:spcAft>
-              <a:buClrTx/>
-              <a:buSzTx/>
-              <a:buFontTx/>
-              <a:buNone/>
-              <a:tabLst/>
-              <a:defRPr/>
-            </a:pPr>
-            <a:r>
-              <a:rPr kumimoji="1" lang="en-US" altLang="ja-JP" sz="2000" dirty="0">
-                <a:solidFill>
-                  <a:srgbClr val="231B23"/>
-                </a:solidFill>
-                <a:latin typeface="Meiryo UI"/>
-              </a:rPr>
-              <a:t>	</a:t>
-            </a:r>
-            <a:r>
-              <a:rPr kumimoji="1" lang="ja-JP" altLang="en-US" sz="2000" b="0" i="0" u="none" strike="noStrike" kern="1200" cap="none" spc="0" normalizeH="0" baseline="0" noProof="0" dirty="0">
-                <a:ln>
-                  <a:noFill/>
-                </a:ln>
-                <a:solidFill>
-                  <a:srgbClr val="231B23"/>
-                </a:solidFill>
-                <a:effectLst/>
-                <a:uLnTx/>
-                <a:uFillTx/>
-                <a:latin typeface="Meiryo UI"/>
-                <a:ea typeface="+mn-ea"/>
-                <a:cs typeface="+mn-cs"/>
-              </a:rPr>
-              <a:t>→ 知らなかったことを調べて自分の力に</a:t>
-            </a:r>
-            <a:endParaRPr kumimoji="1" lang="en-US" altLang="ja-JP" sz="2000" b="0" i="0" u="none" strike="noStrike" kern="1200" cap="none" spc="0" normalizeH="0" baseline="0" noProof="0" dirty="0">
-              <a:ln>
-                <a:noFill/>
-              </a:ln>
-              <a:solidFill>
-                <a:srgbClr val="231B23"/>
-              </a:solidFill>
-              <a:effectLst/>
-              <a:uLnTx/>
-              <a:uFillTx/>
-              <a:latin typeface="Meiryo UI"/>
-              <a:ea typeface="+mn-ea"/>
-              <a:cs typeface="+mn-cs"/>
-            </a:endParaRPr>
-          </a:p>
-        </p:txBody>
-      </p:sp>
-      <p:sp>
-        <p:nvSpPr>
-          <p:cNvPr id="18" name="タイトル 1">
-            <a:extLst>
-              <a:ext uri="{FF2B5EF4-FFF2-40B4-BE49-F238E27FC236}">
-                <a16:creationId xmlns:a16="http://schemas.microsoft.com/office/drawing/2014/main" id="{67196C50-E59D-4F4F-9D38-0FFEF81AF693}"/>
+                <a16:creationId xmlns:a16="http://schemas.microsoft.com/office/drawing/2014/main" id="{F7BA1754-BC86-4017-ACAB-C23906C237B4}"/>
               </a:ext>
             </a:extLst>
           </p:cNvPr>
@@ -18303,8 +18125,8 @@
         </p:nvSpPr>
         <p:spPr>
           <a:xfrm>
-            <a:off x="965200" y="6025307"/>
-            <a:ext cx="443279" cy="583800"/>
+            <a:off x="962025" y="6025307"/>
+            <a:ext cx="446454" cy="583800"/>
           </a:xfrm>
           <a:prstGeom prst="rect">
             <a:avLst/>
@@ -18353,7 +18175,7 @@
     </p:spTree>
     <p:extLst>
       <p:ext uri="{BB962C8B-B14F-4D97-AF65-F5344CB8AC3E}">
-        <p14:creationId xmlns:p14="http://schemas.microsoft.com/office/powerpoint/2010/main" val="501005861"/>
+        <p14:creationId xmlns:p14="http://schemas.microsoft.com/office/powerpoint/2010/main" val="1263311038"/>
       </p:ext>
     </p:extLst>
   </p:cSld>
@@ -18998,10 +18820,10 @@
       </p:grpSpPr>
       <p:sp>
         <p:nvSpPr>
-          <p:cNvPr id="27" name="正方形/長方形 26">
+          <p:cNvPr id="15" name="正方形/長方形 14">
             <a:extLst>
               <a:ext uri="{FF2B5EF4-FFF2-40B4-BE49-F238E27FC236}">
-                <a16:creationId xmlns:a16="http://schemas.microsoft.com/office/drawing/2014/main" id="{491FFD79-7801-41A6-8327-42B8A51BB0A0}"/>
+                <a16:creationId xmlns:a16="http://schemas.microsoft.com/office/drawing/2014/main" id="{AF2861BF-3022-4976-99F4-D0D1F70589FA}"/>
               </a:ext>
             </a:extLst>
           </p:cNvPr>
@@ -19010,8 +18832,8 @@
         </p:nvSpPr>
         <p:spPr>
           <a:xfrm>
-            <a:off x="358601" y="5253246"/>
-            <a:ext cx="8525619" cy="1380310"/>
+            <a:off x="358601" y="1349603"/>
+            <a:ext cx="11409623" cy="1501956"/>
           </a:xfrm>
           <a:prstGeom prst="rect">
             <a:avLst/>
@@ -19063,6 +18885,22 @@
               <a:defRPr/>
             </a:pPr>
             <a:r>
+              <a:rPr kumimoji="1" lang="en-US" altLang="ja-JP" sz="2000" b="0" i="0" u="none" strike="noStrike" kern="1200" cap="none" spc="0" normalizeH="0" baseline="0" noProof="0" dirty="0">
+                <a:ln>
+                  <a:noFill/>
+                </a:ln>
+                <a:solidFill>
+                  <a:srgbClr val="231B23"/>
+                </a:solidFill>
+                <a:effectLst/>
+                <a:uLnTx/>
+                <a:uFillTx/>
+                <a:ea typeface="HGP教科書体" panose="02020600000000000000" pitchFamily="18" charset="-128"/>
+                <a:cs typeface="+mn-cs"/>
+              </a:rPr>
+              <a:t>DBA</a:t>
+            </a:r>
+            <a:r>
               <a:rPr kumimoji="1" lang="ja-JP" altLang="en-US" sz="2000" b="0" i="0" u="none" strike="noStrike" kern="1200" cap="none" spc="0" normalizeH="0" baseline="0" noProof="0" dirty="0">
                 <a:ln>
                   <a:noFill/>
@@ -19073,97 +18911,10 @@
                 <a:effectLst/>
                 <a:uLnTx/>
                 <a:uFillTx/>
-                <a:latin typeface="HGP教科書体" panose="02020600000000000000" pitchFamily="18" charset="-128"/>
                 <a:ea typeface="HGP教科書体" panose="02020600000000000000" pitchFamily="18" charset="-128"/>
                 <a:cs typeface="+mn-cs"/>
               </a:rPr>
-              <a:t>メンバーより</a:t>
-            </a:r>
-          </a:p>
-        </p:txBody>
-      </p:sp>
-      <p:sp>
-        <p:nvSpPr>
-          <p:cNvPr id="15" name="正方形/長方形 14">
-            <a:extLst>
-              <a:ext uri="{FF2B5EF4-FFF2-40B4-BE49-F238E27FC236}">
-                <a16:creationId xmlns:a16="http://schemas.microsoft.com/office/drawing/2014/main" id="{AF2861BF-3022-4976-99F4-D0D1F70589FA}"/>
-              </a:ext>
-            </a:extLst>
-          </p:cNvPr>
-          <p:cNvSpPr/>
-          <p:nvPr/>
-        </p:nvSpPr>
-        <p:spPr>
-          <a:xfrm>
-            <a:off x="358600" y="1408471"/>
-            <a:ext cx="11445164" cy="1150363"/>
-          </a:xfrm>
-          <a:prstGeom prst="rect">
-            <a:avLst/>
-          </a:prstGeom>
-          <a:solidFill>
-            <a:srgbClr val="FFFFFF"/>
-          </a:solidFill>
-          <a:ln w="28575">
-            <a:solidFill>
-              <a:schemeClr val="bg1">
-                <a:lumMod val="90000"/>
-              </a:schemeClr>
-            </a:solidFill>
-          </a:ln>
-        </p:spPr>
-        <p:style>
-          <a:lnRef idx="1">
-            <a:schemeClr val="accent4"/>
-          </a:lnRef>
-          <a:fillRef idx="3">
-            <a:schemeClr val="accent4"/>
-          </a:fillRef>
-          <a:effectRef idx="2">
-            <a:schemeClr val="accent4"/>
-          </a:effectRef>
-          <a:fontRef idx="minor">
-            <a:schemeClr val="lt1"/>
-          </a:fontRef>
-        </p:style>
-        <p:txBody>
-          <a:bodyPr rtlCol="0" anchor="t" anchorCtr="0"/>
-          <a:lstStyle/>
-          <a:p>
-            <a:pPr marL="0" marR="0" lvl="0" indent="0" algn="l" defTabSz="914400" rtl="0" eaLnBrk="1" fontAlgn="auto" latinLnBrk="0" hangingPunct="1">
-              <a:lnSpc>
-                <a:spcPct val="100000"/>
-              </a:lnSpc>
-              <a:spcBef>
-                <a:spcPts val="0"/>
-              </a:spcBef>
-              <a:spcAft>
-                <a:spcPts val="0"/>
-              </a:spcAft>
-              <a:buClrTx/>
-              <a:buSzTx/>
-              <a:buFontTx/>
-              <a:buNone/>
-              <a:tabLst/>
-              <a:defRPr/>
-            </a:pPr>
-            <a:r>
-              <a:rPr kumimoji="1" lang="ja-JP" altLang="en-US" sz="2000" b="0" i="0" u="none" strike="noStrike" kern="1200" cap="none" spc="0" normalizeH="0" baseline="0" noProof="0" dirty="0">
-                <a:ln>
-                  <a:noFill/>
-                </a:ln>
-                <a:solidFill>
-                  <a:srgbClr val="231B23"/>
-                </a:solidFill>
-                <a:effectLst/>
-                <a:uLnTx/>
-                <a:uFillTx/>
-                <a:latin typeface="HGP教科書体" panose="02020600000000000000" pitchFamily="18" charset="-128"/>
-                <a:ea typeface="HGP教科書体" panose="02020600000000000000" pitchFamily="18" charset="-128"/>
-                <a:cs typeface="+mn-cs"/>
-              </a:rPr>
-              <a:t>品質管理担当として</a:t>
+              <a:t>、コミュニケーション担当として</a:t>
             </a:r>
             <a:endParaRPr kumimoji="1" lang="en-US" altLang="ja-JP" sz="2000" b="0" i="0" u="none" strike="noStrike" kern="1200" cap="none" spc="0" normalizeH="0" baseline="0" noProof="0" dirty="0">
               <a:ln>
@@ -19175,7 +18926,6 @@
               <a:effectLst/>
               <a:uLnTx/>
               <a:uFillTx/>
-              <a:latin typeface="HGP教科書体" panose="02020600000000000000" pitchFamily="18" charset="-128"/>
               <a:ea typeface="HGP教科書体" panose="02020600000000000000" pitchFamily="18" charset="-128"/>
               <a:cs typeface="+mn-cs"/>
             </a:endParaRPr>
@@ -19317,10 +19067,10 @@
       </p:sp>
       <p:pic>
         <p:nvPicPr>
-          <p:cNvPr id="10" name="グラフィックス 9" descr="ニヤリとした顔 (塗りつぶしなし) 単色塗りつぶし">
+          <p:cNvPr id="22" name="グラフィックス 21" descr="ハート付きの笑顔 (塗りつぶしなし) 単色塗りつぶし">
             <a:extLst>
               <a:ext uri="{FF2B5EF4-FFF2-40B4-BE49-F238E27FC236}">
-                <a16:creationId xmlns:a16="http://schemas.microsoft.com/office/drawing/2014/main" id="{D68573FE-0FF6-4CE1-95BE-C63109EF9B20}"/>
+                <a16:creationId xmlns:a16="http://schemas.microsoft.com/office/drawing/2014/main" id="{7DE3574C-15E9-4D20-A929-C7E2D6DE0836}"/>
               </a:ext>
             </a:extLst>
           </p:cNvPr>
@@ -19343,7 +19093,7 @@
         </p:blipFill>
         <p:spPr>
           <a:xfrm>
-            <a:off x="10901856" y="5553518"/>
+            <a:off x="10955673" y="5575725"/>
             <a:ext cx="735351" cy="735351"/>
           </a:xfrm>
           <a:prstGeom prst="rect">
@@ -19380,15 +19130,15 @@
             <a:pPr rtl="0"/>
             <a:r>
               <a:rPr lang="ja-JP" altLang="en-US" sz="3200" b="0" dirty="0"/>
-              <a:t>舟見 玲奈 </a:t>
+              <a:t>杉森 佑樹 </a:t>
             </a:r>
             <a:r>
               <a:rPr lang="en-US" altLang="ja-JP" b="0" dirty="0"/>
-              <a:t>/ </a:t>
+              <a:t>/ DB</a:t>
             </a:r>
             <a:r>
               <a:rPr lang="ja-JP" altLang="en-US" b="0" dirty="0"/>
-              <a:t>品質管理担当</a:t>
+              <a:t>、コミュニケーション担当</a:t>
             </a:r>
             <a:endParaRPr lang="ja" sz="3200" b="0" dirty="0"/>
           </a:p>
@@ -19492,7 +19242,7 @@
                 <a:ea typeface="+mn-ea"/>
                 <a:cs typeface="+mn-cs"/>
               </a:rPr>
-              <a:t>70</a:t>
+              <a:t>80</a:t>
             </a:r>
             <a:r>
               <a:rPr kumimoji="1" lang="en-US" altLang="ja-JP" sz="2000" b="0" i="0" u="none" strike="noStrike" kern="1200" cap="none" spc="0" normalizeH="0" baseline="0" noProof="0" dirty="0">
@@ -19549,35 +19299,56 @@
       </p:sp>
       <p:sp>
         <p:nvSpPr>
-          <p:cNvPr id="41" name="テキスト ボックス 40">
+          <p:cNvPr id="28" name="正方形/長方形 27">
             <a:extLst>
               <a:ext uri="{FF2B5EF4-FFF2-40B4-BE49-F238E27FC236}">
-                <a16:creationId xmlns:a16="http://schemas.microsoft.com/office/drawing/2014/main" id="{F5B6F027-05F2-4C6D-AE1E-9A8D41C0E830}"/>
+                <a16:creationId xmlns:a16="http://schemas.microsoft.com/office/drawing/2014/main" id="{94059250-8A1E-4C2C-BE1C-D7A4FE618E39}"/>
               </a:ext>
             </a:extLst>
           </p:cNvPr>
-          <p:cNvSpPr txBox="1"/>
+          <p:cNvSpPr/>
           <p:nvPr/>
         </p:nvSpPr>
         <p:spPr>
           <a:xfrm>
-            <a:off x="864966" y="1814453"/>
-            <a:ext cx="8673399" cy="568874"/>
+            <a:off x="358601" y="5253245"/>
+            <a:ext cx="8525619" cy="1380310"/>
           </a:xfrm>
           <a:prstGeom prst="rect">
             <a:avLst/>
           </a:prstGeom>
-          <a:noFill/>
+          <a:solidFill>
+            <a:srgbClr val="FFFFFF"/>
+          </a:solidFill>
+          <a:ln w="28575">
+            <a:solidFill>
+              <a:schemeClr val="bg1">
+                <a:lumMod val="90000"/>
+              </a:schemeClr>
+            </a:solidFill>
+          </a:ln>
         </p:spPr>
+        <p:style>
+          <a:lnRef idx="1">
+            <a:schemeClr val="accent4"/>
+          </a:lnRef>
+          <a:fillRef idx="3">
+            <a:schemeClr val="accent4"/>
+          </a:fillRef>
+          <a:effectRef idx="2">
+            <a:schemeClr val="accent4"/>
+          </a:effectRef>
+          <a:fontRef idx="minor">
+            <a:schemeClr val="lt1"/>
+          </a:fontRef>
+        </p:style>
         <p:txBody>
-          <a:bodyPr wrap="square" rtlCol="0">
-            <a:spAutoFit/>
-          </a:bodyPr>
+          <a:bodyPr rtlCol="0" anchor="t" anchorCtr="0"/>
           <a:lstStyle/>
           <a:p>
             <a:pPr marL="0" marR="0" lvl="0" indent="0" algn="l" defTabSz="914400" rtl="0" eaLnBrk="1" fontAlgn="auto" latinLnBrk="0" hangingPunct="1">
               <a:lnSpc>
-                <a:spcPct val="150000"/>
+                <a:spcPct val="100000"/>
               </a:lnSpc>
               <a:spcBef>
                 <a:spcPts val="0"/>
@@ -19593,7 +19364,7 @@
               <a:defRPr/>
             </a:pPr>
             <a:r>
-              <a:rPr kumimoji="1" lang="ja-JP" altLang="en-US" sz="2400" b="0" i="0" u="none" strike="noStrike" kern="1200" cap="none" spc="0" normalizeH="0" baseline="0" noProof="0" dirty="0">
+              <a:rPr kumimoji="1" lang="ja-JP" altLang="en-US" sz="2000" b="0" i="0" u="none" strike="noStrike" kern="1200" cap="none" spc="0" normalizeH="0" baseline="0" noProof="0" dirty="0">
                 <a:ln>
                   <a:noFill/>
                 </a:ln>
@@ -19603,71 +19374,21 @@
                 <a:effectLst/>
                 <a:uLnTx/>
                 <a:uFillTx/>
-                <a:latin typeface="Meiryo UI"/>
-                <a:ea typeface="+mn-ea"/>
+                <a:latin typeface="HGP教科書体" panose="02020600000000000000" pitchFamily="18" charset="-128"/>
+                <a:ea typeface="HGP教科書体" panose="02020600000000000000" pitchFamily="18" charset="-128"/>
                 <a:cs typeface="+mn-cs"/>
               </a:rPr>
-              <a:t>良きシステムが作れるよう、チームをサポートする。</a:t>
-            </a:r>
-            <a:endParaRPr kumimoji="1" lang="en-US" altLang="ja-JP" sz="2400" b="0" i="0" u="none" strike="noStrike" kern="1200" cap="none" spc="0" normalizeH="0" baseline="0" noProof="0" dirty="0">
-              <a:ln>
-                <a:noFill/>
-              </a:ln>
-              <a:solidFill>
-                <a:srgbClr val="231B23"/>
-              </a:solidFill>
-              <a:effectLst/>
-              <a:uLnTx/>
-              <a:uFillTx/>
-              <a:latin typeface="Meiryo UI"/>
-              <a:ea typeface="+mn-ea"/>
-              <a:cs typeface="+mn-cs"/>
-            </a:endParaRPr>
+              <a:t>メンバーより</a:t>
+            </a:r>
           </a:p>
         </p:txBody>
       </p:sp>
-      <p:pic>
-        <p:nvPicPr>
-          <p:cNvPr id="42" name="グラフィックス 41" descr="ユーザー 単色塗りつぶし">
-            <a:extLst>
-              <a:ext uri="{FF2B5EF4-FFF2-40B4-BE49-F238E27FC236}">
-                <a16:creationId xmlns:a16="http://schemas.microsoft.com/office/drawing/2014/main" id="{6CF699F4-CF46-4C02-B200-2B6D830D8BCA}"/>
-              </a:ext>
-            </a:extLst>
-          </p:cNvPr>
-          <p:cNvPicPr>
-            <a:picLocks noChangeAspect="1"/>
-          </p:cNvPicPr>
-          <p:nvPr/>
-        </p:nvPicPr>
-        <p:blipFill>
-          <a:blip r:embed="rId7">
-            <a:extLst>
-              <a:ext uri="{96DAC541-7B7A-43D3-8B79-37D633B846F1}">
-                <asvg:svgBlip xmlns:asvg="http://schemas.microsoft.com/office/drawing/2016/SVG/main" r:embed="rId8"/>
-              </a:ext>
-            </a:extLst>
-          </a:blip>
-          <a:stretch>
-            <a:fillRect/>
-          </a:stretch>
-        </p:blipFill>
-        <p:spPr>
-          <a:xfrm>
-            <a:off x="599052" y="5567159"/>
-            <a:ext cx="1055042" cy="1055042"/>
-          </a:xfrm>
-          <a:prstGeom prst="rect">
-            <a:avLst/>
-          </a:prstGeom>
-        </p:spPr>
-      </p:pic>
       <p:sp>
         <p:nvSpPr>
-          <p:cNvPr id="26" name="吹き出し: 角を丸めた四角形 25">
+          <p:cNvPr id="25" name="吹き出し: 角を丸めた四角形 24">
             <a:extLst>
               <a:ext uri="{FF2B5EF4-FFF2-40B4-BE49-F238E27FC236}">
-                <a16:creationId xmlns:a16="http://schemas.microsoft.com/office/drawing/2014/main" id="{5A90B5A4-DF3D-4F30-BFE4-6B073C8A6D4B}"/>
+                <a16:creationId xmlns:a16="http://schemas.microsoft.com/office/drawing/2014/main" id="{0A122515-D1DD-43AE-BF40-F2D7319E592A}"/>
               </a:ext>
             </a:extLst>
           </p:cNvPr>
@@ -19676,8 +19397,8 @@
         </p:nvSpPr>
         <p:spPr>
           <a:xfrm>
-            <a:off x="2430053" y="5253245"/>
-            <a:ext cx="5875083" cy="1380310"/>
+            <a:off x="2430054" y="5243632"/>
+            <a:ext cx="5875083" cy="1389924"/>
           </a:xfrm>
           <a:prstGeom prst="wedgeRoundRectCallout">
             <a:avLst>
@@ -19717,53 +19438,39 @@
           <a:bodyPr rtlCol="0" anchor="ctr"/>
           <a:lstStyle/>
           <a:p>
-            <a:pPr marL="0" marR="0" lvl="0" indent="0" algn="ctr" defTabSz="914400" rtl="0" eaLnBrk="1" fontAlgn="auto" latinLnBrk="0" hangingPunct="1">
+            <a:pPr algn="ctr">
               <a:lnSpc>
                 <a:spcPct val="150000"/>
               </a:lnSpc>
-              <a:spcBef>
-                <a:spcPts val="0"/>
-              </a:spcBef>
-              <a:spcAft>
-                <a:spcPts val="0"/>
-              </a:spcAft>
-              <a:buClrTx/>
-              <a:buSzTx/>
-              <a:buFontTx/>
-              <a:buNone/>
-              <a:tabLst/>
-              <a:defRPr/>
             </a:pPr>
             <a:r>
-              <a:rPr kumimoji="1" lang="ja-JP" altLang="en-US" sz="1800" b="0" i="0" u="none" strike="noStrike" kern="1200" cap="none" spc="0" normalizeH="0" baseline="0" noProof="0" dirty="0">
-                <a:ln>
-                  <a:noFill/>
-                </a:ln>
+              <a:rPr kumimoji="1" lang="ja-JP" altLang="en-US" dirty="0">
                 <a:solidFill>
                   <a:sysClr val="windowText" lastClr="000000"/>
                 </a:solidFill>
-                <a:effectLst/>
-                <a:uLnTx/>
-                <a:uFillTx/>
-                <a:latin typeface="Meiryo UI"/>
-                <a:ea typeface="+mn-ea"/>
-                <a:cs typeface="+mn-cs"/>
-              </a:rPr>
-              <a:t>チーム立ち上げ当初から鋭い視点の意見で、私では気付かないポイントにたくさん気づかせてもらいました。デザインもセンス抜群で本当にすごいなぁといつも思っていました。</a:t>
-            </a:r>
-            <a:endParaRPr kumimoji="1" lang="en-US" altLang="ja-JP" sz="1800" b="0" i="0" u="none" strike="noStrike" kern="1200" cap="none" spc="0" normalizeH="0" baseline="0" noProof="0" dirty="0">
-              <a:ln>
-                <a:noFill/>
-              </a:ln>
+              </a:rPr>
+              <a:t>個人的にチームで</a:t>
+            </a:r>
+            <a:r>
+              <a:rPr kumimoji="1" lang="en-US" altLang="ja-JP" dirty="0">
+                <a:solidFill>
+                  <a:sysClr val="windowText" lastClr="000000"/>
+                </a:solidFill>
+              </a:rPr>
+              <a:t>1</a:t>
+            </a:r>
+            <a:r>
+              <a:rPr kumimoji="1" lang="ja-JP" altLang="en-US" dirty="0">
+                <a:solidFill>
+                  <a:sysClr val="windowText" lastClr="000000"/>
+                </a:solidFill>
+              </a:rPr>
+              <a:t>番成長したんじゃないかと思ってます。恐ろしいです。技術面以外でも、何か意見を出したときや何か教えたときに全力でほめてくれるのがうれしすぎました。</a:t>
+            </a:r>
+            <a:endParaRPr kumimoji="1" lang="en-US" altLang="ja-JP" dirty="0">
               <a:solidFill>
                 <a:sysClr val="windowText" lastClr="000000"/>
               </a:solidFill>
-              <a:effectLst/>
-              <a:uLnTx/>
-              <a:uFillTx/>
-              <a:latin typeface="Meiryo UI"/>
-              <a:ea typeface="+mn-ea"/>
-              <a:cs typeface="+mn-cs"/>
             </a:endParaRPr>
           </a:p>
         </p:txBody>
@@ -19782,8 +19489,8 @@
         </p:nvSpPr>
         <p:spPr>
           <a:xfrm>
-            <a:off x="358600" y="2642632"/>
-            <a:ext cx="11445164" cy="2474726"/>
+            <a:off x="358601" y="2987446"/>
+            <a:ext cx="11409623" cy="2129911"/>
           </a:xfrm>
           <a:prstGeom prst="rect">
             <a:avLst/>
@@ -19870,10 +19577,10 @@
       </p:sp>
       <p:sp>
         <p:nvSpPr>
-          <p:cNvPr id="19" name="テキスト ボックス 18">
+          <p:cNvPr id="48" name="テキスト ボックス 47">
             <a:extLst>
               <a:ext uri="{FF2B5EF4-FFF2-40B4-BE49-F238E27FC236}">
-                <a16:creationId xmlns:a16="http://schemas.microsoft.com/office/drawing/2014/main" id="{6234C2C2-1210-4AC3-BEF2-42585446F70A}"/>
+                <a16:creationId xmlns:a16="http://schemas.microsoft.com/office/drawing/2014/main" id="{39AEC537-9EDF-4360-B24B-926D7DD5DFAF}"/>
               </a:ext>
             </a:extLst>
           </p:cNvPr>
@@ -19882,8 +19589,8 @@
         </p:nvSpPr>
         <p:spPr>
           <a:xfrm>
-            <a:off x="864966" y="3237027"/>
-            <a:ext cx="10678885" cy="1122871"/>
+            <a:off x="719741" y="3438728"/>
+            <a:ext cx="5805596" cy="1122871"/>
           </a:xfrm>
           <a:prstGeom prst="rect">
             <a:avLst/>
@@ -19928,7 +19635,7 @@
                 <a:ea typeface="+mn-ea"/>
                 <a:cs typeface="+mn-cs"/>
               </a:rPr>
-              <a:t>不明点は明確にし、解消すること。</a:t>
+              <a:t>・ お気に入り機能</a:t>
             </a:r>
             <a:endParaRPr kumimoji="1" lang="en-US" altLang="ja-JP" sz="2400" b="0" i="0" u="none" strike="noStrike" kern="1200" cap="none" spc="0" normalizeH="0" baseline="0" noProof="0" dirty="0">
               <a:ln>
@@ -19946,26 +19653,248 @@
             </a:endParaRPr>
           </a:p>
           <a:p>
-            <a:pPr>
+            <a:pPr marL="0" marR="0" lvl="0" indent="0" algn="l" defTabSz="914400" rtl="0" eaLnBrk="1" fontAlgn="auto" latinLnBrk="0" hangingPunct="1">
               <a:lnSpc>
                 <a:spcPct val="150000"/>
               </a:lnSpc>
+              <a:spcBef>
+                <a:spcPts val="0"/>
+              </a:spcBef>
+              <a:spcAft>
+                <a:spcPts val="0"/>
+              </a:spcAft>
+              <a:buClrTx/>
+              <a:buSzTx/>
+              <a:buFontTx/>
+              <a:buNone/>
+              <a:tabLst/>
               <a:defRPr/>
             </a:pPr>
             <a:r>
-              <a:rPr kumimoji="1" lang="ja-JP" altLang="en-US" sz="2400" dirty="0"/>
-              <a:t>そして、共有すること。</a:t>
-            </a:r>
-            <a:endParaRPr kumimoji="1" lang="en-US" altLang="ja-JP" sz="2400" dirty="0"/>
+              <a:rPr kumimoji="1" lang="ja-JP" altLang="en-US" sz="2400" b="0" i="0" u="none" strike="noStrike" kern="1200" cap="none" spc="0" normalizeH="0" baseline="0" noProof="0" dirty="0">
+                <a:ln>
+                  <a:noFill/>
+                </a:ln>
+                <a:solidFill>
+                  <a:srgbClr val="231B23"/>
+                </a:solidFill>
+                <a:effectLst/>
+                <a:uLnTx/>
+                <a:uFillTx/>
+                <a:latin typeface="Meiryo UI"/>
+                <a:ea typeface="+mn-ea"/>
+                <a:cs typeface="+mn-cs"/>
+              </a:rPr>
+              <a:t>・ グループの会話の盛り上げ</a:t>
+            </a:r>
+            <a:endParaRPr kumimoji="1" lang="en-US" altLang="ja-JP" sz="2400" b="0" i="0" u="none" strike="noStrike" kern="1200" cap="none" spc="0" normalizeH="0" baseline="0" noProof="0" dirty="0">
+              <a:ln>
+                <a:noFill/>
+              </a:ln>
+              <a:solidFill>
+                <a:srgbClr val="231B23"/>
+              </a:solidFill>
+              <a:effectLst/>
+              <a:uLnTx/>
+              <a:uFillTx/>
+              <a:latin typeface="Meiryo UI"/>
+              <a:ea typeface="+mn-ea"/>
+              <a:cs typeface="+mn-cs"/>
+            </a:endParaRPr>
           </a:p>
         </p:txBody>
       </p:sp>
       <p:sp>
         <p:nvSpPr>
+          <p:cNvPr id="19" name="テキスト ボックス 18">
+            <a:extLst>
+              <a:ext uri="{FF2B5EF4-FFF2-40B4-BE49-F238E27FC236}">
+                <a16:creationId xmlns:a16="http://schemas.microsoft.com/office/drawing/2014/main" id="{9E8CC1DF-4831-4CF4-939A-95C3F0F863CB}"/>
+              </a:ext>
+            </a:extLst>
+          </p:cNvPr>
+          <p:cNvSpPr txBox="1"/>
+          <p:nvPr/>
+        </p:nvSpPr>
+        <p:spPr>
+          <a:xfrm>
+            <a:off x="699093" y="1673412"/>
+            <a:ext cx="10728638" cy="1122871"/>
+          </a:xfrm>
+          <a:prstGeom prst="rect">
+            <a:avLst/>
+          </a:prstGeom>
+          <a:noFill/>
+        </p:spPr>
+        <p:txBody>
+          <a:bodyPr wrap="square" rtlCol="0">
+            <a:spAutoFit/>
+          </a:bodyPr>
+          <a:lstStyle/>
+          <a:p>
+            <a:pPr marL="0" marR="0" lvl="0" indent="0" algn="l" defTabSz="914400" rtl="0" eaLnBrk="1" fontAlgn="auto" latinLnBrk="0" hangingPunct="1">
+              <a:lnSpc>
+                <a:spcPct val="150000"/>
+              </a:lnSpc>
+              <a:spcBef>
+                <a:spcPts val="0"/>
+              </a:spcBef>
+              <a:spcAft>
+                <a:spcPts val="0"/>
+              </a:spcAft>
+              <a:buClrTx/>
+              <a:buSzTx/>
+              <a:buFontTx/>
+              <a:buNone/>
+              <a:tabLst/>
+              <a:defRPr/>
+            </a:pPr>
+            <a:r>
+              <a:rPr kumimoji="1" lang="ja-JP" altLang="en-US" sz="2400" b="0" i="0" u="none" strike="noStrike" kern="1200" cap="none" spc="0" normalizeH="0" baseline="0" noProof="0" dirty="0">
+                <a:ln>
+                  <a:noFill/>
+                </a:ln>
+                <a:solidFill>
+                  <a:srgbClr val="231B23"/>
+                </a:solidFill>
+                <a:effectLst/>
+                <a:uLnTx/>
+                <a:uFillTx/>
+                <a:latin typeface="Meiryo UI"/>
+                <a:ea typeface="+mn-ea"/>
+                <a:cs typeface="+mn-cs"/>
+              </a:rPr>
+              <a:t>・ 苦手だった</a:t>
+            </a:r>
+            <a:r>
+              <a:rPr kumimoji="1" lang="en-US" altLang="ja-JP" sz="2400" b="0" i="0" u="none" strike="noStrike" kern="1200" cap="none" spc="0" normalizeH="0" baseline="0" noProof="0" dirty="0">
+                <a:ln>
+                  <a:noFill/>
+                </a:ln>
+                <a:solidFill>
+                  <a:srgbClr val="231B23"/>
+                </a:solidFill>
+                <a:effectLst/>
+                <a:uLnTx/>
+                <a:uFillTx/>
+                <a:latin typeface="Meiryo UI"/>
+                <a:ea typeface="+mn-ea"/>
+                <a:cs typeface="+mn-cs"/>
+              </a:rPr>
+              <a:t>DAO</a:t>
+            </a:r>
+            <a:r>
+              <a:rPr kumimoji="1" lang="ja-JP" altLang="en-US" sz="2400" b="0" i="0" u="none" strike="noStrike" kern="1200" cap="none" spc="0" normalizeH="0" baseline="0" noProof="0" dirty="0">
+                <a:ln>
+                  <a:noFill/>
+                </a:ln>
+                <a:solidFill>
+                  <a:srgbClr val="231B23"/>
+                </a:solidFill>
+                <a:effectLst/>
+                <a:uLnTx/>
+                <a:uFillTx/>
+                <a:latin typeface="Meiryo UI"/>
+                <a:ea typeface="+mn-ea"/>
+                <a:cs typeface="+mn-cs"/>
+              </a:rPr>
+              <a:t>を克服する！</a:t>
+            </a:r>
+            <a:endParaRPr kumimoji="1" lang="en-US" altLang="ja-JP" sz="2400" b="0" i="0" u="none" strike="noStrike" kern="1200" cap="none" spc="0" normalizeH="0" baseline="0" noProof="0" dirty="0">
+              <a:ln>
+                <a:noFill/>
+              </a:ln>
+              <a:solidFill>
+                <a:srgbClr val="231B23"/>
+              </a:solidFill>
+              <a:effectLst/>
+              <a:uLnTx/>
+              <a:uFillTx/>
+              <a:latin typeface="Meiryo UI"/>
+              <a:ea typeface="+mn-ea"/>
+              <a:cs typeface="+mn-cs"/>
+            </a:endParaRPr>
+          </a:p>
+          <a:p>
+            <a:pPr marL="0" marR="0" lvl="0" indent="0" algn="l" defTabSz="914400" rtl="0" eaLnBrk="1" fontAlgn="auto" latinLnBrk="0" hangingPunct="1">
+              <a:lnSpc>
+                <a:spcPct val="150000"/>
+              </a:lnSpc>
+              <a:spcBef>
+                <a:spcPts val="0"/>
+              </a:spcBef>
+              <a:spcAft>
+                <a:spcPts val="0"/>
+              </a:spcAft>
+              <a:buClrTx/>
+              <a:buSzTx/>
+              <a:buFontTx/>
+              <a:buNone/>
+              <a:tabLst/>
+              <a:defRPr/>
+            </a:pPr>
+            <a:r>
+              <a:rPr kumimoji="1" lang="ja-JP" altLang="en-US" sz="2400" b="0" i="0" u="none" strike="noStrike" kern="1200" cap="none" spc="0" normalizeH="0" baseline="0" noProof="0" dirty="0">
+                <a:ln>
+                  <a:noFill/>
+                </a:ln>
+                <a:solidFill>
+                  <a:srgbClr val="231B23"/>
+                </a:solidFill>
+                <a:effectLst/>
+                <a:uLnTx/>
+                <a:uFillTx/>
+                <a:latin typeface="Meiryo UI"/>
+                <a:ea typeface="+mn-ea"/>
+                <a:cs typeface="+mn-cs"/>
+              </a:rPr>
+              <a:t>・ 積極的に話に参加する！</a:t>
+            </a:r>
+          </a:p>
+        </p:txBody>
+      </p:sp>
+      <p:pic>
+        <p:nvPicPr>
+          <p:cNvPr id="29" name="グラフィックス 28" descr="ユーザー 単色塗りつぶし">
+            <a:extLst>
+              <a:ext uri="{FF2B5EF4-FFF2-40B4-BE49-F238E27FC236}">
+                <a16:creationId xmlns:a16="http://schemas.microsoft.com/office/drawing/2014/main" id="{11478469-8849-49CD-A421-188D1361F1B6}"/>
+              </a:ext>
+            </a:extLst>
+          </p:cNvPr>
+          <p:cNvPicPr>
+            <a:picLocks noChangeAspect="1"/>
+          </p:cNvPicPr>
+          <p:nvPr/>
+        </p:nvPicPr>
+        <p:blipFill>
+          <a:blip r:embed="rId7">
+            <a:extLst>
+              <a:ext uri="{96DAC541-7B7A-43D3-8B79-37D633B846F1}">
+                <asvg:svgBlip xmlns:asvg="http://schemas.microsoft.com/office/drawing/2016/SVG/main" r:embed="rId8"/>
+              </a:ext>
+            </a:extLst>
+          </a:blip>
+          <a:stretch>
+            <a:fillRect/>
+          </a:stretch>
+        </p:blipFill>
+        <p:spPr>
+          <a:xfrm>
+            <a:off x="599052" y="5567159"/>
+            <a:ext cx="1055042" cy="1055042"/>
+          </a:xfrm>
+          <a:prstGeom prst="rect">
+            <a:avLst/>
+          </a:prstGeom>
+        </p:spPr>
+      </p:pic>
+      <p:sp>
+        <p:nvSpPr>
           <p:cNvPr id="2" name="スライド番号プレースホルダー 1">
             <a:extLst>
               <a:ext uri="{FF2B5EF4-FFF2-40B4-BE49-F238E27FC236}">
-                <a16:creationId xmlns:a16="http://schemas.microsoft.com/office/drawing/2014/main" id="{3ACF3814-3ED5-4BA0-84E6-83785F9981AF}"/>
+                <a16:creationId xmlns:a16="http://schemas.microsoft.com/office/drawing/2014/main" id="{EFD7DC4B-9DA5-499F-8A1D-CE8DA8F8F8E7}"/>
               </a:ext>
             </a:extLst>
           </p:cNvPr>
@@ -19995,7 +19924,7 @@
           <p:cNvPr id="16" name="テキスト ボックス 15">
             <a:extLst>
               <a:ext uri="{FF2B5EF4-FFF2-40B4-BE49-F238E27FC236}">
-                <a16:creationId xmlns:a16="http://schemas.microsoft.com/office/drawing/2014/main" id="{1DF4D8E7-1420-4B22-B8D9-AAF4246EF1CE}"/>
+                <a16:creationId xmlns:a16="http://schemas.microsoft.com/office/drawing/2014/main" id="{3750C574-D577-4D98-9C54-4A5AE6BF87BD}"/>
               </a:ext>
             </a:extLst>
           </p:cNvPr>
@@ -20004,7 +19933,7 @@
         </p:nvSpPr>
         <p:spPr>
           <a:xfrm rot="835554">
-            <a:off x="6386527" y="806187"/>
+            <a:off x="6131802" y="1694221"/>
             <a:ext cx="5779299" cy="1754326"/>
           </a:xfrm>
           <a:prstGeom prst="rect">
@@ -20033,10 +19962,37 @@
                     <a:lumMod val="75000"/>
                   </a:schemeClr>
                 </a:solidFill>
-                <a:latin typeface="HGS明朝B" panose="02020800000000000000" pitchFamily="18" charset="-128"/>
+                <a:latin typeface="JasmineUPC" panose="020B0502040204020203" pitchFamily="18" charset="-34"/>
                 <a:ea typeface="HGS明朝B" panose="02020800000000000000" pitchFamily="18" charset="-128"/>
-              </a:rPr>
-              <a:t>システムデザイン全権保持者</a:t>
+                <a:cs typeface="JasmineUPC" panose="020B0502040204020203" pitchFamily="18" charset="-34"/>
+              </a:rPr>
+              <a:t>恐怖！</a:t>
+            </a:r>
+            <a:endParaRPr kumimoji="1" lang="en-US" altLang="ja-JP" sz="5400" dirty="0">
+              <a:solidFill>
+                <a:schemeClr val="accent1">
+                  <a:lumMod val="75000"/>
+                </a:schemeClr>
+              </a:solidFill>
+              <a:latin typeface="JasmineUPC" panose="020B0502040204020203" pitchFamily="18" charset="-34"/>
+              <a:ea typeface="HGS明朝B" panose="02020800000000000000" pitchFamily="18" charset="-128"/>
+              <a:cs typeface="JasmineUPC" panose="020B0502040204020203" pitchFamily="18" charset="-34"/>
+            </a:endParaRPr>
+          </a:p>
+          <a:p>
+            <a:pPr algn="ctr"/>
+            <a:r>
+              <a:rPr kumimoji="1" lang="ja-JP" altLang="en-US" sz="5400" dirty="0">
+                <a:solidFill>
+                  <a:schemeClr val="accent1">
+                    <a:lumMod val="75000"/>
+                  </a:schemeClr>
+                </a:solidFill>
+                <a:latin typeface="JasmineUPC" panose="020B0502040204020203" pitchFamily="18" charset="-34"/>
+                <a:ea typeface="HGS明朝B" panose="02020800000000000000" pitchFamily="18" charset="-128"/>
+                <a:cs typeface="JasmineUPC" panose="020B0502040204020203" pitchFamily="18" charset="-34"/>
+              </a:rPr>
+              <a:t>成長モンスター！</a:t>
             </a:r>
           </a:p>
         </p:txBody>
@@ -20046,7 +20002,7 @@
           <p:cNvPr id="17" name="タイトル 1">
             <a:extLst>
               <a:ext uri="{FF2B5EF4-FFF2-40B4-BE49-F238E27FC236}">
-                <a16:creationId xmlns:a16="http://schemas.microsoft.com/office/drawing/2014/main" id="{F7BA1754-BC86-4017-ACAB-C23906C237B4}"/>
+                <a16:creationId xmlns:a16="http://schemas.microsoft.com/office/drawing/2014/main" id="{0E215DC5-320C-475C-B116-74748C5555BB}"/>
               </a:ext>
             </a:extLst>
           </p:cNvPr>
@@ -20057,8 +20013,8 @@
         </p:nvSpPr>
         <p:spPr>
           <a:xfrm>
-            <a:off x="962025" y="6025307"/>
-            <a:ext cx="446454" cy="583800"/>
+            <a:off x="977900" y="6025307"/>
+            <a:ext cx="430579" cy="583800"/>
           </a:xfrm>
           <a:prstGeom prst="rect">
             <a:avLst/>
@@ -20094,7 +20050,7 @@
                   <a:srgbClr val="FFFFFF"/>
                 </a:solidFill>
               </a:rPr>
-              <a:t>K</a:t>
+              <a:t>J</a:t>
             </a:r>
             <a:endParaRPr lang="ja" sz="2000" b="0" dirty="0">
               <a:solidFill>
@@ -20107,7 +20063,7 @@
     </p:spTree>
     <p:extLst>
       <p:ext uri="{BB962C8B-B14F-4D97-AF65-F5344CB8AC3E}">
-        <p14:creationId xmlns:p14="http://schemas.microsoft.com/office/powerpoint/2010/main" val="1263311038"/>
+        <p14:creationId xmlns:p14="http://schemas.microsoft.com/office/powerpoint/2010/main" val="231276604"/>
       </p:ext>
     </p:extLst>
   </p:cSld>
@@ -20480,10 +20436,10 @@
       </p:grpSpPr>
       <p:sp>
         <p:nvSpPr>
-          <p:cNvPr id="15" name="正方形/長方形 14">
+          <p:cNvPr id="27" name="正方形/長方形 26">
             <a:extLst>
               <a:ext uri="{FF2B5EF4-FFF2-40B4-BE49-F238E27FC236}">
-                <a16:creationId xmlns:a16="http://schemas.microsoft.com/office/drawing/2014/main" id="{AF2861BF-3022-4976-99F4-D0D1F70589FA}"/>
+                <a16:creationId xmlns:a16="http://schemas.microsoft.com/office/drawing/2014/main" id="{491FFD79-7801-41A6-8327-42B8A51BB0A0}"/>
               </a:ext>
             </a:extLst>
           </p:cNvPr>
@@ -20492,8 +20448,8 @@
         </p:nvSpPr>
         <p:spPr>
           <a:xfrm>
-            <a:off x="358601" y="1349603"/>
-            <a:ext cx="11409623" cy="1501956"/>
+            <a:off x="358601" y="5253246"/>
+            <a:ext cx="8525619" cy="1380310"/>
           </a:xfrm>
           <a:prstGeom prst="rect">
             <a:avLst/>
@@ -20545,22 +20501,6 @@
               <a:defRPr/>
             </a:pPr>
             <a:r>
-              <a:rPr kumimoji="1" lang="en-US" altLang="ja-JP" sz="2000" b="0" i="0" u="none" strike="noStrike" kern="1200" cap="none" spc="0" normalizeH="0" baseline="0" noProof="0" dirty="0">
-                <a:ln>
-                  <a:noFill/>
-                </a:ln>
-                <a:solidFill>
-                  <a:srgbClr val="231B23"/>
-                </a:solidFill>
-                <a:effectLst/>
-                <a:uLnTx/>
-                <a:uFillTx/>
-                <a:ea typeface="HGP教科書体" panose="02020600000000000000" pitchFamily="18" charset="-128"/>
-                <a:cs typeface="+mn-cs"/>
-              </a:rPr>
-              <a:t>DBA</a:t>
-            </a:r>
-            <a:r>
               <a:rPr kumimoji="1" lang="ja-JP" altLang="en-US" sz="2000" b="0" i="0" u="none" strike="noStrike" kern="1200" cap="none" spc="0" normalizeH="0" baseline="0" noProof="0" dirty="0">
                 <a:ln>
                   <a:noFill/>
@@ -20571,11 +20511,124 @@
                 <a:effectLst/>
                 <a:uLnTx/>
                 <a:uFillTx/>
+                <a:latin typeface="HGP教科書体" panose="02020600000000000000" pitchFamily="18" charset="-128"/>
                 <a:ea typeface="HGP教科書体" panose="02020600000000000000" pitchFamily="18" charset="-128"/>
                 <a:cs typeface="+mn-cs"/>
               </a:rPr>
-              <a:t>、コミュニケーション担当として</a:t>
-            </a:r>
+              <a:t>メンバーより</a:t>
+            </a:r>
+          </a:p>
+        </p:txBody>
+      </p:sp>
+      <p:sp>
+        <p:nvSpPr>
+          <p:cNvPr id="15" name="正方形/長方形 14">
+            <a:extLst>
+              <a:ext uri="{FF2B5EF4-FFF2-40B4-BE49-F238E27FC236}">
+                <a16:creationId xmlns:a16="http://schemas.microsoft.com/office/drawing/2014/main" id="{AF2861BF-3022-4976-99F4-D0D1F70589FA}"/>
+              </a:ext>
+            </a:extLst>
+          </p:cNvPr>
+          <p:cNvSpPr/>
+          <p:nvPr/>
+        </p:nvSpPr>
+        <p:spPr>
+          <a:xfrm>
+            <a:off x="358601" y="1349603"/>
+            <a:ext cx="11415528" cy="997103"/>
+          </a:xfrm>
+          <a:prstGeom prst="rect">
+            <a:avLst/>
+          </a:prstGeom>
+          <a:solidFill>
+            <a:srgbClr val="FFFFFF"/>
+          </a:solidFill>
+          <a:ln w="28575">
+            <a:solidFill>
+              <a:schemeClr val="bg1">
+                <a:lumMod val="90000"/>
+              </a:schemeClr>
+            </a:solidFill>
+          </a:ln>
+        </p:spPr>
+        <p:style>
+          <a:lnRef idx="1">
+            <a:schemeClr val="accent4"/>
+          </a:lnRef>
+          <a:fillRef idx="3">
+            <a:schemeClr val="accent4"/>
+          </a:fillRef>
+          <a:effectRef idx="2">
+            <a:schemeClr val="accent4"/>
+          </a:effectRef>
+          <a:fontRef idx="minor">
+            <a:schemeClr val="lt1"/>
+          </a:fontRef>
+        </p:style>
+        <p:txBody>
+          <a:bodyPr rtlCol="0" anchor="t" anchorCtr="0"/>
+          <a:lstStyle/>
+          <a:p>
+            <a:pPr marL="0" marR="0" lvl="0" indent="0" algn="l" defTabSz="914400" rtl="0" eaLnBrk="1" fontAlgn="auto" latinLnBrk="0" hangingPunct="1">
+              <a:lnSpc>
+                <a:spcPct val="100000"/>
+              </a:lnSpc>
+              <a:spcBef>
+                <a:spcPts val="0"/>
+              </a:spcBef>
+              <a:spcAft>
+                <a:spcPts val="0"/>
+              </a:spcAft>
+              <a:buClrTx/>
+              <a:buSzTx/>
+              <a:buFontTx/>
+              <a:buNone/>
+              <a:tabLst/>
+              <a:defRPr/>
+            </a:pPr>
+            <a:r>
+              <a:rPr kumimoji="1" lang="ja-JP" altLang="en-US" sz="2000" dirty="0">
+                <a:solidFill>
+                  <a:srgbClr val="231B23"/>
+                </a:solidFill>
+                <a:latin typeface="HGP教科書体" panose="02020600000000000000" pitchFamily="18" charset="-128"/>
+                <a:ea typeface="HGP教科書体" panose="02020600000000000000" pitchFamily="18" charset="-128"/>
+              </a:rPr>
+              <a:t>チームリーダーとして</a:t>
+            </a:r>
+            <a:endParaRPr kumimoji="1" lang="ja-JP" altLang="en-US" sz="2000" b="0" i="0" u="none" strike="noStrike" kern="1200" cap="none" spc="0" normalizeH="0" baseline="0" noProof="0" dirty="0">
+              <a:ln>
+                <a:noFill/>
+              </a:ln>
+              <a:solidFill>
+                <a:srgbClr val="231B23"/>
+              </a:solidFill>
+              <a:effectLst/>
+              <a:uLnTx/>
+              <a:uFillTx/>
+              <a:latin typeface="HGP教科書体" panose="02020600000000000000" pitchFamily="18" charset="-128"/>
+              <a:ea typeface="HGP教科書体" panose="02020600000000000000" pitchFamily="18" charset="-128"/>
+              <a:cs typeface="+mn-cs"/>
+            </a:endParaRPr>
+          </a:p>
+          <a:p>
+            <a:pPr marL="0" marR="0" lvl="0" indent="0" algn="l" defTabSz="914400" rtl="0" eaLnBrk="1" fontAlgn="auto" latinLnBrk="0" hangingPunct="1">
+              <a:lnSpc>
+                <a:spcPct val="100000"/>
+              </a:lnSpc>
+              <a:spcBef>
+                <a:spcPts val="0"/>
+              </a:spcBef>
+              <a:spcAft>
+                <a:spcPts val="0"/>
+              </a:spcAft>
+              <a:buClrTx/>
+              <a:buSzTx/>
+              <a:buFontTx/>
+              <a:buNone/>
+              <a:tabLst/>
+              <a:defRPr/>
+            </a:pPr>
             <a:endParaRPr kumimoji="1" lang="en-US" altLang="ja-JP" sz="2000" b="0" i="0" u="none" strike="noStrike" kern="1200" cap="none" spc="0" normalizeH="0" baseline="0" noProof="0" dirty="0">
               <a:ln>
                 <a:noFill/>
@@ -20586,6 +20639,7 @@
               <a:effectLst/>
               <a:uLnTx/>
               <a:uFillTx/>
+              <a:latin typeface="HGP教科書体" panose="02020600000000000000" pitchFamily="18" charset="-128"/>
               <a:ea typeface="HGP教科書体" panose="02020600000000000000" pitchFamily="18" charset="-128"/>
               <a:cs typeface="+mn-cs"/>
             </a:endParaRPr>
@@ -20725,42 +20779,6 @@
           </a:p>
         </p:txBody>
       </p:sp>
-      <p:pic>
-        <p:nvPicPr>
-          <p:cNvPr id="22" name="グラフィックス 21" descr="ハート付きの笑顔 (塗りつぶしなし) 単色塗りつぶし">
-            <a:extLst>
-              <a:ext uri="{FF2B5EF4-FFF2-40B4-BE49-F238E27FC236}">
-                <a16:creationId xmlns:a16="http://schemas.microsoft.com/office/drawing/2014/main" id="{7DE3574C-15E9-4D20-A929-C7E2D6DE0836}"/>
-              </a:ext>
-            </a:extLst>
-          </p:cNvPr>
-          <p:cNvPicPr>
-            <a:picLocks noChangeAspect="1"/>
-          </p:cNvPicPr>
-          <p:nvPr/>
-        </p:nvPicPr>
-        <p:blipFill>
-          <a:blip r:embed="rId3">
-            <a:extLst>
-              <a:ext uri="{96DAC541-7B7A-43D3-8B79-37D633B846F1}">
-                <asvg:svgBlip xmlns:asvg="http://schemas.microsoft.com/office/drawing/2016/SVG/main" r:embed="rId4"/>
-              </a:ext>
-            </a:extLst>
-          </a:blip>
-          <a:stretch>
-            <a:fillRect/>
-          </a:stretch>
-        </p:blipFill>
-        <p:spPr>
-          <a:xfrm>
-            <a:off x="10955673" y="5575725"/>
-            <a:ext cx="735351" cy="735351"/>
-          </a:xfrm>
-          <a:prstGeom prst="rect">
-            <a:avLst/>
-          </a:prstGeom>
-        </p:spPr>
-      </p:pic>
       <p:sp>
         <p:nvSpPr>
           <p:cNvPr id="21" name="タイトル 1">
@@ -20790,15 +20808,15 @@
             <a:pPr rtl="0"/>
             <a:r>
               <a:rPr lang="ja-JP" altLang="en-US" sz="3200" b="0" dirty="0"/>
-              <a:t>杉森 佑樹 </a:t>
+              <a:t>小林 葵 </a:t>
             </a:r>
             <a:r>
               <a:rPr lang="en-US" altLang="ja-JP" b="0" dirty="0"/>
-              <a:t>/ DB</a:t>
+              <a:t>/ </a:t>
             </a:r>
             <a:r>
               <a:rPr lang="ja-JP" altLang="en-US" b="0" dirty="0"/>
-              <a:t>、コミュニケーション担当</a:t>
+              <a:t>チームリーダー</a:t>
             </a:r>
             <a:endParaRPr lang="ja" sz="3200" b="0" dirty="0"/>
           </a:p>
@@ -20819,10 +20837,10 @@
           <p:nvPr/>
         </p:nvPicPr>
         <p:blipFill>
-          <a:blip r:embed="rId5">
+          <a:blip r:embed="rId3">
             <a:extLst>
               <a:ext uri="{96DAC541-7B7A-43D3-8B79-37D633B846F1}">
-                <asvg:svgBlip xmlns:asvg="http://schemas.microsoft.com/office/drawing/2016/SVG/main" r:embed="rId6"/>
+                <asvg:svgBlip xmlns:asvg="http://schemas.microsoft.com/office/drawing/2016/SVG/main" r:embed="rId4"/>
               </a:ext>
             </a:extLst>
           </a:blip>
@@ -20902,7 +20920,7 @@
                 <a:ea typeface="+mn-ea"/>
                 <a:cs typeface="+mn-cs"/>
               </a:rPr>
-              <a:t>80</a:t>
+              <a:t>85</a:t>
             </a:r>
             <a:r>
               <a:rPr kumimoji="1" lang="en-US" altLang="ja-JP" sz="2000" b="0" i="0" u="none" strike="noStrike" kern="1200" cap="none" spc="0" normalizeH="0" baseline="0" noProof="0" dirty="0">
@@ -20957,12 +20975,48 @@
           </a:p>
         </p:txBody>
       </p:sp>
+      <p:pic>
+        <p:nvPicPr>
+          <p:cNvPr id="42" name="グラフィックス 41" descr="ユーザー 単色塗りつぶし">
+            <a:extLst>
+              <a:ext uri="{FF2B5EF4-FFF2-40B4-BE49-F238E27FC236}">
+                <a16:creationId xmlns:a16="http://schemas.microsoft.com/office/drawing/2014/main" id="{6CF699F4-CF46-4C02-B200-2B6D830D8BCA}"/>
+              </a:ext>
+            </a:extLst>
+          </p:cNvPr>
+          <p:cNvPicPr>
+            <a:picLocks noChangeAspect="1"/>
+          </p:cNvPicPr>
+          <p:nvPr/>
+        </p:nvPicPr>
+        <p:blipFill>
+          <a:blip r:embed="rId5">
+            <a:extLst>
+              <a:ext uri="{96DAC541-7B7A-43D3-8B79-37D633B846F1}">
+                <asvg:svgBlip xmlns:asvg="http://schemas.microsoft.com/office/drawing/2016/SVG/main" r:embed="rId6"/>
+              </a:ext>
+            </a:extLst>
+          </a:blip>
+          <a:stretch>
+            <a:fillRect/>
+          </a:stretch>
+        </p:blipFill>
+        <p:spPr>
+          <a:xfrm>
+            <a:off x="599052" y="5567159"/>
+            <a:ext cx="1055042" cy="1055042"/>
+          </a:xfrm>
+          <a:prstGeom prst="rect">
+            <a:avLst/>
+          </a:prstGeom>
+        </p:spPr>
+      </p:pic>
       <p:sp>
         <p:nvSpPr>
-          <p:cNvPr id="28" name="正方形/長方形 27">
+          <p:cNvPr id="44" name="吹き出し: 角を丸めた四角形 43">
             <a:extLst>
               <a:ext uri="{FF2B5EF4-FFF2-40B4-BE49-F238E27FC236}">
-                <a16:creationId xmlns:a16="http://schemas.microsoft.com/office/drawing/2014/main" id="{94059250-8A1E-4C2C-BE1C-D7A4FE618E39}"/>
+                <a16:creationId xmlns:a16="http://schemas.microsoft.com/office/drawing/2014/main" id="{DDF871A6-0182-4065-B082-728552ACEB4C}"/>
               </a:ext>
             </a:extLst>
           </p:cNvPr>
@@ -20971,94 +21025,8 @@
         </p:nvSpPr>
         <p:spPr>
           <a:xfrm>
-            <a:off x="358601" y="5253245"/>
-            <a:ext cx="8525619" cy="1380310"/>
-          </a:xfrm>
-          <a:prstGeom prst="rect">
-            <a:avLst/>
-          </a:prstGeom>
-          <a:solidFill>
-            <a:srgbClr val="FFFFFF"/>
-          </a:solidFill>
-          <a:ln w="28575">
-            <a:solidFill>
-              <a:schemeClr val="bg1">
-                <a:lumMod val="90000"/>
-              </a:schemeClr>
-            </a:solidFill>
-          </a:ln>
-        </p:spPr>
-        <p:style>
-          <a:lnRef idx="1">
-            <a:schemeClr val="accent4"/>
-          </a:lnRef>
-          <a:fillRef idx="3">
-            <a:schemeClr val="accent4"/>
-          </a:fillRef>
-          <a:effectRef idx="2">
-            <a:schemeClr val="accent4"/>
-          </a:effectRef>
-          <a:fontRef idx="minor">
-            <a:schemeClr val="lt1"/>
-          </a:fontRef>
-        </p:style>
-        <p:txBody>
-          <a:bodyPr rtlCol="0" anchor="t" anchorCtr="0"/>
-          <a:lstStyle/>
-          <a:p>
-            <a:pPr marL="0" marR="0" lvl="0" indent="0" algn="l" defTabSz="914400" rtl="0" eaLnBrk="1" fontAlgn="auto" latinLnBrk="0" hangingPunct="1">
-              <a:lnSpc>
-                <a:spcPct val="100000"/>
-              </a:lnSpc>
-              <a:spcBef>
-                <a:spcPts val="0"/>
-              </a:spcBef>
-              <a:spcAft>
-                <a:spcPts val="0"/>
-              </a:spcAft>
-              <a:buClrTx/>
-              <a:buSzTx/>
-              <a:buFontTx/>
-              <a:buNone/>
-              <a:tabLst/>
-              <a:defRPr/>
-            </a:pPr>
-            <a:r>
-              <a:rPr kumimoji="1" lang="ja-JP" altLang="en-US" sz="2000" b="0" i="0" u="none" strike="noStrike" kern="1200" cap="none" spc="0" normalizeH="0" baseline="0" noProof="0" dirty="0">
-                <a:ln>
-                  <a:noFill/>
-                </a:ln>
-                <a:solidFill>
-                  <a:srgbClr val="231B23"/>
-                </a:solidFill>
-                <a:effectLst/>
-                <a:uLnTx/>
-                <a:uFillTx/>
-                <a:latin typeface="HGP教科書体" panose="02020600000000000000" pitchFamily="18" charset="-128"/>
-                <a:ea typeface="HGP教科書体" panose="02020600000000000000" pitchFamily="18" charset="-128"/>
-                <a:cs typeface="+mn-cs"/>
-              </a:rPr>
-              <a:t>メンバーより</a:t>
-            </a:r>
-          </a:p>
-        </p:txBody>
-      </p:sp>
-      <p:sp>
-        <p:nvSpPr>
-          <p:cNvPr id="25" name="吹き出し: 角を丸めた四角形 24">
-            <a:extLst>
-              <a:ext uri="{FF2B5EF4-FFF2-40B4-BE49-F238E27FC236}">
-                <a16:creationId xmlns:a16="http://schemas.microsoft.com/office/drawing/2014/main" id="{0A122515-D1DD-43AE-BF40-F2D7319E592A}"/>
-              </a:ext>
-            </a:extLst>
-          </p:cNvPr>
-          <p:cNvSpPr/>
-          <p:nvPr/>
-        </p:nvSpPr>
-        <p:spPr>
-          <a:xfrm>
-            <a:off x="2430054" y="5243632"/>
-            <a:ext cx="5875083" cy="1389924"/>
+            <a:off x="2430054" y="5389134"/>
+            <a:ext cx="5875083" cy="1108534"/>
           </a:xfrm>
           <a:prstGeom prst="wedgeRoundRectCallout">
             <a:avLst>
@@ -21098,39 +21066,53 @@
           <a:bodyPr rtlCol="0" anchor="ctr"/>
           <a:lstStyle/>
           <a:p>
-            <a:pPr algn="ctr">
+            <a:pPr marL="0" marR="0" lvl="0" indent="0" algn="ctr" defTabSz="914400" rtl="0" eaLnBrk="1" fontAlgn="auto" latinLnBrk="0" hangingPunct="1">
               <a:lnSpc>
                 <a:spcPct val="150000"/>
               </a:lnSpc>
+              <a:spcBef>
+                <a:spcPts val="0"/>
+              </a:spcBef>
+              <a:spcAft>
+                <a:spcPts val="0"/>
+              </a:spcAft>
+              <a:buClrTx/>
+              <a:buSzTx/>
+              <a:buFontTx/>
+              <a:buNone/>
+              <a:tabLst/>
+              <a:defRPr/>
             </a:pPr>
             <a:r>
-              <a:rPr kumimoji="1" lang="ja-JP" altLang="en-US" dirty="0">
+              <a:rPr kumimoji="1" lang="ja-JP" altLang="en-US" sz="1800" b="0" i="0" u="none" strike="noStrike" kern="1200" cap="none" spc="0" normalizeH="0" baseline="0" noProof="0" dirty="0">
+                <a:ln>
+                  <a:noFill/>
+                </a:ln>
                 <a:solidFill>
                   <a:sysClr val="windowText" lastClr="000000"/>
                 </a:solidFill>
-              </a:rPr>
-              <a:t>個人的にチームで</a:t>
-            </a:r>
-            <a:r>
-              <a:rPr kumimoji="1" lang="en-US" altLang="ja-JP" dirty="0">
-                <a:solidFill>
-                  <a:sysClr val="windowText" lastClr="000000"/>
-                </a:solidFill>
-              </a:rPr>
-              <a:t>1</a:t>
-            </a:r>
-            <a:r>
-              <a:rPr kumimoji="1" lang="ja-JP" altLang="en-US" dirty="0">
-                <a:solidFill>
-                  <a:sysClr val="windowText" lastClr="000000"/>
-                </a:solidFill>
-              </a:rPr>
-              <a:t>番成長したんじゃないかと思ってます。恐ろしいです。技術面以外でも、何か意見を出したときや何か教えたときに全力でほめてくれるのがうれしすぎました。</a:t>
-            </a:r>
-            <a:endParaRPr kumimoji="1" lang="en-US" altLang="ja-JP" dirty="0">
+                <a:effectLst/>
+                <a:uLnTx/>
+                <a:uFillTx/>
+                <a:latin typeface="Meiryo UI"/>
+                <a:ea typeface="+mn-ea"/>
+                <a:cs typeface="+mn-cs"/>
+              </a:rPr>
+              <a:t>わわ</a:t>
+            </a:r>
+            <a:endParaRPr kumimoji="1" lang="en-US" altLang="ja-JP" sz="1800" b="0" i="0" u="none" strike="noStrike" kern="1200" cap="none" spc="0" normalizeH="0" baseline="0" noProof="0" dirty="0">
+              <a:ln>
+                <a:noFill/>
+              </a:ln>
               <a:solidFill>
                 <a:sysClr val="windowText" lastClr="000000"/>
               </a:solidFill>
+              <a:effectLst/>
+              <a:uLnTx/>
+              <a:uFillTx/>
+              <a:latin typeface="Meiryo UI"/>
+              <a:ea typeface="+mn-ea"/>
+              <a:cs typeface="+mn-cs"/>
             </a:endParaRPr>
           </a:p>
         </p:txBody>
@@ -21149,8 +21131,8 @@
         </p:nvSpPr>
         <p:spPr>
           <a:xfrm>
-            <a:off x="358601" y="2987446"/>
-            <a:ext cx="11409623" cy="2129911"/>
+            <a:off x="358601" y="2489372"/>
+            <a:ext cx="11415528" cy="2627986"/>
           </a:xfrm>
           <a:prstGeom prst="rect">
             <a:avLst/>
@@ -21202,19 +21184,12 @@
               <a:defRPr/>
             </a:pPr>
             <a:r>
-              <a:rPr kumimoji="1" lang="ja-JP" altLang="en-US" sz="2000" b="0" i="0" u="none" strike="noStrike" kern="1200" cap="none" spc="0" normalizeH="0" baseline="0" noProof="0" dirty="0">
-                <a:ln>
-                  <a:noFill/>
-                </a:ln>
+              <a:rPr kumimoji="1" lang="ja-JP" altLang="en-US" sz="2000" dirty="0">
                 <a:solidFill>
                   <a:srgbClr val="231B23"/>
                 </a:solidFill>
-                <a:effectLst/>
-                <a:uLnTx/>
-                <a:uFillTx/>
                 <a:latin typeface="HGP教科書体" panose="02020600000000000000" pitchFamily="18" charset="-128"/>
                 <a:ea typeface="HGP教科書体" panose="02020600000000000000" pitchFamily="18" charset="-128"/>
-                <a:cs typeface="+mn-cs"/>
               </a:rPr>
               <a:t>研修成果</a:t>
             </a:r>
@@ -21237,10 +21212,10 @@
       </p:sp>
       <p:sp>
         <p:nvSpPr>
-          <p:cNvPr id="48" name="テキスト ボックス 47">
+          <p:cNvPr id="19" name="テキスト ボックス 18">
             <a:extLst>
               <a:ext uri="{FF2B5EF4-FFF2-40B4-BE49-F238E27FC236}">
-                <a16:creationId xmlns:a16="http://schemas.microsoft.com/office/drawing/2014/main" id="{39AEC537-9EDF-4360-B24B-926D7DD5DFAF}"/>
+                <a16:creationId xmlns:a16="http://schemas.microsoft.com/office/drawing/2014/main" id="{6234C2C2-1210-4AC3-BEF2-42585446F70A}"/>
               </a:ext>
             </a:extLst>
           </p:cNvPr>
@@ -21249,8 +21224,8 @@
         </p:nvSpPr>
         <p:spPr>
           <a:xfrm>
-            <a:off x="719741" y="3438728"/>
-            <a:ext cx="5805596" cy="1122871"/>
+            <a:off x="726922" y="2865422"/>
+            <a:ext cx="10678885" cy="2059153"/>
           </a:xfrm>
           <a:prstGeom prst="rect">
             <a:avLst/>
@@ -21295,7 +21270,7 @@
                 <a:ea typeface="+mn-ea"/>
                 <a:cs typeface="+mn-cs"/>
               </a:rPr>
-              <a:t>・ お気に入り機能</a:t>
+              <a:t>・ 指示出しと決定事項は明確に！</a:t>
             </a:r>
             <a:endParaRPr kumimoji="1" lang="en-US" altLang="ja-JP" sz="2400" b="0" i="0" u="none" strike="noStrike" kern="1200" cap="none" spc="0" normalizeH="0" baseline="0" noProof="0" dirty="0">
               <a:ln>
@@ -21331,7 +21306,7 @@
               <a:defRPr/>
             </a:pPr>
             <a:r>
-              <a:rPr kumimoji="1" lang="ja-JP" altLang="en-US" sz="2400" b="0" i="0" u="none" strike="noStrike" kern="1200" cap="none" spc="0" normalizeH="0" baseline="0" noProof="0" dirty="0">
+              <a:rPr kumimoji="1" lang="en-US" altLang="ja-JP" sz="2000" b="0" i="0" u="none" strike="noStrike" kern="1200" cap="none" spc="0" normalizeH="0" baseline="0" noProof="0" dirty="0">
                 <a:ln>
                   <a:noFill/>
                 </a:ln>
@@ -21345,9 +21320,35 @@
                 <a:ea typeface="+mn-ea"/>
                 <a:cs typeface="+mn-cs"/>
               </a:rPr>
-              <a:t>・ グループの会話の盛り上げ</a:t>
-            </a:r>
-            <a:endParaRPr kumimoji="1" lang="en-US" altLang="ja-JP" sz="2400" b="0" i="0" u="none" strike="noStrike" kern="1200" cap="none" spc="0" normalizeH="0" baseline="0" noProof="0" dirty="0">
+              <a:t>	</a:t>
+            </a:r>
+            <a:r>
+              <a:rPr kumimoji="1" lang="ja-JP" altLang="en-US" sz="2000" dirty="0">
+                <a:solidFill>
+                  <a:srgbClr val="231B23"/>
+                </a:solidFill>
+                <a:latin typeface="Meiryo UI"/>
+              </a:rPr>
+              <a:t>→ </a:t>
+            </a:r>
+            <a:r>
+              <a:rPr kumimoji="1" lang="ja-JP" altLang="en-US" sz="2000" b="0" i="0" u="none" strike="noStrike" kern="1200" cap="none" spc="0" normalizeH="0" baseline="0" noProof="0" dirty="0">
+                <a:ln>
+                  <a:noFill/>
+                </a:ln>
+                <a:solidFill>
+                  <a:srgbClr val="231B23"/>
+                </a:solidFill>
+                <a:effectLst/>
+                <a:uLnTx/>
+                <a:uFillTx/>
+                <a:latin typeface="Meiryo UI"/>
+                <a:ea typeface="+mn-ea"/>
+                <a:cs typeface="+mn-cs"/>
+              </a:rPr>
+              <a:t>決定したことははっきり言葉にする　文字に残す</a:t>
+            </a:r>
+            <a:endParaRPr kumimoji="1" lang="en-US" altLang="ja-JP" sz="2000" b="0" i="0" u="none" strike="noStrike" kern="1200" cap="none" spc="0" normalizeH="0" baseline="0" noProof="0" dirty="0">
               <a:ln>
                 <a:noFill/>
               </a:ln>
@@ -21362,35 +21363,6 @@
               <a:cs typeface="+mn-cs"/>
             </a:endParaRPr>
           </a:p>
-        </p:txBody>
-      </p:sp>
-      <p:sp>
-        <p:nvSpPr>
-          <p:cNvPr id="19" name="テキスト ボックス 18">
-            <a:extLst>
-              <a:ext uri="{FF2B5EF4-FFF2-40B4-BE49-F238E27FC236}">
-                <a16:creationId xmlns:a16="http://schemas.microsoft.com/office/drawing/2014/main" id="{9E8CC1DF-4831-4CF4-939A-95C3F0F863CB}"/>
-              </a:ext>
-            </a:extLst>
-          </p:cNvPr>
-          <p:cNvSpPr txBox="1"/>
-          <p:nvPr/>
-        </p:nvSpPr>
-        <p:spPr>
-          <a:xfrm>
-            <a:off x="699093" y="1673412"/>
-            <a:ext cx="10728638" cy="1122871"/>
-          </a:xfrm>
-          <a:prstGeom prst="rect">
-            <a:avLst/>
-          </a:prstGeom>
-          <a:noFill/>
-        </p:spPr>
-        <p:txBody>
-          <a:bodyPr wrap="square" rtlCol="0">
-            <a:spAutoFit/>
-          </a:bodyPr>
-          <a:lstStyle/>
           <a:p>
             <a:pPr marL="0" marR="0" lvl="0" indent="0" algn="l" defTabSz="914400" rtl="0" eaLnBrk="1" fontAlgn="auto" latinLnBrk="0" hangingPunct="1">
               <a:lnSpc>
@@ -21424,41 +21396,7 @@
                 <a:ea typeface="+mn-ea"/>
                 <a:cs typeface="+mn-cs"/>
               </a:rPr>
-              <a:t>・ 苦手だった</a:t>
-            </a:r>
-            <a:r>
-              <a:rPr kumimoji="1" lang="en-US" altLang="ja-JP" sz="2400" b="0" i="0" u="none" strike="noStrike" kern="1200" cap="none" spc="0" normalizeH="0" baseline="0" noProof="0" dirty="0">
-                <a:ln>
-                  <a:noFill/>
-                </a:ln>
-                <a:solidFill>
-                  <a:srgbClr val="231B23"/>
-                </a:solidFill>
-                <a:effectLst/>
-                <a:uLnTx/>
-                <a:uFillTx/>
-                <a:latin typeface="Meiryo UI"/>
-                <a:ea typeface="+mn-ea"/>
-                <a:cs typeface="+mn-cs"/>
-              </a:rPr>
-              <a:t>DAO</a:t>
-            </a:r>
-            <a:r>
-              <a:rPr kumimoji="1" lang="ja-JP" altLang="en-US" sz="2400" b="0" i="0" u="none" strike="noStrike" kern="1200" cap="none" spc="0" normalizeH="0" baseline="0" noProof="0" dirty="0">
-                <a:ln>
-                  <a:noFill/>
-                </a:ln>
-                <a:solidFill>
-                  <a:srgbClr val="231B23"/>
-                </a:solidFill>
-                <a:effectLst/>
-                <a:uLnTx/>
-                <a:uFillTx/>
-                <a:latin typeface="Meiryo UI"/>
-                <a:ea typeface="+mn-ea"/>
-                <a:cs typeface="+mn-cs"/>
-              </a:rPr>
-              <a:t>を克服する！</a:t>
+              <a:t>・ 誰も無茶しないスケジュール管理</a:t>
             </a:r>
             <a:endParaRPr kumimoji="1" lang="en-US" altLang="ja-JP" sz="2400" b="0" i="0" u="none" strike="noStrike" kern="1200" cap="none" spc="0" normalizeH="0" baseline="0" noProof="0" dirty="0">
               <a:ln>
@@ -21494,7 +21432,7 @@
               <a:defRPr/>
             </a:pPr>
             <a:r>
-              <a:rPr kumimoji="1" lang="ja-JP" altLang="en-US" sz="2400" b="0" i="0" u="none" strike="noStrike" kern="1200" cap="none" spc="0" normalizeH="0" baseline="0" noProof="0" dirty="0">
+              <a:rPr kumimoji="1" lang="en-US" altLang="ja-JP" sz="2000" b="0" i="0" u="none" strike="noStrike" kern="1200" cap="none" spc="0" normalizeH="0" baseline="0" noProof="0" dirty="0">
                 <a:ln>
                   <a:noFill/>
                 </a:ln>
@@ -21508,17 +21446,127 @@
                 <a:ea typeface="+mn-ea"/>
                 <a:cs typeface="+mn-cs"/>
               </a:rPr>
-              <a:t>・ 積極的に話に参加する！</a:t>
-            </a:r>
+              <a:t>	</a:t>
+            </a:r>
+            <a:r>
+              <a:rPr kumimoji="1" lang="ja-JP" altLang="en-US" sz="2000" b="0" i="0" u="none" strike="noStrike" kern="1200" cap="none" spc="0" normalizeH="0" baseline="0" noProof="0" dirty="0">
+                <a:ln>
+                  <a:noFill/>
+                </a:ln>
+                <a:solidFill>
+                  <a:srgbClr val="231B23"/>
+                </a:solidFill>
+                <a:effectLst/>
+                <a:uLnTx/>
+                <a:uFillTx/>
+                <a:latin typeface="Meiryo UI"/>
+                <a:ea typeface="+mn-ea"/>
+                <a:cs typeface="+mn-cs"/>
+              </a:rPr>
+              <a:t>→ 間に合わないと思ったらすぐに手を打つ</a:t>
+            </a:r>
+            <a:endParaRPr kumimoji="1" lang="en-US" altLang="ja-JP" sz="2000" b="0" i="0" u="none" strike="noStrike" kern="1200" cap="none" spc="0" normalizeH="0" baseline="0" noProof="0" dirty="0">
+              <a:ln>
+                <a:noFill/>
+              </a:ln>
+              <a:solidFill>
+                <a:srgbClr val="231B23"/>
+              </a:solidFill>
+              <a:effectLst/>
+              <a:uLnTx/>
+              <a:uFillTx/>
+              <a:latin typeface="Meiryo UI"/>
+              <a:ea typeface="+mn-ea"/>
+              <a:cs typeface="+mn-cs"/>
+            </a:endParaRPr>
+          </a:p>
+        </p:txBody>
+      </p:sp>
+      <p:sp>
+        <p:nvSpPr>
+          <p:cNvPr id="25" name="テキスト ボックス 24">
+            <a:extLst>
+              <a:ext uri="{FF2B5EF4-FFF2-40B4-BE49-F238E27FC236}">
+                <a16:creationId xmlns:a16="http://schemas.microsoft.com/office/drawing/2014/main" id="{623DC4EA-F5E8-4F37-8B14-9994DF5C626A}"/>
+              </a:ext>
+            </a:extLst>
+          </p:cNvPr>
+          <p:cNvSpPr txBox="1"/>
+          <p:nvPr/>
+        </p:nvSpPr>
+        <p:spPr>
+          <a:xfrm>
+            <a:off x="1126573" y="1650119"/>
+            <a:ext cx="6269106" cy="648319"/>
+          </a:xfrm>
+          <a:prstGeom prst="rect">
+            <a:avLst/>
+          </a:prstGeom>
+          <a:noFill/>
+        </p:spPr>
+        <p:txBody>
+          <a:bodyPr wrap="square" rtlCol="0">
+            <a:spAutoFit/>
+          </a:bodyPr>
+          <a:lstStyle/>
+          <a:p>
+            <a:pPr marL="0" marR="0" lvl="0" indent="0" algn="l" defTabSz="914400" rtl="0" eaLnBrk="1" fontAlgn="auto" latinLnBrk="0" hangingPunct="1">
+              <a:lnSpc>
+                <a:spcPct val="150000"/>
+              </a:lnSpc>
+              <a:spcBef>
+                <a:spcPts val="0"/>
+              </a:spcBef>
+              <a:spcAft>
+                <a:spcPts val="0"/>
+              </a:spcAft>
+              <a:buClrTx/>
+              <a:buSzTx/>
+              <a:buFontTx/>
+              <a:buNone/>
+              <a:tabLst/>
+              <a:defRPr/>
+            </a:pPr>
+            <a:r>
+              <a:rPr kumimoji="1" lang="ja-JP" altLang="en-US" sz="2800" b="0" i="0" u="none" strike="noStrike" kern="1200" cap="none" spc="0" normalizeH="0" baseline="0" noProof="0" dirty="0">
+                <a:ln>
+                  <a:noFill/>
+                </a:ln>
+                <a:solidFill>
+                  <a:srgbClr val="231B23"/>
+                </a:solidFill>
+                <a:effectLst/>
+                <a:uLnTx/>
+                <a:uFillTx/>
+                <a:latin typeface="Meiryo UI"/>
+                <a:ea typeface="+mn-ea"/>
+                <a:cs typeface="+mn-cs"/>
+              </a:rPr>
+              <a:t>リーダーとしての責任を果たす</a:t>
+            </a:r>
+            <a:endParaRPr kumimoji="1" lang="en-US" altLang="ja-JP" sz="2800" b="0" i="0" u="none" strike="noStrike" kern="1200" cap="none" spc="0" normalizeH="0" baseline="0" noProof="0" dirty="0">
+              <a:ln>
+                <a:noFill/>
+              </a:ln>
+              <a:solidFill>
+                <a:srgbClr val="231B23"/>
+              </a:solidFill>
+              <a:effectLst/>
+              <a:uLnTx/>
+              <a:uFillTx/>
+              <a:latin typeface="Meiryo UI"/>
+              <a:ea typeface="+mn-ea"/>
+              <a:cs typeface="+mn-cs"/>
+            </a:endParaRPr>
           </a:p>
         </p:txBody>
       </p:sp>
       <p:pic>
         <p:nvPicPr>
-          <p:cNvPr id="29" name="グラフィックス 28" descr="ユーザー 単色塗りつぶし">
+          <p:cNvPr id="22" name="グラフィックス 21" descr="ハート付きの笑顔 (塗りつぶしなし) 単色塗りつぶし">
             <a:extLst>
               <a:ext uri="{FF2B5EF4-FFF2-40B4-BE49-F238E27FC236}">
-                <a16:creationId xmlns:a16="http://schemas.microsoft.com/office/drawing/2014/main" id="{11478469-8849-49CD-A421-188D1361F1B6}"/>
+                <a16:creationId xmlns:a16="http://schemas.microsoft.com/office/drawing/2014/main" id="{7DE3574C-15E9-4D20-A929-C7E2D6DE0836}"/>
               </a:ext>
             </a:extLst>
           </p:cNvPr>
@@ -21541,8 +21589,8 @@
         </p:blipFill>
         <p:spPr>
           <a:xfrm>
-            <a:off x="599052" y="5567159"/>
-            <a:ext cx="1055042" cy="1055042"/>
+            <a:off x="10894813" y="5575725"/>
+            <a:ext cx="735351" cy="735351"/>
           </a:xfrm>
           <a:prstGeom prst="rect">
             <a:avLst/>
@@ -21551,10 +21599,106 @@
       </p:pic>
       <p:sp>
         <p:nvSpPr>
+          <p:cNvPr id="18" name="吹き出し: 角を丸めた四角形 17">
+            <a:extLst>
+              <a:ext uri="{FF2B5EF4-FFF2-40B4-BE49-F238E27FC236}">
+                <a16:creationId xmlns:a16="http://schemas.microsoft.com/office/drawing/2014/main" id="{653C08E5-D098-4B15-851D-D40554FCB981}"/>
+              </a:ext>
+            </a:extLst>
+          </p:cNvPr>
+          <p:cNvSpPr/>
+          <p:nvPr/>
+        </p:nvSpPr>
+        <p:spPr>
+          <a:xfrm>
+            <a:off x="2430054" y="5389134"/>
+            <a:ext cx="5875083" cy="1108534"/>
+          </a:xfrm>
+          <a:prstGeom prst="wedgeRoundRectCallout">
+            <a:avLst>
+              <a:gd name="adj1" fmla="val -60539"/>
+              <a:gd name="adj2" fmla="val 22806"/>
+              <a:gd name="adj3" fmla="val 16667"/>
+            </a:avLst>
+          </a:prstGeom>
+          <a:solidFill>
+            <a:srgbClr val="FEFBF5"/>
+          </a:solidFill>
+          <a:ln w="28575">
+            <a:solidFill>
+              <a:schemeClr val="bg2">
+                <a:lumMod val="75000"/>
+              </a:schemeClr>
+            </a:solidFill>
+          </a:ln>
+        </p:spPr>
+        <p:style>
+          <a:lnRef idx="2">
+            <a:schemeClr val="accent1">
+              <a:shade val="50000"/>
+            </a:schemeClr>
+          </a:lnRef>
+          <a:fillRef idx="1">
+            <a:schemeClr val="accent1"/>
+          </a:fillRef>
+          <a:effectRef idx="0">
+            <a:schemeClr val="accent1"/>
+          </a:effectRef>
+          <a:fontRef idx="minor">
+            <a:schemeClr val="lt1"/>
+          </a:fontRef>
+        </p:style>
+        <p:txBody>
+          <a:bodyPr rtlCol="0" anchor="ctr"/>
+          <a:lstStyle/>
+          <a:p>
+            <a:pPr algn="ctr">
+              <a:lnSpc>
+                <a:spcPct val="150000"/>
+              </a:lnSpc>
+            </a:pPr>
+            <a:r>
+              <a:rPr kumimoji="1" lang="ja-JP" altLang="en-US" dirty="0">
+                <a:solidFill>
+                  <a:sysClr val="windowText" lastClr="000000"/>
+                </a:solidFill>
+              </a:rPr>
+              <a:t>話し合いの進行、意見のまとめ、進捗管理すべて完璧。</a:t>
+            </a:r>
+            <a:endParaRPr kumimoji="1" lang="en-US" altLang="ja-JP" dirty="0">
+              <a:solidFill>
+                <a:sysClr val="windowText" lastClr="000000"/>
+              </a:solidFill>
+            </a:endParaRPr>
+          </a:p>
+          <a:p>
+            <a:pPr algn="ctr">
+              <a:lnSpc>
+                <a:spcPct val="150000"/>
+              </a:lnSpc>
+            </a:pPr>
+            <a:r>
+              <a:rPr kumimoji="1" lang="ja-JP" altLang="en-US" dirty="0">
+                <a:solidFill>
+                  <a:sysClr val="windowText" lastClr="000000"/>
+                </a:solidFill>
+              </a:rPr>
+              <a:t>チームがスムーズだったのは間違いなく小林さんのおかげ。</a:t>
+            </a:r>
+            <a:endParaRPr kumimoji="1" lang="en-US" altLang="ja-JP" dirty="0">
+              <a:solidFill>
+                <a:sysClr val="windowText" lastClr="000000"/>
+              </a:solidFill>
+            </a:endParaRPr>
+          </a:p>
+        </p:txBody>
+      </p:sp>
+      <p:sp>
+        <p:nvSpPr>
           <p:cNvPr id="2" name="スライド番号プレースホルダー 1">
             <a:extLst>
               <a:ext uri="{FF2B5EF4-FFF2-40B4-BE49-F238E27FC236}">
-                <a16:creationId xmlns:a16="http://schemas.microsoft.com/office/drawing/2014/main" id="{EFD7DC4B-9DA5-499F-8A1D-CE8DA8F8F8E7}"/>
+                <a16:creationId xmlns:a16="http://schemas.microsoft.com/office/drawing/2014/main" id="{AAD1F9A9-4E0B-492B-BC89-568432445156}"/>
               </a:ext>
             </a:extLst>
           </p:cNvPr>
@@ -21584,7 +21728,7 @@
           <p:cNvPr id="16" name="テキスト ボックス 15">
             <a:extLst>
               <a:ext uri="{FF2B5EF4-FFF2-40B4-BE49-F238E27FC236}">
-                <a16:creationId xmlns:a16="http://schemas.microsoft.com/office/drawing/2014/main" id="{3750C574-D577-4D98-9C54-4A5AE6BF87BD}"/>
+                <a16:creationId xmlns:a16="http://schemas.microsoft.com/office/drawing/2014/main" id="{631ADE81-D1EA-43F2-9190-5437FC5AC143}"/>
               </a:ext>
             </a:extLst>
           </p:cNvPr>
@@ -21593,8 +21737,8 @@
         </p:nvSpPr>
         <p:spPr>
           <a:xfrm rot="835554">
-            <a:off x="6131802" y="1694221"/>
-            <a:ext cx="5779299" cy="1754326"/>
+            <a:off x="5570667" y="1362249"/>
+            <a:ext cx="6370132" cy="923330"/>
           </a:xfrm>
           <a:prstGeom prst="rect">
             <a:avLst/>
@@ -21622,37 +21766,10 @@
                     <a:lumMod val="75000"/>
                   </a:schemeClr>
                 </a:solidFill>
-                <a:latin typeface="JasmineUPC" panose="020B0502040204020203" pitchFamily="18" charset="-34"/>
+                <a:latin typeface="HGS明朝B" panose="02020800000000000000" pitchFamily="18" charset="-128"/>
                 <a:ea typeface="HGS明朝B" panose="02020800000000000000" pitchFamily="18" charset="-128"/>
-                <a:cs typeface="JasmineUPC" panose="020B0502040204020203" pitchFamily="18" charset="-34"/>
-              </a:rPr>
-              <a:t>恐怖！</a:t>
-            </a:r>
-            <a:endParaRPr kumimoji="1" lang="en-US" altLang="ja-JP" sz="5400" dirty="0">
-              <a:solidFill>
-                <a:schemeClr val="accent1">
-                  <a:lumMod val="75000"/>
-                </a:schemeClr>
-              </a:solidFill>
-              <a:latin typeface="JasmineUPC" panose="020B0502040204020203" pitchFamily="18" charset="-34"/>
-              <a:ea typeface="HGS明朝B" panose="02020800000000000000" pitchFamily="18" charset="-128"/>
-              <a:cs typeface="JasmineUPC" panose="020B0502040204020203" pitchFamily="18" charset="-34"/>
-            </a:endParaRPr>
-          </a:p>
-          <a:p>
-            <a:pPr algn="ctr"/>
-            <a:r>
-              <a:rPr kumimoji="1" lang="ja-JP" altLang="en-US" sz="5400" dirty="0">
-                <a:solidFill>
-                  <a:schemeClr val="accent1">
-                    <a:lumMod val="75000"/>
-                  </a:schemeClr>
-                </a:solidFill>
-                <a:latin typeface="JasmineUPC" panose="020B0502040204020203" pitchFamily="18" charset="-34"/>
-                <a:ea typeface="HGS明朝B" panose="02020800000000000000" pitchFamily="18" charset="-128"/>
-                <a:cs typeface="JasmineUPC" panose="020B0502040204020203" pitchFamily="18" charset="-34"/>
-              </a:rPr>
-              <a:t>成長モンスター！</a:t>
+              </a:rPr>
+              <a:t>一生ついていきます</a:t>
             </a:r>
           </a:p>
         </p:txBody>
@@ -21662,7 +21779,7 @@
           <p:cNvPr id="17" name="タイトル 1">
             <a:extLst>
               <a:ext uri="{FF2B5EF4-FFF2-40B4-BE49-F238E27FC236}">
-                <a16:creationId xmlns:a16="http://schemas.microsoft.com/office/drawing/2014/main" id="{0E215DC5-320C-475C-B116-74748C5555BB}"/>
+                <a16:creationId xmlns:a16="http://schemas.microsoft.com/office/drawing/2014/main" id="{381AB51C-2D6E-4524-B5DA-E3B46469DB7B}"/>
               </a:ext>
             </a:extLst>
           </p:cNvPr>
@@ -21673,8 +21790,8 @@
         </p:nvSpPr>
         <p:spPr>
           <a:xfrm>
-            <a:off x="977900" y="6025307"/>
-            <a:ext cx="430579" cy="583800"/>
+            <a:off x="962025" y="6025307"/>
+            <a:ext cx="446454" cy="583800"/>
           </a:xfrm>
           <a:prstGeom prst="rect">
             <a:avLst/>
@@ -21710,7 +21827,7 @@
                   <a:srgbClr val="FFFFFF"/>
                 </a:solidFill>
               </a:rPr>
-              <a:t>J</a:t>
+              <a:t>F</a:t>
             </a:r>
             <a:endParaRPr lang="ja" sz="2000" b="0" dirty="0">
               <a:solidFill>
@@ -21723,7 +21840,7 @@
     </p:spTree>
     <p:extLst>
       <p:ext uri="{BB962C8B-B14F-4D97-AF65-F5344CB8AC3E}">
-        <p14:creationId xmlns:p14="http://schemas.microsoft.com/office/powerpoint/2010/main" val="231276604"/>
+        <p14:creationId xmlns:p14="http://schemas.microsoft.com/office/powerpoint/2010/main" val="1191541083"/>
       </p:ext>
     </p:extLst>
   </p:cSld>
@@ -22143,7 +22260,11 @@
           <a:bodyPr rtlCol="0" anchor="ctr"/>
           <a:lstStyle/>
           <a:p>
-            <a:pPr algn="ctr"/>
+            <a:pPr algn="ctr">
+              <a:lnSpc>
+                <a:spcPct val="150000"/>
+              </a:lnSpc>
+            </a:pPr>
             <a:r>
               <a:rPr kumimoji="1" lang="ja-JP" altLang="en-US" sz="2400" dirty="0">
                 <a:latin typeface="+mj-lt"/>
@@ -22167,7 +22288,11 @@
             </a:endParaRPr>
           </a:p>
           <a:p>
-            <a:pPr algn="ctr"/>
+            <a:pPr algn="ctr">
+              <a:lnSpc>
+                <a:spcPct val="150000"/>
+              </a:lnSpc>
+            </a:pPr>
             <a:r>
               <a:rPr kumimoji="1" lang="ja-JP" altLang="en-US" sz="2400" dirty="0">
                 <a:latin typeface="+mj-lt"/>
@@ -22203,19 +22328,17 @@
             </a:endParaRPr>
           </a:p>
           <a:p>
-            <a:pPr algn="ctr"/>
+            <a:pPr algn="ctr">
+              <a:lnSpc>
+                <a:spcPct val="150000"/>
+              </a:lnSpc>
+            </a:pPr>
             <a:r>
               <a:rPr kumimoji="1" lang="ja-JP" altLang="en-US" sz="2400" dirty="0">
                 <a:latin typeface="+mj-lt"/>
               </a:rPr>
               <a:t>心より感謝申し上げます。</a:t>
             </a:r>
-            <a:endParaRPr kumimoji="1" lang="en-US" altLang="ja-JP" sz="2400" dirty="0">
-              <a:latin typeface="+mj-lt"/>
-            </a:endParaRPr>
-          </a:p>
-          <a:p>
-            <a:pPr algn="ctr"/>
             <a:endParaRPr kumimoji="1" lang="en-US" altLang="ja-JP" sz="2400" dirty="0">
               <a:latin typeface="+mj-lt"/>
             </a:endParaRPr>
@@ -22771,6 +22894,1126 @@
       </p:transition>
     </mc:Fallback>
   </mc:AlternateContent>
+</p:sld>
+</file>
+
+<file path=ppt/slides/slide23.xml><?xml version="1.0" encoding="utf-8"?>
+<p:sld xmlns:a="http://schemas.openxmlformats.org/drawingml/2006/main" xmlns:r="http://schemas.openxmlformats.org/officeDocument/2006/relationships" xmlns:p="http://schemas.openxmlformats.org/presentationml/2006/main">
+  <p:cSld>
+    <p:spTree>
+      <p:nvGrpSpPr>
+        <p:cNvPr id="1" name=""/>
+        <p:cNvGrpSpPr/>
+        <p:nvPr/>
+      </p:nvGrpSpPr>
+      <p:grpSpPr>
+        <a:xfrm>
+          <a:off x="0" y="0"/>
+          <a:ext cx="0" cy="0"/>
+          <a:chOff x="0" y="0"/>
+          <a:chExt cx="0" cy="0"/>
+        </a:xfrm>
+      </p:grpSpPr>
+      <p:sp>
+        <p:nvSpPr>
+          <p:cNvPr id="7" name="タイトル 1">
+            <a:extLst>
+              <a:ext uri="{FF2B5EF4-FFF2-40B4-BE49-F238E27FC236}">
+                <a16:creationId xmlns:a16="http://schemas.microsoft.com/office/drawing/2014/main" id="{9F12A52A-FBBA-4A51-8845-65AE718B5FEA}"/>
+              </a:ext>
+            </a:extLst>
+          </p:cNvPr>
+          <p:cNvSpPr>
+            <a:spLocks noGrp="1"/>
+          </p:cNvSpPr>
+          <p:nvPr>
+            <p:ph type="title"/>
+          </p:nvPr>
+        </p:nvSpPr>
+        <p:spPr>
+          <a:xfrm>
+            <a:off x="1378975" y="483440"/>
+            <a:ext cx="1592825" cy="583800"/>
+          </a:xfrm>
+        </p:spPr>
+        <p:txBody>
+          <a:bodyPr rtlCol="0"/>
+          <a:lstStyle/>
+          <a:p>
+            <a:pPr rtl="0"/>
+            <a:r>
+              <a:rPr lang="ja-JP" altLang="en-US" sz="3200" b="0" dirty="0"/>
+              <a:t>付録 </a:t>
+            </a:r>
+            <a:r>
+              <a:rPr lang="en-US" altLang="ja-JP" sz="2000" b="0" dirty="0"/>
+              <a:t>– </a:t>
+            </a:r>
+            <a:endParaRPr lang="ja" sz="3200" b="0" dirty="0"/>
+          </a:p>
+        </p:txBody>
+      </p:sp>
+      <p:pic>
+        <p:nvPicPr>
+          <p:cNvPr id="8" name="グラフィックス 7" descr="地球: 南北アメリカ 単色塗りつぶし">
+            <a:extLst>
+              <a:ext uri="{FF2B5EF4-FFF2-40B4-BE49-F238E27FC236}">
+                <a16:creationId xmlns:a16="http://schemas.microsoft.com/office/drawing/2014/main" id="{00AB26A4-E10E-4242-A4B3-A2221E8F5017}"/>
+              </a:ext>
+            </a:extLst>
+          </p:cNvPr>
+          <p:cNvPicPr>
+            <a:picLocks noChangeAspect="1"/>
+          </p:cNvPicPr>
+          <p:nvPr/>
+        </p:nvPicPr>
+        <p:blipFill>
+          <a:blip r:embed="rId3">
+            <a:extLst>
+              <a:ext uri="{96DAC541-7B7A-43D3-8B79-37D633B846F1}">
+                <asvg:svgBlip xmlns:asvg="http://schemas.microsoft.com/office/drawing/2016/SVG/main" r:embed="rId4"/>
+              </a:ext>
+            </a:extLst>
+          </a:blip>
+          <a:stretch>
+            <a:fillRect/>
+          </a:stretch>
+        </p:blipFill>
+        <p:spPr>
+          <a:xfrm>
+            <a:off x="599052" y="385379"/>
+            <a:ext cx="779922" cy="779922"/>
+          </a:xfrm>
+          <a:prstGeom prst="rect">
+            <a:avLst/>
+          </a:prstGeom>
+        </p:spPr>
+      </p:pic>
+      <p:sp>
+        <p:nvSpPr>
+          <p:cNvPr id="10" name="正方形/長方形 9">
+            <a:extLst>
+              <a:ext uri="{FF2B5EF4-FFF2-40B4-BE49-F238E27FC236}">
+                <a16:creationId xmlns:a16="http://schemas.microsoft.com/office/drawing/2014/main" id="{2E693983-0379-4582-B6B0-69D91D44DCB3}"/>
+              </a:ext>
+            </a:extLst>
+          </p:cNvPr>
+          <p:cNvSpPr/>
+          <p:nvPr/>
+        </p:nvSpPr>
+        <p:spPr>
+          <a:xfrm>
+            <a:off x="370643" y="1649186"/>
+            <a:ext cx="5603822" cy="5072288"/>
+          </a:xfrm>
+          <a:prstGeom prst="rect">
+            <a:avLst/>
+          </a:prstGeom>
+          <a:solidFill>
+            <a:srgbClr val="FFFFFF"/>
+          </a:solidFill>
+          <a:ln w="38100">
+            <a:solidFill>
+              <a:schemeClr val="bg1">
+                <a:lumMod val="90000"/>
+              </a:schemeClr>
+            </a:solidFill>
+          </a:ln>
+        </p:spPr>
+        <p:style>
+          <a:lnRef idx="2">
+            <a:schemeClr val="accent1">
+              <a:shade val="50000"/>
+            </a:schemeClr>
+          </a:lnRef>
+          <a:fillRef idx="1">
+            <a:schemeClr val="accent1"/>
+          </a:fillRef>
+          <a:effectRef idx="0">
+            <a:schemeClr val="accent1"/>
+          </a:effectRef>
+          <a:fontRef idx="minor">
+            <a:schemeClr val="lt1"/>
+          </a:fontRef>
+        </p:style>
+        <p:txBody>
+          <a:bodyPr rtlCol="0" anchor="t" anchorCtr="0"/>
+          <a:lstStyle/>
+          <a:p>
+            <a:endParaRPr kumimoji="1" lang="en-US" altLang="ja-JP" sz="1400" dirty="0">
+              <a:solidFill>
+                <a:schemeClr val="tx1"/>
+              </a:solidFill>
+            </a:endParaRPr>
+          </a:p>
+          <a:p>
+            <a:r>
+              <a:rPr kumimoji="1" lang="ja-JP" altLang="en-US" dirty="0">
+                <a:solidFill>
+                  <a:schemeClr val="tx1"/>
+                </a:solidFill>
+              </a:rPr>
+              <a:t>・ </a:t>
+            </a:r>
+            <a:r>
+              <a:rPr kumimoji="1" lang="ja-JP" altLang="en-US" b="1" dirty="0">
+                <a:solidFill>
+                  <a:schemeClr val="tx1"/>
+                </a:solidFill>
+              </a:rPr>
+              <a:t>しっかり全員でコミュニケーションがとれていた</a:t>
+            </a:r>
+            <a:endParaRPr kumimoji="1" lang="en-US" altLang="ja-JP" b="1" dirty="0">
+              <a:solidFill>
+                <a:schemeClr val="tx1"/>
+              </a:solidFill>
+            </a:endParaRPr>
+          </a:p>
+          <a:p>
+            <a:r>
+              <a:rPr kumimoji="1" lang="ja-JP" altLang="en-US" dirty="0">
+                <a:solidFill>
+                  <a:schemeClr val="bg1">
+                    <a:lumMod val="50000"/>
+                  </a:schemeClr>
+                </a:solidFill>
+              </a:rPr>
+              <a:t>　　→ 誰かの意見に偏らず進められた</a:t>
+            </a:r>
+            <a:endParaRPr kumimoji="1" lang="en-US" altLang="ja-JP" dirty="0">
+              <a:solidFill>
+                <a:schemeClr val="bg1">
+                  <a:lumMod val="50000"/>
+                </a:schemeClr>
+              </a:solidFill>
+            </a:endParaRPr>
+          </a:p>
+          <a:p>
+            <a:endParaRPr kumimoji="1" lang="en-US" altLang="ja-JP" dirty="0">
+              <a:solidFill>
+                <a:schemeClr val="tx1"/>
+              </a:solidFill>
+            </a:endParaRPr>
+          </a:p>
+          <a:p>
+            <a:r>
+              <a:rPr kumimoji="1" lang="ja-JP" altLang="en-US" dirty="0">
+                <a:solidFill>
+                  <a:schemeClr val="tx1"/>
+                </a:solidFill>
+              </a:rPr>
+              <a:t>・ 講師に聞かずとも、メンバーに聞けば大体解決できた</a:t>
+            </a:r>
+            <a:endParaRPr kumimoji="1" lang="en-US" altLang="ja-JP" dirty="0">
+              <a:solidFill>
+                <a:schemeClr val="tx1"/>
+              </a:solidFill>
+            </a:endParaRPr>
+          </a:p>
+          <a:p>
+            <a:r>
+              <a:rPr kumimoji="1" lang="ja-JP" altLang="en-US" dirty="0">
+                <a:solidFill>
+                  <a:schemeClr val="tx1"/>
+                </a:solidFill>
+              </a:rPr>
+              <a:t>　（後半のエラー・バグ祭りはさすがに無理だった）</a:t>
+            </a:r>
+            <a:endParaRPr kumimoji="1" lang="en-US" altLang="ja-JP" dirty="0">
+              <a:solidFill>
+                <a:schemeClr val="tx1"/>
+              </a:solidFill>
+            </a:endParaRPr>
+          </a:p>
+          <a:p>
+            <a:r>
+              <a:rPr kumimoji="1" lang="ja-JP" altLang="en-US" sz="1600" dirty="0">
+                <a:solidFill>
+                  <a:schemeClr val="bg1">
+                    <a:lumMod val="50000"/>
+                  </a:schemeClr>
+                </a:solidFill>
+              </a:rPr>
+              <a:t>　　</a:t>
+            </a:r>
+            <a:r>
+              <a:rPr kumimoji="1" lang="ja-JP" altLang="en-US" dirty="0">
+                <a:solidFill>
+                  <a:schemeClr val="bg1">
+                    <a:lumMod val="50000"/>
+                  </a:schemeClr>
+                </a:solidFill>
+              </a:rPr>
+              <a:t>→ 聞きやすい空気感、全員で取り組む姿勢</a:t>
+            </a:r>
+            <a:endParaRPr kumimoji="1" lang="en-US" altLang="ja-JP" dirty="0">
+              <a:solidFill>
+                <a:schemeClr val="bg1">
+                  <a:lumMod val="50000"/>
+                </a:schemeClr>
+              </a:solidFill>
+            </a:endParaRPr>
+          </a:p>
+          <a:p>
+            <a:endParaRPr kumimoji="1" lang="en-US" altLang="ja-JP" dirty="0">
+              <a:solidFill>
+                <a:schemeClr val="tx1"/>
+              </a:solidFill>
+            </a:endParaRPr>
+          </a:p>
+          <a:p>
+            <a:r>
+              <a:rPr kumimoji="1" lang="ja-JP" altLang="en-US" dirty="0">
+                <a:solidFill>
+                  <a:schemeClr val="tx1"/>
+                </a:solidFill>
+              </a:rPr>
+              <a:t>・ リーダーがすごい</a:t>
+            </a:r>
+            <a:endParaRPr kumimoji="1" lang="en-US" altLang="ja-JP" dirty="0">
+              <a:solidFill>
+                <a:schemeClr val="tx1"/>
+              </a:solidFill>
+            </a:endParaRPr>
+          </a:p>
+          <a:p>
+            <a:r>
+              <a:rPr kumimoji="1" lang="ja-JP" altLang="en-US" dirty="0">
+                <a:solidFill>
+                  <a:schemeClr val="bg1">
+                    <a:lumMod val="50000"/>
+                  </a:schemeClr>
+                </a:solidFill>
+              </a:rPr>
+              <a:t>　　→ スケジュール管理、進捗確認、情報共有、</a:t>
+            </a:r>
+            <a:endParaRPr kumimoji="1" lang="en-US" altLang="ja-JP" dirty="0">
+              <a:solidFill>
+                <a:schemeClr val="bg1">
+                  <a:lumMod val="50000"/>
+                </a:schemeClr>
+              </a:solidFill>
+            </a:endParaRPr>
+          </a:p>
+          <a:p>
+            <a:r>
+              <a:rPr kumimoji="1" lang="ja-JP" altLang="en-US" dirty="0">
+                <a:solidFill>
+                  <a:schemeClr val="bg1">
+                    <a:lumMod val="50000"/>
+                  </a:schemeClr>
+                </a:solidFill>
+              </a:rPr>
+              <a:t>　　　　ルールの設置 等、全てが素晴らしかった</a:t>
+            </a:r>
+            <a:endParaRPr kumimoji="1" lang="en-US" altLang="ja-JP" dirty="0">
+              <a:solidFill>
+                <a:schemeClr val="bg1">
+                  <a:lumMod val="50000"/>
+                </a:schemeClr>
+              </a:solidFill>
+            </a:endParaRPr>
+          </a:p>
+          <a:p>
+            <a:endParaRPr kumimoji="1" lang="en-US" altLang="ja-JP" dirty="0">
+              <a:solidFill>
+                <a:schemeClr val="tx1"/>
+              </a:solidFill>
+            </a:endParaRPr>
+          </a:p>
+          <a:p>
+            <a:r>
+              <a:rPr kumimoji="1" lang="ja-JP" altLang="en-US" b="1" dirty="0">
+                <a:solidFill>
+                  <a:schemeClr val="tx1"/>
+                </a:solidFill>
+              </a:rPr>
+              <a:t>・ 捨てた機能が少ない！</a:t>
+            </a:r>
+            <a:endParaRPr kumimoji="1" lang="en-US" altLang="ja-JP" b="1" dirty="0">
+              <a:solidFill>
+                <a:schemeClr val="tx1"/>
+              </a:solidFill>
+            </a:endParaRPr>
+          </a:p>
+          <a:p>
+            <a:r>
+              <a:rPr kumimoji="1" lang="ja-JP" altLang="en-US" dirty="0">
+                <a:solidFill>
+                  <a:schemeClr val="bg1">
+                    <a:lumMod val="50000"/>
+                  </a:schemeClr>
+                </a:solidFill>
+              </a:rPr>
+              <a:t>　　→ 外部設計を焦らずじっくり進められたため、</a:t>
+            </a:r>
+          </a:p>
+          <a:p>
+            <a:r>
+              <a:rPr kumimoji="1" lang="ja-JP" altLang="en-US" dirty="0">
+                <a:solidFill>
+                  <a:schemeClr val="bg1">
+                    <a:lumMod val="50000"/>
+                  </a:schemeClr>
+                </a:solidFill>
+              </a:rPr>
+              <a:t> 　　　 プログラミング時に問題がほとんど発生しなかった</a:t>
+            </a:r>
+            <a:endParaRPr kumimoji="1" lang="en-US" altLang="ja-JP" dirty="0">
+              <a:solidFill>
+                <a:schemeClr val="bg1">
+                  <a:lumMod val="50000"/>
+                </a:schemeClr>
+              </a:solidFill>
+            </a:endParaRPr>
+          </a:p>
+          <a:p>
+            <a:endParaRPr kumimoji="1" lang="en-US" altLang="ja-JP" dirty="0">
+              <a:solidFill>
+                <a:schemeClr val="tx1"/>
+              </a:solidFill>
+            </a:endParaRPr>
+          </a:p>
+          <a:p>
+            <a:r>
+              <a:rPr kumimoji="1" lang="ja-JP" altLang="en-US" dirty="0">
+                <a:solidFill>
+                  <a:schemeClr val="tx1"/>
+                </a:solidFill>
+              </a:rPr>
+              <a:t>・ </a:t>
+            </a:r>
+            <a:r>
+              <a:rPr kumimoji="1" lang="ja-JP" altLang="en-US" b="1" dirty="0">
+                <a:solidFill>
+                  <a:schemeClr val="tx1"/>
+                </a:solidFill>
+              </a:rPr>
+              <a:t>適材適所の分業ができていた</a:t>
+            </a:r>
+            <a:endParaRPr kumimoji="1" lang="en-US" altLang="ja-JP" b="1" dirty="0">
+              <a:solidFill>
+                <a:schemeClr val="tx1"/>
+              </a:solidFill>
+            </a:endParaRPr>
+          </a:p>
+          <a:p>
+            <a:r>
+              <a:rPr kumimoji="1" lang="ja-JP" altLang="en-US" dirty="0">
+                <a:solidFill>
+                  <a:schemeClr val="bg1">
+                    <a:lumMod val="50000"/>
+                  </a:schemeClr>
+                </a:solidFill>
+              </a:rPr>
+              <a:t>　　→ 個人作業ができる力のあるメンバーが多かった</a:t>
+            </a:r>
+          </a:p>
+        </p:txBody>
+      </p:sp>
+      <p:sp>
+        <p:nvSpPr>
+          <p:cNvPr id="11" name="四角形: 対角を切り取る 10">
+            <a:extLst>
+              <a:ext uri="{FF2B5EF4-FFF2-40B4-BE49-F238E27FC236}">
+                <a16:creationId xmlns:a16="http://schemas.microsoft.com/office/drawing/2014/main" id="{9FDD4D0A-175B-41BF-893F-40782A408635}"/>
+              </a:ext>
+            </a:extLst>
+          </p:cNvPr>
+          <p:cNvSpPr/>
+          <p:nvPr/>
+        </p:nvSpPr>
+        <p:spPr>
+          <a:xfrm>
+            <a:off x="1294746" y="1407520"/>
+            <a:ext cx="3764687" cy="370655"/>
+          </a:xfrm>
+          <a:prstGeom prst="snip2DiagRect">
+            <a:avLst/>
+          </a:prstGeom>
+          <a:solidFill>
+            <a:schemeClr val="bg1"/>
+          </a:solidFill>
+          <a:ln w="28575">
+            <a:solidFill>
+              <a:schemeClr val="bg1">
+                <a:lumMod val="50000"/>
+              </a:schemeClr>
+            </a:solidFill>
+            <a:prstDash val="dash"/>
+          </a:ln>
+        </p:spPr>
+        <p:style>
+          <a:lnRef idx="2">
+            <a:schemeClr val="accent1">
+              <a:shade val="50000"/>
+            </a:schemeClr>
+          </a:lnRef>
+          <a:fillRef idx="1">
+            <a:schemeClr val="accent1"/>
+          </a:fillRef>
+          <a:effectRef idx="0">
+            <a:schemeClr val="accent1"/>
+          </a:effectRef>
+          <a:fontRef idx="minor">
+            <a:schemeClr val="lt1"/>
+          </a:fontRef>
+        </p:style>
+        <p:txBody>
+          <a:bodyPr rtlCol="0" anchor="ctr"/>
+          <a:lstStyle/>
+          <a:p>
+            <a:pPr algn="ctr"/>
+            <a:r>
+              <a:rPr kumimoji="1" lang="ja-JP" altLang="en-US" dirty="0">
+                <a:solidFill>
+                  <a:schemeClr val="tx1"/>
+                </a:solidFill>
+              </a:rPr>
+              <a:t>チームのよかったところ</a:t>
+            </a:r>
+          </a:p>
+        </p:txBody>
+      </p:sp>
+      <p:sp>
+        <p:nvSpPr>
+          <p:cNvPr id="12" name="正方形/長方形 11">
+            <a:extLst>
+              <a:ext uri="{FF2B5EF4-FFF2-40B4-BE49-F238E27FC236}">
+                <a16:creationId xmlns:a16="http://schemas.microsoft.com/office/drawing/2014/main" id="{11DE34EF-C995-4522-BC79-66CFAB446445}"/>
+              </a:ext>
+            </a:extLst>
+          </p:cNvPr>
+          <p:cNvSpPr/>
+          <p:nvPr/>
+        </p:nvSpPr>
+        <p:spPr>
+          <a:xfrm>
+            <a:off x="6126865" y="1649186"/>
+            <a:ext cx="5603822" cy="3412670"/>
+          </a:xfrm>
+          <a:prstGeom prst="rect">
+            <a:avLst/>
+          </a:prstGeom>
+          <a:solidFill>
+            <a:srgbClr val="FFFFFF"/>
+          </a:solidFill>
+          <a:ln w="38100">
+            <a:solidFill>
+              <a:schemeClr val="bg1">
+                <a:lumMod val="90000"/>
+              </a:schemeClr>
+            </a:solidFill>
+          </a:ln>
+        </p:spPr>
+        <p:style>
+          <a:lnRef idx="2">
+            <a:schemeClr val="accent1">
+              <a:shade val="50000"/>
+            </a:schemeClr>
+          </a:lnRef>
+          <a:fillRef idx="1">
+            <a:schemeClr val="accent1"/>
+          </a:fillRef>
+          <a:effectRef idx="0">
+            <a:schemeClr val="accent1"/>
+          </a:effectRef>
+          <a:fontRef idx="minor">
+            <a:schemeClr val="lt1"/>
+          </a:fontRef>
+        </p:style>
+        <p:txBody>
+          <a:bodyPr rtlCol="0" anchor="t" anchorCtr="0"/>
+          <a:lstStyle/>
+          <a:p>
+            <a:endParaRPr kumimoji="1" lang="en-US" altLang="ja-JP" sz="1400" dirty="0">
+              <a:solidFill>
+                <a:schemeClr val="tx1"/>
+              </a:solidFill>
+            </a:endParaRPr>
+          </a:p>
+          <a:p>
+            <a:r>
+              <a:rPr kumimoji="1" lang="ja-JP" altLang="en-US" dirty="0">
+                <a:solidFill>
+                  <a:schemeClr val="tx1"/>
+                </a:solidFill>
+              </a:rPr>
+              <a:t>・ 外部設計に時間を費やしすぎた</a:t>
+            </a:r>
+            <a:endParaRPr kumimoji="1" lang="en-US" altLang="ja-JP" dirty="0">
+              <a:solidFill>
+                <a:schemeClr val="tx1"/>
+              </a:solidFill>
+            </a:endParaRPr>
+          </a:p>
+          <a:p>
+            <a:r>
+              <a:rPr kumimoji="1" lang="ja-JP" altLang="en-US" dirty="0">
+                <a:solidFill>
+                  <a:schemeClr val="tx1"/>
+                </a:solidFill>
+              </a:rPr>
+              <a:t>　（当初の予定より</a:t>
+            </a:r>
+            <a:r>
+              <a:rPr kumimoji="1" lang="en-US" altLang="ja-JP" dirty="0">
+                <a:solidFill>
+                  <a:schemeClr val="tx1"/>
+                </a:solidFill>
+              </a:rPr>
+              <a:t>2</a:t>
+            </a:r>
+            <a:r>
+              <a:rPr kumimoji="1" lang="ja-JP" altLang="en-US" dirty="0">
+                <a:solidFill>
+                  <a:schemeClr val="tx1"/>
+                </a:solidFill>
+              </a:rPr>
+              <a:t>日オーバー。知識の薄さ故）</a:t>
+            </a:r>
+            <a:endParaRPr kumimoji="1" lang="en-US" altLang="ja-JP" dirty="0">
+              <a:solidFill>
+                <a:schemeClr val="tx1"/>
+              </a:solidFill>
+            </a:endParaRPr>
+          </a:p>
+          <a:p>
+            <a:r>
+              <a:rPr kumimoji="1" lang="ja-JP" altLang="en-US" dirty="0">
+                <a:solidFill>
+                  <a:schemeClr val="bg1">
+                    <a:lumMod val="50000"/>
+                  </a:schemeClr>
+                </a:solidFill>
+              </a:rPr>
+              <a:t>　　→ ここがスムーズだったら機能にもっと凝れたかも</a:t>
+            </a:r>
+            <a:endParaRPr kumimoji="1" lang="en-US" altLang="ja-JP" dirty="0">
+              <a:solidFill>
+                <a:schemeClr val="bg1">
+                  <a:lumMod val="50000"/>
+                </a:schemeClr>
+              </a:solidFill>
+            </a:endParaRPr>
+          </a:p>
+          <a:p>
+            <a:r>
+              <a:rPr kumimoji="1" lang="ja-JP" altLang="en-US" dirty="0">
+                <a:solidFill>
+                  <a:schemeClr val="bg1">
+                    <a:lumMod val="50000"/>
+                  </a:schemeClr>
+                </a:solidFill>
+              </a:rPr>
+              <a:t>　　　　ただし、小さなアイデアや疑問点もドシドシ発言できて</a:t>
+            </a:r>
+            <a:endParaRPr kumimoji="1" lang="en-US" altLang="ja-JP" dirty="0">
+              <a:solidFill>
+                <a:schemeClr val="bg1">
+                  <a:lumMod val="50000"/>
+                </a:schemeClr>
+              </a:solidFill>
+            </a:endParaRPr>
+          </a:p>
+          <a:p>
+            <a:r>
+              <a:rPr kumimoji="1" lang="ja-JP" altLang="en-US" dirty="0">
+                <a:solidFill>
+                  <a:schemeClr val="bg1">
+                    <a:lumMod val="50000"/>
+                  </a:schemeClr>
+                </a:solidFill>
+              </a:rPr>
+              <a:t>　　　　いたことが大きな要因。完全な欠点ではない。</a:t>
+            </a:r>
+            <a:endParaRPr kumimoji="1" lang="en-US" altLang="ja-JP" dirty="0">
+              <a:solidFill>
+                <a:schemeClr val="bg1">
+                  <a:lumMod val="50000"/>
+                </a:schemeClr>
+              </a:solidFill>
+            </a:endParaRPr>
+          </a:p>
+          <a:p>
+            <a:endParaRPr kumimoji="1" lang="en-US" altLang="ja-JP" dirty="0">
+              <a:solidFill>
+                <a:schemeClr val="tx1"/>
+              </a:solidFill>
+            </a:endParaRPr>
+          </a:p>
+          <a:p>
+            <a:r>
+              <a:rPr kumimoji="1" lang="ja-JP" altLang="en-US" dirty="0">
+                <a:solidFill>
+                  <a:schemeClr val="tx1"/>
+                </a:solidFill>
+              </a:rPr>
+              <a:t>・ </a:t>
+            </a:r>
+            <a:r>
+              <a:rPr kumimoji="1" lang="en-US" altLang="ja-JP" dirty="0">
+                <a:solidFill>
+                  <a:schemeClr val="tx1"/>
+                </a:solidFill>
+              </a:rPr>
+              <a:t>Google</a:t>
+            </a:r>
+            <a:r>
+              <a:rPr kumimoji="1" lang="ja-JP" altLang="en-US" dirty="0">
+                <a:solidFill>
+                  <a:schemeClr val="tx1"/>
+                </a:solidFill>
+              </a:rPr>
+              <a:t>ドキュメント等、</a:t>
+            </a:r>
+            <a:r>
+              <a:rPr kumimoji="1" lang="ja-JP" altLang="en-US" b="1" dirty="0">
+                <a:solidFill>
+                  <a:schemeClr val="tx1"/>
+                </a:solidFill>
+              </a:rPr>
+              <a:t>リアルタイムで進捗確認</a:t>
+            </a:r>
+            <a:r>
+              <a:rPr kumimoji="1" lang="ja-JP" altLang="en-US" dirty="0">
+                <a:solidFill>
+                  <a:schemeClr val="tx1"/>
+                </a:solidFill>
+              </a:rPr>
+              <a:t>ができる</a:t>
+            </a:r>
+            <a:endParaRPr kumimoji="1" lang="en-US" altLang="ja-JP" dirty="0">
+              <a:solidFill>
+                <a:schemeClr val="tx1"/>
+              </a:solidFill>
+            </a:endParaRPr>
+          </a:p>
+          <a:p>
+            <a:r>
+              <a:rPr kumimoji="1" lang="ja-JP" altLang="en-US" dirty="0">
+                <a:solidFill>
+                  <a:schemeClr val="tx1"/>
+                </a:solidFill>
+              </a:rPr>
+              <a:t>　 ツールを利用したらよかった。</a:t>
+            </a:r>
+            <a:r>
+              <a:rPr kumimoji="1" lang="ja-JP" altLang="en-US" dirty="0">
+                <a:solidFill>
+                  <a:schemeClr val="bg1">
+                    <a:lumMod val="50000"/>
+                  </a:schemeClr>
+                </a:solidFill>
+              </a:rPr>
+              <a:t>（リーダーとしての反省点）</a:t>
+            </a:r>
+            <a:endParaRPr kumimoji="1" lang="en-US" altLang="ja-JP" dirty="0">
+              <a:solidFill>
+                <a:schemeClr val="bg1">
+                  <a:lumMod val="50000"/>
+                </a:schemeClr>
+              </a:solidFill>
+            </a:endParaRPr>
+          </a:p>
+          <a:p>
+            <a:endParaRPr kumimoji="1" lang="en-US" altLang="ja-JP" dirty="0">
+              <a:solidFill>
+                <a:schemeClr val="tx1"/>
+              </a:solidFill>
+            </a:endParaRPr>
+          </a:p>
+          <a:p>
+            <a:r>
+              <a:rPr kumimoji="1" lang="ja-JP" altLang="en-US" dirty="0">
+                <a:solidFill>
+                  <a:schemeClr val="tx1"/>
+                </a:solidFill>
+              </a:rPr>
+              <a:t>・ 総括すると「</a:t>
+            </a:r>
+            <a:r>
+              <a:rPr kumimoji="1" lang="ja-JP" altLang="en-US" b="1" u="sng" dirty="0">
+                <a:solidFill>
+                  <a:schemeClr val="tx1"/>
+                </a:solidFill>
+              </a:rPr>
+              <a:t>スケジュール管理</a:t>
+            </a:r>
+            <a:r>
+              <a:rPr kumimoji="1" lang="ja-JP" altLang="en-US" dirty="0">
+                <a:solidFill>
+                  <a:schemeClr val="tx1"/>
+                </a:solidFill>
+              </a:rPr>
+              <a:t>」！</a:t>
+            </a:r>
+            <a:endParaRPr kumimoji="1" lang="en-US" altLang="ja-JP" dirty="0">
+              <a:solidFill>
+                <a:schemeClr val="tx1"/>
+              </a:solidFill>
+            </a:endParaRPr>
+          </a:p>
+          <a:p>
+            <a:r>
+              <a:rPr kumimoji="1" lang="ja-JP" altLang="en-US" dirty="0">
+                <a:solidFill>
+                  <a:schemeClr val="tx1"/>
+                </a:solidFill>
+              </a:rPr>
+              <a:t>　 次があったらもっとうまくやれる！</a:t>
+            </a:r>
+            <a:endParaRPr kumimoji="1" lang="en-US" altLang="ja-JP" dirty="0">
+              <a:solidFill>
+                <a:schemeClr val="tx1"/>
+              </a:solidFill>
+            </a:endParaRPr>
+          </a:p>
+        </p:txBody>
+      </p:sp>
+      <p:sp>
+        <p:nvSpPr>
+          <p:cNvPr id="13" name="四角形: 対角を切り取る 12">
+            <a:extLst>
+              <a:ext uri="{FF2B5EF4-FFF2-40B4-BE49-F238E27FC236}">
+                <a16:creationId xmlns:a16="http://schemas.microsoft.com/office/drawing/2014/main" id="{811DA8D5-FD3D-431B-9F3E-0BB2E66E0288}"/>
+              </a:ext>
+            </a:extLst>
+          </p:cNvPr>
+          <p:cNvSpPr/>
+          <p:nvPr/>
+        </p:nvSpPr>
+        <p:spPr>
+          <a:xfrm>
+            <a:off x="7046432" y="1407521"/>
+            <a:ext cx="3764687" cy="370655"/>
+          </a:xfrm>
+          <a:prstGeom prst="snip2DiagRect">
+            <a:avLst/>
+          </a:prstGeom>
+          <a:solidFill>
+            <a:schemeClr val="bg1"/>
+          </a:solidFill>
+          <a:ln w="28575">
+            <a:solidFill>
+              <a:schemeClr val="bg1">
+                <a:lumMod val="50000"/>
+              </a:schemeClr>
+            </a:solidFill>
+            <a:prstDash val="dash"/>
+          </a:ln>
+        </p:spPr>
+        <p:style>
+          <a:lnRef idx="2">
+            <a:schemeClr val="accent1">
+              <a:shade val="50000"/>
+            </a:schemeClr>
+          </a:lnRef>
+          <a:fillRef idx="1">
+            <a:schemeClr val="accent1"/>
+          </a:fillRef>
+          <a:effectRef idx="0">
+            <a:schemeClr val="accent1"/>
+          </a:effectRef>
+          <a:fontRef idx="minor">
+            <a:schemeClr val="lt1"/>
+          </a:fontRef>
+        </p:style>
+        <p:txBody>
+          <a:bodyPr rtlCol="0" anchor="ctr"/>
+          <a:lstStyle/>
+          <a:p>
+            <a:pPr algn="ctr"/>
+            <a:r>
+              <a:rPr kumimoji="1" lang="ja-JP" altLang="en-US" dirty="0">
+                <a:solidFill>
+                  <a:schemeClr val="tx1"/>
+                </a:solidFill>
+              </a:rPr>
+              <a:t>チームの問題点・課題</a:t>
+            </a:r>
+          </a:p>
+        </p:txBody>
+      </p:sp>
+      <p:sp>
+        <p:nvSpPr>
+          <p:cNvPr id="14" name="正方形/長方形 13">
+            <a:extLst>
+              <a:ext uri="{FF2B5EF4-FFF2-40B4-BE49-F238E27FC236}">
+                <a16:creationId xmlns:a16="http://schemas.microsoft.com/office/drawing/2014/main" id="{704692EC-F5C0-4D2C-97A9-241FA95DB4AE}"/>
+              </a:ext>
+            </a:extLst>
+          </p:cNvPr>
+          <p:cNvSpPr/>
+          <p:nvPr/>
+        </p:nvSpPr>
+        <p:spPr>
+          <a:xfrm>
+            <a:off x="6126865" y="5438777"/>
+            <a:ext cx="5603822" cy="1282698"/>
+          </a:xfrm>
+          <a:prstGeom prst="rect">
+            <a:avLst/>
+          </a:prstGeom>
+          <a:solidFill>
+            <a:srgbClr val="FFFFFF"/>
+          </a:solidFill>
+          <a:ln w="38100">
+            <a:solidFill>
+              <a:schemeClr val="bg1">
+                <a:lumMod val="90000"/>
+              </a:schemeClr>
+            </a:solidFill>
+          </a:ln>
+        </p:spPr>
+        <p:style>
+          <a:lnRef idx="2">
+            <a:schemeClr val="accent1">
+              <a:shade val="50000"/>
+            </a:schemeClr>
+          </a:lnRef>
+          <a:fillRef idx="1">
+            <a:schemeClr val="accent1"/>
+          </a:fillRef>
+          <a:effectRef idx="0">
+            <a:schemeClr val="accent1"/>
+          </a:effectRef>
+          <a:fontRef idx="minor">
+            <a:schemeClr val="lt1"/>
+          </a:fontRef>
+        </p:style>
+        <p:txBody>
+          <a:bodyPr rtlCol="0" anchor="t" anchorCtr="0"/>
+          <a:lstStyle/>
+          <a:p>
+            <a:endParaRPr kumimoji="1" lang="en-US" altLang="ja-JP" sz="1400" dirty="0">
+              <a:solidFill>
+                <a:schemeClr val="tx1"/>
+              </a:solidFill>
+            </a:endParaRPr>
+          </a:p>
+          <a:p>
+            <a:r>
+              <a:rPr kumimoji="1" lang="ja-JP" altLang="en-US" dirty="0">
+                <a:solidFill>
+                  <a:schemeClr val="tx1"/>
+                </a:solidFill>
+              </a:rPr>
+              <a:t>・ アイデアや意見がたくさん出た</a:t>
+            </a:r>
+            <a:endParaRPr kumimoji="1" lang="en-US" altLang="ja-JP" dirty="0">
+              <a:solidFill>
+                <a:schemeClr val="tx1"/>
+              </a:solidFill>
+            </a:endParaRPr>
+          </a:p>
+          <a:p>
+            <a:r>
+              <a:rPr kumimoji="1" lang="ja-JP" altLang="en-US" dirty="0">
+                <a:solidFill>
+                  <a:schemeClr val="tx1"/>
+                </a:solidFill>
+              </a:rPr>
+              <a:t>・ まとめるのが難しい</a:t>
+            </a:r>
+            <a:endParaRPr kumimoji="1" lang="en-US" altLang="ja-JP" dirty="0">
+              <a:solidFill>
+                <a:schemeClr val="tx1"/>
+              </a:solidFill>
+            </a:endParaRPr>
+          </a:p>
+          <a:p>
+            <a:r>
+              <a:rPr kumimoji="1" lang="ja-JP" altLang="en-US" dirty="0">
+                <a:solidFill>
+                  <a:schemeClr val="tx1"/>
+                </a:solidFill>
+              </a:rPr>
+              <a:t>・ </a:t>
+            </a:r>
+            <a:r>
+              <a:rPr kumimoji="1" lang="en-US" altLang="ja-JP" dirty="0">
+                <a:solidFill>
+                  <a:schemeClr val="tx1"/>
+                </a:solidFill>
+              </a:rPr>
+              <a:t>DB</a:t>
+            </a:r>
+            <a:r>
+              <a:rPr kumimoji="1" lang="ja-JP" altLang="en-US" dirty="0">
+                <a:solidFill>
+                  <a:schemeClr val="tx1"/>
+                </a:solidFill>
+              </a:rPr>
+              <a:t>担当を二人置けたのが良かった</a:t>
+            </a:r>
+            <a:endParaRPr kumimoji="1" lang="en-US" altLang="ja-JP" dirty="0">
+              <a:solidFill>
+                <a:schemeClr val="tx1"/>
+              </a:solidFill>
+            </a:endParaRPr>
+          </a:p>
+        </p:txBody>
+      </p:sp>
+      <p:sp>
+        <p:nvSpPr>
+          <p:cNvPr id="16" name="四角形: 対角を切り取る 15">
+            <a:extLst>
+              <a:ext uri="{FF2B5EF4-FFF2-40B4-BE49-F238E27FC236}">
+                <a16:creationId xmlns:a16="http://schemas.microsoft.com/office/drawing/2014/main" id="{B4B7C878-6222-4056-92ED-0F85AD63AC75}"/>
+              </a:ext>
+            </a:extLst>
+          </p:cNvPr>
+          <p:cNvSpPr/>
+          <p:nvPr/>
+        </p:nvSpPr>
+        <p:spPr>
+          <a:xfrm>
+            <a:off x="7046432" y="5228191"/>
+            <a:ext cx="3764687" cy="370655"/>
+          </a:xfrm>
+          <a:prstGeom prst="snip2DiagRect">
+            <a:avLst/>
+          </a:prstGeom>
+          <a:solidFill>
+            <a:schemeClr val="bg1"/>
+          </a:solidFill>
+          <a:ln w="28575">
+            <a:solidFill>
+              <a:schemeClr val="bg1">
+                <a:lumMod val="50000"/>
+              </a:schemeClr>
+            </a:solidFill>
+            <a:prstDash val="dash"/>
+          </a:ln>
+        </p:spPr>
+        <p:style>
+          <a:lnRef idx="2">
+            <a:schemeClr val="accent1">
+              <a:shade val="50000"/>
+            </a:schemeClr>
+          </a:lnRef>
+          <a:fillRef idx="1">
+            <a:schemeClr val="accent1"/>
+          </a:fillRef>
+          <a:effectRef idx="0">
+            <a:schemeClr val="accent1"/>
+          </a:effectRef>
+          <a:fontRef idx="minor">
+            <a:schemeClr val="lt1"/>
+          </a:fontRef>
+        </p:style>
+        <p:txBody>
+          <a:bodyPr rtlCol="0" anchor="ctr"/>
+          <a:lstStyle/>
+          <a:p>
+            <a:pPr algn="ctr"/>
+            <a:r>
+              <a:rPr kumimoji="1" lang="en-US" altLang="ja-JP" dirty="0">
+                <a:solidFill>
+                  <a:schemeClr val="tx1"/>
+                </a:solidFill>
+              </a:rPr>
+              <a:t>6</a:t>
+            </a:r>
+            <a:r>
+              <a:rPr kumimoji="1" lang="ja-JP" altLang="en-US" dirty="0">
+                <a:solidFill>
+                  <a:schemeClr val="tx1"/>
+                </a:solidFill>
+              </a:rPr>
+              <a:t>人編成だったわけですが</a:t>
+            </a:r>
+            <a:r>
+              <a:rPr kumimoji="1" lang="en-US" altLang="ja-JP" dirty="0">
+                <a:solidFill>
+                  <a:schemeClr val="tx1"/>
+                </a:solidFill>
+              </a:rPr>
+              <a:t>…</a:t>
+            </a:r>
+            <a:endParaRPr kumimoji="1" lang="ja-JP" altLang="en-US" dirty="0">
+              <a:solidFill>
+                <a:schemeClr val="tx1"/>
+              </a:solidFill>
+            </a:endParaRPr>
+          </a:p>
+        </p:txBody>
+      </p:sp>
+      <p:sp>
+        <p:nvSpPr>
+          <p:cNvPr id="17" name="タイトル 1">
+            <a:extLst>
+              <a:ext uri="{FF2B5EF4-FFF2-40B4-BE49-F238E27FC236}">
+                <a16:creationId xmlns:a16="http://schemas.microsoft.com/office/drawing/2014/main" id="{5D659EC9-5E1E-4030-A474-2F702600C15D}"/>
+              </a:ext>
+            </a:extLst>
+          </p:cNvPr>
+          <p:cNvSpPr txBox="1">
+            <a:spLocks/>
+          </p:cNvSpPr>
+          <p:nvPr/>
+        </p:nvSpPr>
+        <p:spPr>
+          <a:xfrm>
+            <a:off x="2766904" y="506984"/>
+            <a:ext cx="6801639" cy="583800"/>
+          </a:xfrm>
+          <a:prstGeom prst="rect">
+            <a:avLst/>
+          </a:prstGeom>
+        </p:spPr>
+        <p:txBody>
+          <a:bodyPr vert="horz" lIns="91440" tIns="45720" rIns="91440" bIns="45720" rtlCol="0" anchor="ctr">
+            <a:noAutofit/>
+          </a:bodyPr>
+          <a:lstStyle>
+            <a:lvl1pPr algn="l" defTabSz="914400" rtl="0" eaLnBrk="1" latinLnBrk="0" hangingPunct="1">
+              <a:lnSpc>
+                <a:spcPct val="90000"/>
+              </a:lnSpc>
+              <a:spcBef>
+                <a:spcPct val="0"/>
+              </a:spcBef>
+              <a:buNone/>
+              <a:defRPr kumimoji="1" sz="2400" b="1" i="0" kern="1200" spc="150" baseline="0">
+                <a:solidFill>
+                  <a:schemeClr val="tx1"/>
+                </a:solidFill>
+                <a:latin typeface="+mj-lt"/>
+                <a:ea typeface="Meiryo UI" panose="020B0604030504040204" pitchFamily="34" charset="-128"/>
+                <a:cs typeface="+mj-cs"/>
+              </a:defRPr>
+            </a:lvl1pPr>
+          </a:lstStyle>
+          <a:p>
+            <a:pPr>
+              <a:lnSpc>
+                <a:spcPct val="100000"/>
+              </a:lnSpc>
+            </a:pPr>
+            <a:r>
+              <a:rPr lang="ja-JP" altLang="en-US" sz="2000" b="0" dirty="0"/>
+              <a:t>発表にあたって、チーム内で振り返りをした際のメモ書きです。本編では紹介できないものが大部分。</a:t>
+            </a:r>
+            <a:r>
+              <a:rPr lang="en-US" altLang="ja-JP" sz="2000" b="0" dirty="0"/>
+              <a:t> </a:t>
+            </a:r>
+            <a:endParaRPr lang="ja" sz="3200" b="0" dirty="0"/>
+          </a:p>
+        </p:txBody>
+      </p:sp>
+    </p:spTree>
+    <p:extLst>
+      <p:ext uri="{BB962C8B-B14F-4D97-AF65-F5344CB8AC3E}">
+        <p14:creationId xmlns:p14="http://schemas.microsoft.com/office/powerpoint/2010/main" val="2568996784"/>
+      </p:ext>
+    </p:extLst>
+  </p:cSld>
+  <p:clrMapOvr>
+    <a:masterClrMapping/>
+  </p:clrMapOvr>
 </p:sld>
 </file>
 
@@ -26050,18 +27293,6 @@
               </a:rPr>
               <a:t>mynote++</a:t>
             </a:r>
-          </a:p>
-          <a:p>
-            <a:pPr marL="0" indent="0" algn="ctr">
-              <a:lnSpc>
-                <a:spcPct val="100000"/>
-              </a:lnSpc>
-              <a:buFont typeface="Wingdings" panose="05000000000000000000" pitchFamily="2" charset="2"/>
-              <a:buNone/>
-            </a:pPr>
-            <a:endParaRPr lang="ja-JP" altLang="en-US" sz="6000" dirty="0">
-              <a:latin typeface="Arial Black" panose="020B0A04020102020204" pitchFamily="34" charset="0"/>
-            </a:endParaRPr>
           </a:p>
         </p:txBody>
       </p:sp>

--- a/documents/A4_worldMap_発表会資料_0630.pptx
+++ b/documents/A4_worldMap_発表会資料_0630.pptx
@@ -23749,8 +23749,8 @@
         </p:nvSpPr>
         <p:spPr>
           <a:xfrm>
-            <a:off x="6126865" y="5438777"/>
-            <a:ext cx="5603822" cy="1282698"/>
+            <a:off x="6126865" y="5370286"/>
+            <a:ext cx="5603822" cy="1351189"/>
           </a:xfrm>
           <a:prstGeom prst="rect">
             <a:avLst/>
@@ -23869,7 +23869,7 @@
         </p:nvSpPr>
         <p:spPr>
           <a:xfrm>
-            <a:off x="7046432" y="5228191"/>
+            <a:off x="7046432" y="5208814"/>
             <a:ext cx="3764687" cy="370655"/>
           </a:xfrm>
           <a:prstGeom prst="snip2DiagRect">
